--- a/PPT/MLG Capstone Presentation - Final v3.pptx
+++ b/PPT/MLG Capstone Presentation - Final v3.pptx
@@ -15,9 +15,9 @@
     <p:sldId id="791" r:id="rId6"/>
     <p:sldId id="765" r:id="rId7"/>
     <p:sldId id="801" r:id="rId8"/>
-    <p:sldId id="628" r:id="rId9"/>
-    <p:sldId id="796" r:id="rId10"/>
-    <p:sldId id="795" r:id="rId11"/>
+    <p:sldId id="796" r:id="rId9"/>
+    <p:sldId id="795" r:id="rId10"/>
+    <p:sldId id="829" r:id="rId11"/>
     <p:sldId id="828" r:id="rId12"/>
     <p:sldId id="799" r:id="rId13"/>
     <p:sldId id="800" r:id="rId14"/>
@@ -862,6 +862,3368 @@
 </pc:chgInfo>
 </file>
 
+<file path=ppt/diagrams/colors1.xml><?xml version="1.0" encoding="utf-8"?>
+<dgm:colorsDef xmlns:dgm="http://schemas.openxmlformats.org/drawingml/2006/diagram" xmlns:a="http://schemas.openxmlformats.org/drawingml/2006/main" uniqueId="urn:microsoft.com/office/officeart/2005/8/colors/accent1_2">
+  <dgm:title val=""/>
+  <dgm:desc val=""/>
+  <dgm:catLst>
+    <dgm:cat type="accent1" pri="11200"/>
+  </dgm:catLst>
+  <dgm:styleLbl name="node0">
+    <dgm:fillClrLst meth="repeat">
+      <a:schemeClr val="accent1"/>
+    </dgm:fillClrLst>
+    <dgm:linClrLst meth="repeat">
+      <a:schemeClr val="lt1"/>
+    </dgm:linClrLst>
+    <dgm:effectClrLst/>
+    <dgm:txLinClrLst/>
+    <dgm:txFillClrLst/>
+    <dgm:txEffectClrLst/>
+  </dgm:styleLbl>
+  <dgm:styleLbl name="alignNode1">
+    <dgm:fillClrLst meth="repeat">
+      <a:schemeClr val="accent1"/>
+    </dgm:fillClrLst>
+    <dgm:linClrLst meth="repeat">
+      <a:schemeClr val="accent1"/>
+    </dgm:linClrLst>
+    <dgm:effectClrLst/>
+    <dgm:txLinClrLst/>
+    <dgm:txFillClrLst/>
+    <dgm:txEffectClrLst/>
+  </dgm:styleLbl>
+  <dgm:styleLbl name="node1">
+    <dgm:fillClrLst meth="repeat">
+      <a:schemeClr val="accent1"/>
+    </dgm:fillClrLst>
+    <dgm:linClrLst meth="repeat">
+      <a:schemeClr val="lt1"/>
+    </dgm:linClrLst>
+    <dgm:effectClrLst/>
+    <dgm:txLinClrLst/>
+    <dgm:txFillClrLst/>
+    <dgm:txEffectClrLst/>
+  </dgm:styleLbl>
+  <dgm:styleLbl name="lnNode1">
+    <dgm:fillClrLst meth="repeat">
+      <a:schemeClr val="accent1"/>
+    </dgm:fillClrLst>
+    <dgm:linClrLst meth="repeat">
+      <a:schemeClr val="lt1"/>
+    </dgm:linClrLst>
+    <dgm:effectClrLst/>
+    <dgm:txLinClrLst/>
+    <dgm:txFillClrLst/>
+    <dgm:txEffectClrLst/>
+  </dgm:styleLbl>
+  <dgm:styleLbl name="vennNode1">
+    <dgm:fillClrLst meth="repeat">
+      <a:schemeClr val="accent1">
+        <a:alpha val="50000"/>
+      </a:schemeClr>
+    </dgm:fillClrLst>
+    <dgm:linClrLst meth="repeat">
+      <a:schemeClr val="lt1"/>
+    </dgm:linClrLst>
+    <dgm:effectClrLst/>
+    <dgm:txLinClrLst/>
+    <dgm:txFillClrLst/>
+    <dgm:txEffectClrLst/>
+  </dgm:styleLbl>
+  <dgm:styleLbl name="node2">
+    <dgm:fillClrLst meth="repeat">
+      <a:schemeClr val="accent1"/>
+    </dgm:fillClrLst>
+    <dgm:linClrLst meth="repeat">
+      <a:schemeClr val="lt1"/>
+    </dgm:linClrLst>
+    <dgm:effectClrLst/>
+    <dgm:txLinClrLst/>
+    <dgm:txFillClrLst/>
+    <dgm:txEffectClrLst/>
+  </dgm:styleLbl>
+  <dgm:styleLbl name="node3">
+    <dgm:fillClrLst meth="repeat">
+      <a:schemeClr val="accent1"/>
+    </dgm:fillClrLst>
+    <dgm:linClrLst meth="repeat">
+      <a:schemeClr val="lt1"/>
+    </dgm:linClrLst>
+    <dgm:effectClrLst/>
+    <dgm:txLinClrLst/>
+    <dgm:txFillClrLst/>
+    <dgm:txEffectClrLst/>
+  </dgm:styleLbl>
+  <dgm:styleLbl name="node4">
+    <dgm:fillClrLst meth="repeat">
+      <a:schemeClr val="accent1"/>
+    </dgm:fillClrLst>
+    <dgm:linClrLst meth="repeat">
+      <a:schemeClr val="lt1"/>
+    </dgm:linClrLst>
+    <dgm:effectClrLst/>
+    <dgm:txLinClrLst/>
+    <dgm:txFillClrLst/>
+    <dgm:txEffectClrLst/>
+  </dgm:styleLbl>
+  <dgm:styleLbl name="fgImgPlace1">
+    <dgm:fillClrLst meth="repeat">
+      <a:schemeClr val="accent1">
+        <a:tint val="50000"/>
+      </a:schemeClr>
+    </dgm:fillClrLst>
+    <dgm:linClrLst meth="repeat">
+      <a:schemeClr val="lt1"/>
+    </dgm:linClrLst>
+    <dgm:effectClrLst/>
+    <dgm:txLinClrLst/>
+    <dgm:txFillClrLst meth="repeat">
+      <a:schemeClr val="lt1"/>
+    </dgm:txFillClrLst>
+    <dgm:txEffectClrLst/>
+  </dgm:styleLbl>
+  <dgm:styleLbl name="alignImgPlace1">
+    <dgm:fillClrLst meth="repeat">
+      <a:schemeClr val="accent1">
+        <a:tint val="50000"/>
+      </a:schemeClr>
+    </dgm:fillClrLst>
+    <dgm:linClrLst meth="repeat">
+      <a:schemeClr val="lt1"/>
+    </dgm:linClrLst>
+    <dgm:effectClrLst/>
+    <dgm:txLinClrLst/>
+    <dgm:txFillClrLst meth="repeat">
+      <a:schemeClr val="lt1"/>
+    </dgm:txFillClrLst>
+    <dgm:txEffectClrLst/>
+  </dgm:styleLbl>
+  <dgm:styleLbl name="bgImgPlace1">
+    <dgm:fillClrLst meth="repeat">
+      <a:schemeClr val="accent1">
+        <a:tint val="50000"/>
+      </a:schemeClr>
+    </dgm:fillClrLst>
+    <dgm:linClrLst meth="repeat">
+      <a:schemeClr val="lt1"/>
+    </dgm:linClrLst>
+    <dgm:effectClrLst/>
+    <dgm:txLinClrLst/>
+    <dgm:txFillClrLst meth="repeat">
+      <a:schemeClr val="lt1"/>
+    </dgm:txFillClrLst>
+    <dgm:txEffectClrLst/>
+  </dgm:styleLbl>
+  <dgm:styleLbl name="sibTrans2D1">
+    <dgm:fillClrLst meth="repeat">
+      <a:schemeClr val="accent1">
+        <a:tint val="60000"/>
+      </a:schemeClr>
+    </dgm:fillClrLst>
+    <dgm:linClrLst meth="repeat">
+      <a:schemeClr val="accent1">
+        <a:tint val="60000"/>
+      </a:schemeClr>
+    </dgm:linClrLst>
+    <dgm:effectClrLst/>
+    <dgm:txLinClrLst/>
+    <dgm:txFillClrLst/>
+    <dgm:txEffectClrLst/>
+  </dgm:styleLbl>
+  <dgm:styleLbl name="fgSibTrans2D1">
+    <dgm:fillClrLst meth="repeat">
+      <a:schemeClr val="accent1">
+        <a:tint val="60000"/>
+      </a:schemeClr>
+    </dgm:fillClrLst>
+    <dgm:linClrLst meth="repeat">
+      <a:schemeClr val="accent1">
+        <a:tint val="60000"/>
+      </a:schemeClr>
+    </dgm:linClrLst>
+    <dgm:effectClrLst/>
+    <dgm:txLinClrLst/>
+    <dgm:txFillClrLst/>
+    <dgm:txEffectClrLst/>
+  </dgm:styleLbl>
+  <dgm:styleLbl name="bgSibTrans2D1">
+    <dgm:fillClrLst meth="repeat">
+      <a:schemeClr val="accent1">
+        <a:tint val="60000"/>
+      </a:schemeClr>
+    </dgm:fillClrLst>
+    <dgm:linClrLst meth="repeat">
+      <a:schemeClr val="accent1">
+        <a:tint val="60000"/>
+      </a:schemeClr>
+    </dgm:linClrLst>
+    <dgm:effectClrLst/>
+    <dgm:txLinClrLst/>
+    <dgm:txFillClrLst/>
+    <dgm:txEffectClrLst/>
+  </dgm:styleLbl>
+  <dgm:styleLbl name="sibTrans1D1">
+    <dgm:fillClrLst meth="repeat">
+      <a:schemeClr val="accent1"/>
+    </dgm:fillClrLst>
+    <dgm:linClrLst meth="repeat">
+      <a:schemeClr val="accent1"/>
+    </dgm:linClrLst>
+    <dgm:effectClrLst/>
+    <dgm:txLinClrLst/>
+    <dgm:txFillClrLst meth="repeat">
+      <a:schemeClr val="tx1"/>
+    </dgm:txFillClrLst>
+    <dgm:txEffectClrLst/>
+  </dgm:styleLbl>
+  <dgm:styleLbl name="callout">
+    <dgm:fillClrLst meth="repeat">
+      <a:schemeClr val="accent1"/>
+    </dgm:fillClrLst>
+    <dgm:linClrLst meth="repeat">
+      <a:schemeClr val="accent1">
+        <a:tint val="50000"/>
+      </a:schemeClr>
+    </dgm:linClrLst>
+    <dgm:effectClrLst/>
+    <dgm:txLinClrLst/>
+    <dgm:txFillClrLst meth="repeat">
+      <a:schemeClr val="tx1"/>
+    </dgm:txFillClrLst>
+    <dgm:txEffectClrLst/>
+  </dgm:styleLbl>
+  <dgm:styleLbl name="asst0">
+    <dgm:fillClrLst meth="repeat">
+      <a:schemeClr val="accent1"/>
+    </dgm:fillClrLst>
+    <dgm:linClrLst meth="repeat">
+      <a:schemeClr val="lt1"/>
+    </dgm:linClrLst>
+    <dgm:effectClrLst/>
+    <dgm:txLinClrLst/>
+    <dgm:txFillClrLst/>
+    <dgm:txEffectClrLst/>
+  </dgm:styleLbl>
+  <dgm:styleLbl name="asst1">
+    <dgm:fillClrLst meth="repeat">
+      <a:schemeClr val="accent1"/>
+    </dgm:fillClrLst>
+    <dgm:linClrLst meth="repeat">
+      <a:schemeClr val="lt1"/>
+    </dgm:linClrLst>
+    <dgm:effectClrLst/>
+    <dgm:txLinClrLst/>
+    <dgm:txFillClrLst/>
+    <dgm:txEffectClrLst/>
+  </dgm:styleLbl>
+  <dgm:styleLbl name="asst2">
+    <dgm:fillClrLst meth="repeat">
+      <a:schemeClr val="accent1"/>
+    </dgm:fillClrLst>
+    <dgm:linClrLst meth="repeat">
+      <a:schemeClr val="lt1"/>
+    </dgm:linClrLst>
+    <dgm:effectClrLst/>
+    <dgm:txLinClrLst/>
+    <dgm:txFillClrLst/>
+    <dgm:txEffectClrLst/>
+  </dgm:styleLbl>
+  <dgm:styleLbl name="asst3">
+    <dgm:fillClrLst meth="repeat">
+      <a:schemeClr val="accent1"/>
+    </dgm:fillClrLst>
+    <dgm:linClrLst meth="repeat">
+      <a:schemeClr val="lt1"/>
+    </dgm:linClrLst>
+    <dgm:effectClrLst/>
+    <dgm:txLinClrLst/>
+    <dgm:txFillClrLst/>
+    <dgm:txEffectClrLst/>
+  </dgm:styleLbl>
+  <dgm:styleLbl name="asst4">
+    <dgm:fillClrLst meth="repeat">
+      <a:schemeClr val="accent1"/>
+    </dgm:fillClrLst>
+    <dgm:linClrLst meth="repeat">
+      <a:schemeClr val="lt1"/>
+    </dgm:linClrLst>
+    <dgm:effectClrLst/>
+    <dgm:txLinClrLst/>
+    <dgm:txFillClrLst/>
+    <dgm:txEffectClrLst/>
+  </dgm:styleLbl>
+  <dgm:styleLbl name="parChTrans2D1">
+    <dgm:fillClrLst meth="repeat">
+      <a:schemeClr val="accent1">
+        <a:tint val="60000"/>
+      </a:schemeClr>
+    </dgm:fillClrLst>
+    <dgm:linClrLst meth="repeat">
+      <a:schemeClr val="accent1">
+        <a:tint val="60000"/>
+      </a:schemeClr>
+    </dgm:linClrLst>
+    <dgm:effectClrLst/>
+    <dgm:txLinClrLst/>
+    <dgm:txFillClrLst meth="repeat">
+      <a:schemeClr val="lt1"/>
+    </dgm:txFillClrLst>
+    <dgm:txEffectClrLst/>
+  </dgm:styleLbl>
+  <dgm:styleLbl name="parChTrans2D2">
+    <dgm:fillClrLst meth="repeat">
+      <a:schemeClr val="accent1"/>
+    </dgm:fillClrLst>
+    <dgm:linClrLst meth="repeat">
+      <a:schemeClr val="accent1"/>
+    </dgm:linClrLst>
+    <dgm:effectClrLst/>
+    <dgm:txLinClrLst/>
+    <dgm:txFillClrLst meth="repeat">
+      <a:schemeClr val="lt1"/>
+    </dgm:txFillClrLst>
+    <dgm:txEffectClrLst/>
+  </dgm:styleLbl>
+  <dgm:styleLbl name="parChTrans2D3">
+    <dgm:fillClrLst meth="repeat">
+      <a:schemeClr val="accent1"/>
+    </dgm:fillClrLst>
+    <dgm:linClrLst meth="repeat">
+      <a:schemeClr val="accent1"/>
+    </dgm:linClrLst>
+    <dgm:effectClrLst/>
+    <dgm:txLinClrLst/>
+    <dgm:txFillClrLst meth="repeat">
+      <a:schemeClr val="lt1"/>
+    </dgm:txFillClrLst>
+    <dgm:txEffectClrLst/>
+  </dgm:styleLbl>
+  <dgm:styleLbl name="parChTrans2D4">
+    <dgm:fillClrLst meth="repeat">
+      <a:schemeClr val="accent1"/>
+    </dgm:fillClrLst>
+    <dgm:linClrLst meth="repeat">
+      <a:schemeClr val="accent1"/>
+    </dgm:linClrLst>
+    <dgm:effectClrLst/>
+    <dgm:txLinClrLst/>
+    <dgm:txFillClrLst meth="repeat">
+      <a:schemeClr val="lt1"/>
+    </dgm:txFillClrLst>
+    <dgm:txEffectClrLst/>
+  </dgm:styleLbl>
+  <dgm:styleLbl name="parChTrans1D1">
+    <dgm:fillClrLst meth="repeat">
+      <a:schemeClr val="accent1"/>
+    </dgm:fillClrLst>
+    <dgm:linClrLst meth="repeat">
+      <a:schemeClr val="accent1">
+        <a:shade val="60000"/>
+      </a:schemeClr>
+    </dgm:linClrLst>
+    <dgm:effectClrLst/>
+    <dgm:txLinClrLst/>
+    <dgm:txFillClrLst meth="repeat">
+      <a:schemeClr val="tx1"/>
+    </dgm:txFillClrLst>
+    <dgm:txEffectClrLst/>
+  </dgm:styleLbl>
+  <dgm:styleLbl name="parChTrans1D2">
+    <dgm:fillClrLst meth="repeat">
+      <a:schemeClr val="accent1"/>
+    </dgm:fillClrLst>
+    <dgm:linClrLst meth="repeat">
+      <a:schemeClr val="accent1">
+        <a:shade val="60000"/>
+      </a:schemeClr>
+    </dgm:linClrLst>
+    <dgm:effectClrLst/>
+    <dgm:txLinClrLst/>
+    <dgm:txFillClrLst meth="repeat">
+      <a:schemeClr val="tx1"/>
+    </dgm:txFillClrLst>
+    <dgm:txEffectClrLst/>
+  </dgm:styleLbl>
+  <dgm:styleLbl name="parChTrans1D3">
+    <dgm:fillClrLst meth="repeat">
+      <a:schemeClr val="accent1"/>
+    </dgm:fillClrLst>
+    <dgm:linClrLst meth="repeat">
+      <a:schemeClr val="accent1">
+        <a:shade val="80000"/>
+      </a:schemeClr>
+    </dgm:linClrLst>
+    <dgm:effectClrLst/>
+    <dgm:txLinClrLst/>
+    <dgm:txFillClrLst meth="repeat">
+      <a:schemeClr val="tx1"/>
+    </dgm:txFillClrLst>
+    <dgm:txEffectClrLst/>
+  </dgm:styleLbl>
+  <dgm:styleLbl name="parChTrans1D4">
+    <dgm:fillClrLst meth="repeat">
+      <a:schemeClr val="accent1"/>
+    </dgm:fillClrLst>
+    <dgm:linClrLst meth="repeat">
+      <a:schemeClr val="accent1">
+        <a:shade val="80000"/>
+      </a:schemeClr>
+    </dgm:linClrLst>
+    <dgm:effectClrLst/>
+    <dgm:txLinClrLst/>
+    <dgm:txFillClrLst meth="repeat">
+      <a:schemeClr val="tx1"/>
+    </dgm:txFillClrLst>
+    <dgm:txEffectClrLst/>
+  </dgm:styleLbl>
+  <dgm:styleLbl name="fgAcc1">
+    <dgm:fillClrLst meth="repeat">
+      <a:schemeClr val="lt1">
+        <a:alpha val="90000"/>
+      </a:schemeClr>
+    </dgm:fillClrLst>
+    <dgm:linClrLst meth="repeat">
+      <a:schemeClr val="accent1"/>
+    </dgm:linClrLst>
+    <dgm:effectClrLst/>
+    <dgm:txLinClrLst/>
+    <dgm:txFillClrLst meth="repeat">
+      <a:schemeClr val="dk1"/>
+    </dgm:txFillClrLst>
+    <dgm:txEffectClrLst/>
+  </dgm:styleLbl>
+  <dgm:styleLbl name="conFgAcc1">
+    <dgm:fillClrLst meth="repeat">
+      <a:schemeClr val="lt1">
+        <a:alpha val="90000"/>
+      </a:schemeClr>
+    </dgm:fillClrLst>
+    <dgm:linClrLst meth="repeat">
+      <a:schemeClr val="accent1"/>
+    </dgm:linClrLst>
+    <dgm:effectClrLst/>
+    <dgm:txLinClrLst/>
+    <dgm:txFillClrLst meth="repeat">
+      <a:schemeClr val="dk1"/>
+    </dgm:txFillClrLst>
+    <dgm:txEffectClrLst/>
+  </dgm:styleLbl>
+  <dgm:styleLbl name="alignAcc1">
+    <dgm:fillClrLst meth="repeat">
+      <a:schemeClr val="lt1">
+        <a:alpha val="90000"/>
+      </a:schemeClr>
+    </dgm:fillClrLst>
+    <dgm:linClrLst meth="repeat">
+      <a:schemeClr val="accent1"/>
+    </dgm:linClrLst>
+    <dgm:effectClrLst/>
+    <dgm:txLinClrLst/>
+    <dgm:txFillClrLst meth="repeat">
+      <a:schemeClr val="dk1"/>
+    </dgm:txFillClrLst>
+    <dgm:txEffectClrLst/>
+  </dgm:styleLbl>
+  <dgm:styleLbl name="trAlignAcc1">
+    <dgm:fillClrLst meth="repeat">
+      <a:schemeClr val="lt1">
+        <a:alpha val="40000"/>
+      </a:schemeClr>
+    </dgm:fillClrLst>
+    <dgm:linClrLst meth="repeat">
+      <a:schemeClr val="accent1"/>
+    </dgm:linClrLst>
+    <dgm:effectClrLst/>
+    <dgm:txLinClrLst/>
+    <dgm:txFillClrLst meth="repeat">
+      <a:schemeClr val="dk1"/>
+    </dgm:txFillClrLst>
+    <dgm:txEffectClrLst/>
+  </dgm:styleLbl>
+  <dgm:styleLbl name="bgAcc1">
+    <dgm:fillClrLst meth="repeat">
+      <a:schemeClr val="lt1">
+        <a:alpha val="90000"/>
+      </a:schemeClr>
+    </dgm:fillClrLst>
+    <dgm:linClrLst meth="repeat">
+      <a:schemeClr val="accent1"/>
+    </dgm:linClrLst>
+    <dgm:effectClrLst/>
+    <dgm:txLinClrLst/>
+    <dgm:txFillClrLst meth="repeat">
+      <a:schemeClr val="dk1"/>
+    </dgm:txFillClrLst>
+    <dgm:txEffectClrLst/>
+  </dgm:styleLbl>
+  <dgm:styleLbl name="solidFgAcc1">
+    <dgm:fillClrLst meth="repeat">
+      <a:schemeClr val="lt1"/>
+    </dgm:fillClrLst>
+    <dgm:linClrLst meth="repeat">
+      <a:schemeClr val="accent1"/>
+    </dgm:linClrLst>
+    <dgm:effectClrLst/>
+    <dgm:txLinClrLst/>
+    <dgm:txFillClrLst meth="repeat">
+      <a:schemeClr val="dk1"/>
+    </dgm:txFillClrLst>
+    <dgm:txEffectClrLst/>
+  </dgm:styleLbl>
+  <dgm:styleLbl name="solidAlignAcc1">
+    <dgm:fillClrLst meth="repeat">
+      <a:schemeClr val="lt1"/>
+    </dgm:fillClrLst>
+    <dgm:linClrLst meth="repeat">
+      <a:schemeClr val="accent1"/>
+    </dgm:linClrLst>
+    <dgm:effectClrLst/>
+    <dgm:txLinClrLst/>
+    <dgm:txFillClrLst meth="repeat">
+      <a:schemeClr val="dk1"/>
+    </dgm:txFillClrLst>
+    <dgm:txEffectClrLst/>
+  </dgm:styleLbl>
+  <dgm:styleLbl name="solidBgAcc1">
+    <dgm:fillClrLst meth="repeat">
+      <a:schemeClr val="lt1"/>
+    </dgm:fillClrLst>
+    <dgm:linClrLst meth="repeat">
+      <a:schemeClr val="accent1"/>
+    </dgm:linClrLst>
+    <dgm:effectClrLst/>
+    <dgm:txLinClrLst/>
+    <dgm:txFillClrLst meth="repeat">
+      <a:schemeClr val="dk1"/>
+    </dgm:txFillClrLst>
+    <dgm:txEffectClrLst/>
+  </dgm:styleLbl>
+  <dgm:styleLbl name="fgAccFollowNode1">
+    <dgm:fillClrLst meth="repeat">
+      <a:schemeClr val="accent1">
+        <a:alpha val="90000"/>
+        <a:tint val="40000"/>
+      </a:schemeClr>
+    </dgm:fillClrLst>
+    <dgm:linClrLst meth="repeat">
+      <a:schemeClr val="accent1">
+        <a:alpha val="90000"/>
+        <a:tint val="40000"/>
+      </a:schemeClr>
+    </dgm:linClrLst>
+    <dgm:effectClrLst/>
+    <dgm:txLinClrLst/>
+    <dgm:txFillClrLst meth="repeat">
+      <a:schemeClr val="dk1"/>
+    </dgm:txFillClrLst>
+    <dgm:txEffectClrLst/>
+  </dgm:styleLbl>
+  <dgm:styleLbl name="alignAccFollowNode1">
+    <dgm:fillClrLst meth="repeat">
+      <a:schemeClr val="accent1">
+        <a:alpha val="90000"/>
+        <a:tint val="40000"/>
+      </a:schemeClr>
+    </dgm:fillClrLst>
+    <dgm:linClrLst meth="repeat">
+      <a:schemeClr val="accent1">
+        <a:alpha val="90000"/>
+        <a:tint val="40000"/>
+      </a:schemeClr>
+    </dgm:linClrLst>
+    <dgm:effectClrLst/>
+    <dgm:txLinClrLst/>
+    <dgm:txFillClrLst meth="repeat">
+      <a:schemeClr val="dk1"/>
+    </dgm:txFillClrLst>
+    <dgm:txEffectClrLst/>
+  </dgm:styleLbl>
+  <dgm:styleLbl name="bgAccFollowNode1">
+    <dgm:fillClrLst meth="repeat">
+      <a:schemeClr val="accent1">
+        <a:alpha val="90000"/>
+        <a:tint val="40000"/>
+      </a:schemeClr>
+    </dgm:fillClrLst>
+    <dgm:linClrLst meth="repeat">
+      <a:schemeClr val="accent1">
+        <a:alpha val="90000"/>
+        <a:tint val="40000"/>
+      </a:schemeClr>
+    </dgm:linClrLst>
+    <dgm:effectClrLst/>
+    <dgm:txLinClrLst/>
+    <dgm:txFillClrLst meth="repeat">
+      <a:schemeClr val="dk1"/>
+    </dgm:txFillClrLst>
+    <dgm:txEffectClrLst/>
+  </dgm:styleLbl>
+  <dgm:styleLbl name="fgAcc0">
+    <dgm:fillClrLst meth="repeat">
+      <a:schemeClr val="lt1">
+        <a:alpha val="90000"/>
+      </a:schemeClr>
+    </dgm:fillClrLst>
+    <dgm:linClrLst meth="repeat">
+      <a:schemeClr val="accent1"/>
+    </dgm:linClrLst>
+    <dgm:effectClrLst/>
+    <dgm:txLinClrLst/>
+    <dgm:txFillClrLst meth="repeat">
+      <a:schemeClr val="dk1"/>
+    </dgm:txFillClrLst>
+    <dgm:txEffectClrLst/>
+  </dgm:styleLbl>
+  <dgm:styleLbl name="fgAcc2">
+    <dgm:fillClrLst meth="repeat">
+      <a:schemeClr val="lt1">
+        <a:alpha val="90000"/>
+      </a:schemeClr>
+    </dgm:fillClrLst>
+    <dgm:linClrLst meth="repeat">
+      <a:schemeClr val="accent1"/>
+    </dgm:linClrLst>
+    <dgm:effectClrLst/>
+    <dgm:txLinClrLst/>
+    <dgm:txFillClrLst meth="repeat">
+      <a:schemeClr val="dk1"/>
+    </dgm:txFillClrLst>
+    <dgm:txEffectClrLst/>
+  </dgm:styleLbl>
+  <dgm:styleLbl name="fgAcc3">
+    <dgm:fillClrLst meth="repeat">
+      <a:schemeClr val="lt1">
+        <a:alpha val="90000"/>
+      </a:schemeClr>
+    </dgm:fillClrLst>
+    <dgm:linClrLst meth="repeat">
+      <a:schemeClr val="accent1"/>
+    </dgm:linClrLst>
+    <dgm:effectClrLst/>
+    <dgm:txLinClrLst/>
+    <dgm:txFillClrLst meth="repeat">
+      <a:schemeClr val="dk1"/>
+    </dgm:txFillClrLst>
+    <dgm:txEffectClrLst/>
+  </dgm:styleLbl>
+  <dgm:styleLbl name="fgAcc4">
+    <dgm:fillClrLst meth="repeat">
+      <a:schemeClr val="lt1">
+        <a:alpha val="90000"/>
+      </a:schemeClr>
+    </dgm:fillClrLst>
+    <dgm:linClrLst meth="repeat">
+      <a:schemeClr val="accent1"/>
+    </dgm:linClrLst>
+    <dgm:effectClrLst/>
+    <dgm:txLinClrLst/>
+    <dgm:txFillClrLst meth="repeat">
+      <a:schemeClr val="dk1"/>
+    </dgm:txFillClrLst>
+    <dgm:txEffectClrLst/>
+  </dgm:styleLbl>
+  <dgm:styleLbl name="bgShp">
+    <dgm:fillClrLst meth="repeat">
+      <a:schemeClr val="accent1">
+        <a:tint val="40000"/>
+      </a:schemeClr>
+    </dgm:fillClrLst>
+    <dgm:linClrLst meth="repeat">
+      <a:schemeClr val="accent1"/>
+    </dgm:linClrLst>
+    <dgm:effectClrLst/>
+    <dgm:txLinClrLst/>
+    <dgm:txFillClrLst meth="repeat">
+      <a:schemeClr val="dk1"/>
+    </dgm:txFillClrLst>
+    <dgm:txEffectClrLst/>
+  </dgm:styleLbl>
+  <dgm:styleLbl name="dkBgShp">
+    <dgm:fillClrLst meth="repeat">
+      <a:schemeClr val="accent1">
+        <a:shade val="80000"/>
+      </a:schemeClr>
+    </dgm:fillClrLst>
+    <dgm:linClrLst meth="repeat">
+      <a:schemeClr val="accent1"/>
+    </dgm:linClrLst>
+    <dgm:effectClrLst/>
+    <dgm:txLinClrLst/>
+    <dgm:txFillClrLst meth="repeat">
+      <a:schemeClr val="lt1"/>
+    </dgm:txFillClrLst>
+    <dgm:txEffectClrLst/>
+  </dgm:styleLbl>
+  <dgm:styleLbl name="trBgShp">
+    <dgm:fillClrLst meth="repeat">
+      <a:schemeClr val="accent1">
+        <a:tint val="50000"/>
+        <a:alpha val="40000"/>
+      </a:schemeClr>
+    </dgm:fillClrLst>
+    <dgm:linClrLst meth="repeat">
+      <a:schemeClr val="accent1"/>
+    </dgm:linClrLst>
+    <dgm:effectClrLst/>
+    <dgm:txLinClrLst/>
+    <dgm:txFillClrLst meth="repeat">
+      <a:schemeClr val="lt1"/>
+    </dgm:txFillClrLst>
+    <dgm:txEffectClrLst/>
+  </dgm:styleLbl>
+  <dgm:styleLbl name="fgShp">
+    <dgm:fillClrLst meth="repeat">
+      <a:schemeClr val="accent1">
+        <a:tint val="60000"/>
+      </a:schemeClr>
+    </dgm:fillClrLst>
+    <dgm:linClrLst meth="repeat">
+      <a:schemeClr val="lt1"/>
+    </dgm:linClrLst>
+    <dgm:effectClrLst/>
+    <dgm:txLinClrLst/>
+    <dgm:txFillClrLst meth="repeat">
+      <a:schemeClr val="dk1"/>
+    </dgm:txFillClrLst>
+    <dgm:txEffectClrLst/>
+  </dgm:styleLbl>
+  <dgm:styleLbl name="revTx">
+    <dgm:fillClrLst meth="repeat">
+      <a:schemeClr val="lt1">
+        <a:alpha val="0"/>
+      </a:schemeClr>
+    </dgm:fillClrLst>
+    <dgm:linClrLst meth="repeat">
+      <a:schemeClr val="dk1">
+        <a:alpha val="0"/>
+      </a:schemeClr>
+    </dgm:linClrLst>
+    <dgm:effectClrLst/>
+    <dgm:txLinClrLst/>
+    <dgm:txFillClrLst meth="repeat">
+      <a:schemeClr val="tx1"/>
+    </dgm:txFillClrLst>
+    <dgm:txEffectClrLst/>
+  </dgm:styleLbl>
+</dgm:colorsDef>
+</file>
+
+<file path=ppt/diagrams/data1.xml><?xml version="1.0" encoding="utf-8"?>
+<dgm:dataModel xmlns:dgm="http://schemas.openxmlformats.org/drawingml/2006/diagram" xmlns:a="http://schemas.openxmlformats.org/drawingml/2006/main">
+  <dgm:ptLst>
+    <dgm:pt modelId="{55213ECC-570A-4A3D-A048-2A28B7A067D3}" type="doc">
+      <dgm:prSet loTypeId="urn:microsoft.com/office/officeart/2005/8/layout/vList5" loCatId="list" qsTypeId="urn:microsoft.com/office/officeart/2005/8/quickstyle/simple1" qsCatId="simple" csTypeId="urn:microsoft.com/office/officeart/2005/8/colors/accent1_2" csCatId="accent1" phldr="1"/>
+      <dgm:spPr/>
+      <dgm:t>
+        <a:bodyPr/>
+        <a:lstStyle/>
+        <a:p>
+          <a:endParaRPr lang="en-US"/>
+        </a:p>
+      </dgm:t>
+    </dgm:pt>
+    <dgm:pt modelId="{CA8C23C8-B793-4704-92FC-3C4CB9C09992}">
+      <dgm:prSet phldrT="[Text]" custT="1">
+        <dgm:style>
+          <a:lnRef idx="1">
+            <a:schemeClr val="accent3"/>
+          </a:lnRef>
+          <a:fillRef idx="3">
+            <a:schemeClr val="accent3"/>
+          </a:fillRef>
+          <a:effectRef idx="2">
+            <a:schemeClr val="accent3"/>
+          </a:effectRef>
+          <a:fontRef idx="minor">
+            <a:schemeClr val="lt1"/>
+          </a:fontRef>
+        </dgm:style>
+      </dgm:prSet>
+      <dgm:spPr/>
+      <dgm:t>
+        <a:bodyPr/>
+        <a:lstStyle/>
+        <a:p>
+          <a:r>
+            <a:rPr lang="en-US" sz="1400" b="0" dirty="0">
+              <a:solidFill>
+                <a:schemeClr val="bg1"/>
+              </a:solidFill>
+            </a:rPr>
+            <a:t>For Evaluation of Context Generation Techniques</a:t>
+          </a:r>
+        </a:p>
+      </dgm:t>
+    </dgm:pt>
+    <dgm:pt modelId="{EA545F68-1A52-4409-B1CB-87C88797924A}" type="parTrans" cxnId="{D0567748-27F6-4537-964E-AAA3DFEE13B7}">
+      <dgm:prSet/>
+      <dgm:spPr/>
+      <dgm:t>
+        <a:bodyPr/>
+        <a:lstStyle/>
+        <a:p>
+          <a:endParaRPr lang="en-US"/>
+        </a:p>
+      </dgm:t>
+    </dgm:pt>
+    <dgm:pt modelId="{040EC3B0-E91C-4A5B-B37D-192726B345AC}" type="sibTrans" cxnId="{D0567748-27F6-4537-964E-AAA3DFEE13B7}">
+      <dgm:prSet/>
+      <dgm:spPr/>
+      <dgm:t>
+        <a:bodyPr/>
+        <a:lstStyle/>
+        <a:p>
+          <a:endParaRPr lang="en-US"/>
+        </a:p>
+      </dgm:t>
+    </dgm:pt>
+    <dgm:pt modelId="{D29EA884-48FB-44C6-875F-E2297244BABB}">
+      <dgm:prSet phldrT="[Text]" custT="1">
+        <dgm:style>
+          <a:lnRef idx="1">
+            <a:schemeClr val="accent3"/>
+          </a:lnRef>
+          <a:fillRef idx="3">
+            <a:schemeClr val="accent3"/>
+          </a:fillRef>
+          <a:effectRef idx="2">
+            <a:schemeClr val="accent3"/>
+          </a:effectRef>
+          <a:fontRef idx="minor">
+            <a:schemeClr val="lt1"/>
+          </a:fontRef>
+        </dgm:style>
+      </dgm:prSet>
+      <dgm:spPr>
+        <a:solidFill>
+          <a:schemeClr val="accent3">
+            <a:lumMod val="40000"/>
+            <a:lumOff val="60000"/>
+          </a:schemeClr>
+        </a:solidFill>
+      </dgm:spPr>
+      <dgm:t>
+        <a:bodyPr/>
+        <a:lstStyle/>
+        <a:p>
+          <a:pPr>
+            <a:buFont typeface="Arial" panose="020B0604020202020204" pitchFamily="34" charset="0"/>
+            <a:buChar char="•"/>
+          </a:pPr>
+          <a:r>
+            <a:rPr lang="en-US" sz="1200" dirty="0"/>
+            <a:t>Built a custom question-answer pair JSON file on a random Wikipedia article.</a:t>
+          </a:r>
+        </a:p>
+      </dgm:t>
+    </dgm:pt>
+    <dgm:pt modelId="{1645A6AC-4852-4C0E-AB8B-C584F75472B5}" type="parTrans" cxnId="{D1E3DDF9-A1A6-4487-B6FC-46CA9A159D24}">
+      <dgm:prSet/>
+      <dgm:spPr/>
+      <dgm:t>
+        <a:bodyPr/>
+        <a:lstStyle/>
+        <a:p>
+          <a:endParaRPr lang="en-US"/>
+        </a:p>
+      </dgm:t>
+    </dgm:pt>
+    <dgm:pt modelId="{FCD4E105-CD2F-4DB6-ACD6-67B6C64E1431}" type="sibTrans" cxnId="{D1E3DDF9-A1A6-4487-B6FC-46CA9A159D24}">
+      <dgm:prSet/>
+      <dgm:spPr/>
+      <dgm:t>
+        <a:bodyPr/>
+        <a:lstStyle/>
+        <a:p>
+          <a:endParaRPr lang="en-US"/>
+        </a:p>
+      </dgm:t>
+    </dgm:pt>
+    <dgm:pt modelId="{FA4B534A-B4A2-4806-A776-D564F5CC1025}">
+      <dgm:prSet phldrT="[Text]" custT="1">
+        <dgm:style>
+          <a:lnRef idx="1">
+            <a:schemeClr val="accent3"/>
+          </a:lnRef>
+          <a:fillRef idx="3">
+            <a:schemeClr val="accent3"/>
+          </a:fillRef>
+          <a:effectRef idx="2">
+            <a:schemeClr val="accent3"/>
+          </a:effectRef>
+          <a:fontRef idx="minor">
+            <a:schemeClr val="lt1"/>
+          </a:fontRef>
+        </dgm:style>
+      </dgm:prSet>
+      <dgm:spPr>
+        <a:solidFill>
+          <a:schemeClr val="accent3">
+            <a:lumMod val="40000"/>
+            <a:lumOff val="60000"/>
+          </a:schemeClr>
+        </a:solidFill>
+      </dgm:spPr>
+      <dgm:t>
+        <a:bodyPr/>
+        <a:lstStyle/>
+        <a:p>
+          <a:pPr>
+            <a:buFont typeface="Arial" panose="020B0604020202020204" pitchFamily="34" charset="0"/>
+            <a:buChar char="•"/>
+          </a:pPr>
+          <a:r>
+            <a:rPr lang="en-US" sz="1200" dirty="0"/>
+            <a:t>100 randomly selected question-</a:t>
+          </a:r>
+          <a:r>
+            <a:rPr lang="en-US" sz="1200" dirty="0" err="1"/>
+            <a:t>anwers</a:t>
+          </a:r>
+          <a:r>
+            <a:rPr lang="en-US" sz="1200" dirty="0"/>
+            <a:t> pairs were used to validate against the context generation models.</a:t>
+          </a:r>
+        </a:p>
+      </dgm:t>
+    </dgm:pt>
+    <dgm:pt modelId="{7842CB1B-F5FB-4280-BE1C-CCFCD0F67482}" type="parTrans" cxnId="{7D2A1C8E-E3F5-4C70-B469-C536CB09BCC1}">
+      <dgm:prSet/>
+      <dgm:spPr/>
+      <dgm:t>
+        <a:bodyPr/>
+        <a:lstStyle/>
+        <a:p>
+          <a:endParaRPr lang="en-US"/>
+        </a:p>
+      </dgm:t>
+    </dgm:pt>
+    <dgm:pt modelId="{88BC7A95-5F6E-468C-89BC-847267E367E5}" type="sibTrans" cxnId="{7D2A1C8E-E3F5-4C70-B469-C536CB09BCC1}">
+      <dgm:prSet/>
+      <dgm:spPr/>
+      <dgm:t>
+        <a:bodyPr/>
+        <a:lstStyle/>
+        <a:p>
+          <a:endParaRPr lang="en-US"/>
+        </a:p>
+      </dgm:t>
+    </dgm:pt>
+    <dgm:pt modelId="{DAE94458-1B6E-4F46-A505-26C8EC7B4DCF}">
+      <dgm:prSet phldrT="[Text]" custT="1">
+        <dgm:style>
+          <a:lnRef idx="1">
+            <a:schemeClr val="accent3"/>
+          </a:lnRef>
+          <a:fillRef idx="3">
+            <a:schemeClr val="accent3"/>
+          </a:fillRef>
+          <a:effectRef idx="2">
+            <a:schemeClr val="accent3"/>
+          </a:effectRef>
+          <a:fontRef idx="minor">
+            <a:schemeClr val="lt1"/>
+          </a:fontRef>
+        </dgm:style>
+      </dgm:prSet>
+      <dgm:spPr/>
+      <dgm:t>
+        <a:bodyPr/>
+        <a:lstStyle/>
+        <a:p>
+          <a:r>
+            <a:rPr lang="en-US" sz="1400" b="0" dirty="0">
+              <a:solidFill>
+                <a:schemeClr val="bg1"/>
+              </a:solidFill>
+            </a:rPr>
+            <a:t>For Evaluation/Comparison of Answer Extraction Models</a:t>
+          </a:r>
+        </a:p>
+      </dgm:t>
+    </dgm:pt>
+    <dgm:pt modelId="{83DC3865-B50C-4F65-BDE0-55CD1D1F4A09}" type="parTrans" cxnId="{A8DCE060-A1D6-4D6B-AF0A-D12742FA8078}">
+      <dgm:prSet/>
+      <dgm:spPr/>
+      <dgm:t>
+        <a:bodyPr/>
+        <a:lstStyle/>
+        <a:p>
+          <a:endParaRPr lang="en-US"/>
+        </a:p>
+      </dgm:t>
+    </dgm:pt>
+    <dgm:pt modelId="{7EC1A485-01B1-48C2-88B6-3A35BA328823}" type="sibTrans" cxnId="{A8DCE060-A1D6-4D6B-AF0A-D12742FA8078}">
+      <dgm:prSet/>
+      <dgm:spPr/>
+      <dgm:t>
+        <a:bodyPr/>
+        <a:lstStyle/>
+        <a:p>
+          <a:endParaRPr lang="en-US"/>
+        </a:p>
+      </dgm:t>
+    </dgm:pt>
+    <dgm:pt modelId="{A04FC00A-DCF1-4527-9CD9-18FD95F5A502}">
+      <dgm:prSet phldrT="[Text]" custT="1">
+        <dgm:style>
+          <a:lnRef idx="1">
+            <a:schemeClr val="accent3"/>
+          </a:lnRef>
+          <a:fillRef idx="3">
+            <a:schemeClr val="accent3"/>
+          </a:fillRef>
+          <a:effectRef idx="2">
+            <a:schemeClr val="accent3"/>
+          </a:effectRef>
+          <a:fontRef idx="minor">
+            <a:schemeClr val="lt1"/>
+          </a:fontRef>
+        </dgm:style>
+      </dgm:prSet>
+      <dgm:spPr>
+        <a:solidFill>
+          <a:schemeClr val="accent3">
+            <a:lumMod val="40000"/>
+            <a:lumOff val="60000"/>
+          </a:schemeClr>
+        </a:solidFill>
+      </dgm:spPr>
+      <dgm:t>
+        <a:bodyPr/>
+        <a:lstStyle/>
+        <a:p>
+          <a:pPr>
+            <a:buFont typeface="Arial" panose="020B0604020202020204" pitchFamily="34" charset="0"/>
+            <a:buChar char="•"/>
+          </a:pPr>
+          <a:r>
+            <a:rPr lang="en-US" sz="1200" dirty="0"/>
+            <a:t>Generic: </a:t>
+          </a:r>
+          <a:r>
+            <a:rPr lang="en-US" sz="1200" dirty="0" err="1"/>
+            <a:t>SQuAD</a:t>
+          </a:r>
+          <a:r>
+            <a:rPr lang="en-US" sz="1200" dirty="0"/>
+            <a:t> 2.0 dataset (100k+ question answer pairs and 50k+ no answer pairs)</a:t>
+          </a:r>
+        </a:p>
+      </dgm:t>
+    </dgm:pt>
+    <dgm:pt modelId="{4DB7603F-F3C6-458E-A7CC-8F2AADC65089}" type="parTrans" cxnId="{6225FA08-46E4-449C-9A45-4B74A655DE1D}">
+      <dgm:prSet/>
+      <dgm:spPr/>
+      <dgm:t>
+        <a:bodyPr/>
+        <a:lstStyle/>
+        <a:p>
+          <a:endParaRPr lang="en-US"/>
+        </a:p>
+      </dgm:t>
+    </dgm:pt>
+    <dgm:pt modelId="{B4FF0C54-A170-472E-BB2D-924372A75AF0}" type="sibTrans" cxnId="{6225FA08-46E4-449C-9A45-4B74A655DE1D}">
+      <dgm:prSet/>
+      <dgm:spPr/>
+      <dgm:t>
+        <a:bodyPr/>
+        <a:lstStyle/>
+        <a:p>
+          <a:endParaRPr lang="en-US"/>
+        </a:p>
+      </dgm:t>
+    </dgm:pt>
+    <dgm:pt modelId="{22ADEFA4-8F4E-43A0-B92B-47099F074A8D}">
+      <dgm:prSet phldrT="[Text]" custT="1">
+        <dgm:style>
+          <a:lnRef idx="1">
+            <a:schemeClr val="accent3"/>
+          </a:lnRef>
+          <a:fillRef idx="3">
+            <a:schemeClr val="accent3"/>
+          </a:fillRef>
+          <a:effectRef idx="2">
+            <a:schemeClr val="accent3"/>
+          </a:effectRef>
+          <a:fontRef idx="minor">
+            <a:schemeClr val="lt1"/>
+          </a:fontRef>
+        </dgm:style>
+      </dgm:prSet>
+      <dgm:spPr>
+        <a:solidFill>
+          <a:schemeClr val="accent3">
+            <a:lumMod val="40000"/>
+            <a:lumOff val="60000"/>
+          </a:schemeClr>
+        </a:solidFill>
+      </dgm:spPr>
+      <dgm:t>
+        <a:bodyPr/>
+        <a:lstStyle/>
+        <a:p>
+          <a:pPr>
+            <a:buFont typeface="Arial" panose="020B0604020202020204" pitchFamily="34" charset="0"/>
+            <a:buChar char="•"/>
+          </a:pPr>
+          <a:r>
+            <a:rPr lang="en-US" sz="1200" dirty="0"/>
+            <a:t>Domain-specific: </a:t>
+          </a:r>
+          <a:r>
+            <a:rPr lang="en-US" sz="1200" dirty="0" err="1"/>
+            <a:t>Deepset’s</a:t>
+          </a:r>
+          <a:r>
+            <a:rPr lang="en-US" sz="1200" dirty="0"/>
+            <a:t> </a:t>
+          </a:r>
+          <a:r>
+            <a:rPr lang="en-US" sz="1200" dirty="0" err="1"/>
+            <a:t>CovidQA</a:t>
+          </a:r>
+          <a:r>
+            <a:rPr lang="en-US" sz="1200" dirty="0"/>
+            <a:t> dataset (2153 question answer pairs)</a:t>
+          </a:r>
+        </a:p>
+      </dgm:t>
+    </dgm:pt>
+    <dgm:pt modelId="{AF034700-55A8-454E-BF1B-222C536A5CD4}" type="parTrans" cxnId="{751DD78A-0ACC-4E2A-A5CB-DFA25FBFF74D}">
+      <dgm:prSet/>
+      <dgm:spPr/>
+      <dgm:t>
+        <a:bodyPr/>
+        <a:lstStyle/>
+        <a:p>
+          <a:endParaRPr lang="en-US"/>
+        </a:p>
+      </dgm:t>
+    </dgm:pt>
+    <dgm:pt modelId="{9F9BF041-5CF5-41A9-82AA-C3332A6B04B0}" type="sibTrans" cxnId="{751DD78A-0ACC-4E2A-A5CB-DFA25FBFF74D}">
+      <dgm:prSet/>
+      <dgm:spPr/>
+      <dgm:t>
+        <a:bodyPr/>
+        <a:lstStyle/>
+        <a:p>
+          <a:endParaRPr lang="en-US"/>
+        </a:p>
+      </dgm:t>
+    </dgm:pt>
+    <dgm:pt modelId="{8FCCD3D9-405C-488C-994F-9045748C4D88}">
+      <dgm:prSet phldrT="[Text]" custT="1">
+        <dgm:style>
+          <a:lnRef idx="1">
+            <a:schemeClr val="accent3"/>
+          </a:lnRef>
+          <a:fillRef idx="3">
+            <a:schemeClr val="accent3"/>
+          </a:fillRef>
+          <a:effectRef idx="2">
+            <a:schemeClr val="accent3"/>
+          </a:effectRef>
+          <a:fontRef idx="minor">
+            <a:schemeClr val="lt1"/>
+          </a:fontRef>
+        </dgm:style>
+      </dgm:prSet>
+      <dgm:spPr/>
+      <dgm:t>
+        <a:bodyPr/>
+        <a:lstStyle/>
+        <a:p>
+          <a:r>
+            <a:rPr lang="en-US" sz="1400" b="0" dirty="0">
+              <a:solidFill>
+                <a:schemeClr val="bg1"/>
+              </a:solidFill>
+            </a:rPr>
+            <a:t>For Inference</a:t>
+          </a:r>
+        </a:p>
+      </dgm:t>
+    </dgm:pt>
+    <dgm:pt modelId="{78DA1393-718A-4C28-86E5-EA787F9F9C08}" type="parTrans" cxnId="{57A16868-59FB-403C-9A0F-EE8EC477C18D}">
+      <dgm:prSet/>
+      <dgm:spPr/>
+      <dgm:t>
+        <a:bodyPr/>
+        <a:lstStyle/>
+        <a:p>
+          <a:endParaRPr lang="en-US"/>
+        </a:p>
+      </dgm:t>
+    </dgm:pt>
+    <dgm:pt modelId="{01F42207-08A8-4461-90B7-88B8C2B08524}" type="sibTrans" cxnId="{57A16868-59FB-403C-9A0F-EE8EC477C18D}">
+      <dgm:prSet/>
+      <dgm:spPr/>
+      <dgm:t>
+        <a:bodyPr/>
+        <a:lstStyle/>
+        <a:p>
+          <a:endParaRPr lang="en-US"/>
+        </a:p>
+      </dgm:t>
+    </dgm:pt>
+    <dgm:pt modelId="{9B605859-2BC2-4C2F-889E-3B7F1522174F}">
+      <dgm:prSet phldrT="[Text]" custT="1">
+        <dgm:style>
+          <a:lnRef idx="1">
+            <a:schemeClr val="accent3"/>
+          </a:lnRef>
+          <a:fillRef idx="3">
+            <a:schemeClr val="accent3"/>
+          </a:fillRef>
+          <a:effectRef idx="2">
+            <a:schemeClr val="accent3"/>
+          </a:effectRef>
+          <a:fontRef idx="minor">
+            <a:schemeClr val="lt1"/>
+          </a:fontRef>
+        </dgm:style>
+      </dgm:prSet>
+      <dgm:spPr>
+        <a:solidFill>
+          <a:schemeClr val="accent3">
+            <a:lumMod val="40000"/>
+            <a:lumOff val="60000"/>
+          </a:schemeClr>
+        </a:solidFill>
+      </dgm:spPr>
+      <dgm:t>
+        <a:bodyPr/>
+        <a:lstStyle/>
+        <a:p>
+          <a:pPr>
+            <a:buFont typeface="Arial" panose="020B0604020202020204" pitchFamily="34" charset="0"/>
+            <a:buChar char="•"/>
+          </a:pPr>
+          <a:r>
+            <a:rPr lang="en-US" sz="1200" dirty="0"/>
+            <a:t>Used BeautifulSoup4 to perform real time web scraping. </a:t>
+          </a:r>
+        </a:p>
+      </dgm:t>
+    </dgm:pt>
+    <dgm:pt modelId="{850FE02B-020B-4C20-AE71-4FD95FDBC014}" type="parTrans" cxnId="{52731EA9-FA74-4969-A7B9-053D005658A4}">
+      <dgm:prSet/>
+      <dgm:spPr/>
+      <dgm:t>
+        <a:bodyPr/>
+        <a:lstStyle/>
+        <a:p>
+          <a:endParaRPr lang="en-US"/>
+        </a:p>
+      </dgm:t>
+    </dgm:pt>
+    <dgm:pt modelId="{BEB97E23-E533-45BC-B164-469F251F84F6}" type="sibTrans" cxnId="{52731EA9-FA74-4969-A7B9-053D005658A4}">
+      <dgm:prSet/>
+      <dgm:spPr/>
+      <dgm:t>
+        <a:bodyPr/>
+        <a:lstStyle/>
+        <a:p>
+          <a:endParaRPr lang="en-US"/>
+        </a:p>
+      </dgm:t>
+    </dgm:pt>
+    <dgm:pt modelId="{80E70C83-E9DC-4672-A73D-25514695F00A}">
+      <dgm:prSet phldrT="[Text]" custT="1">
+        <dgm:style>
+          <a:lnRef idx="1">
+            <a:schemeClr val="accent3"/>
+          </a:lnRef>
+          <a:fillRef idx="3">
+            <a:schemeClr val="accent3"/>
+          </a:fillRef>
+          <a:effectRef idx="2">
+            <a:schemeClr val="accent3"/>
+          </a:effectRef>
+          <a:fontRef idx="minor">
+            <a:schemeClr val="lt1"/>
+          </a:fontRef>
+        </dgm:style>
+      </dgm:prSet>
+      <dgm:spPr>
+        <a:solidFill>
+          <a:schemeClr val="accent3">
+            <a:lumMod val="40000"/>
+            <a:lumOff val="60000"/>
+          </a:schemeClr>
+        </a:solidFill>
+      </dgm:spPr>
+      <dgm:t>
+        <a:bodyPr/>
+        <a:lstStyle/>
+        <a:p>
+          <a:pPr>
+            <a:buFont typeface="Arial" panose="020B0604020202020204" pitchFamily="34" charset="0"/>
+            <a:buChar char="•"/>
+          </a:pPr>
+          <a:r>
+            <a:rPr lang="en-US" sz="1200" dirty="0"/>
+            <a:t>Given a URL, the system would scrape the article’s text data, remove noise, remove stop words and lemmatize as needed for each model/technique.</a:t>
+          </a:r>
+        </a:p>
+      </dgm:t>
+    </dgm:pt>
+    <dgm:pt modelId="{B5ACB956-16C3-4999-B7ED-22832B10AE55}" type="parTrans" cxnId="{604B8C9D-ACD8-4871-ABBC-D9E96DFF29FB}">
+      <dgm:prSet/>
+      <dgm:spPr/>
+      <dgm:t>
+        <a:bodyPr/>
+        <a:lstStyle/>
+        <a:p>
+          <a:endParaRPr lang="en-US"/>
+        </a:p>
+      </dgm:t>
+    </dgm:pt>
+    <dgm:pt modelId="{393CB569-6B8F-45C2-AAE3-1F1F62DEC03D}" type="sibTrans" cxnId="{604B8C9D-ACD8-4871-ABBC-D9E96DFF29FB}">
+      <dgm:prSet/>
+      <dgm:spPr/>
+      <dgm:t>
+        <a:bodyPr/>
+        <a:lstStyle/>
+        <a:p>
+          <a:endParaRPr lang="en-US"/>
+        </a:p>
+      </dgm:t>
+    </dgm:pt>
+    <dgm:pt modelId="{1F29E497-C827-4F11-A61B-E1D6BE881FF4}" type="pres">
+      <dgm:prSet presAssocID="{55213ECC-570A-4A3D-A048-2A28B7A067D3}" presName="Name0" presStyleCnt="0">
+        <dgm:presLayoutVars>
+          <dgm:dir/>
+          <dgm:animLvl val="lvl"/>
+          <dgm:resizeHandles val="exact"/>
+        </dgm:presLayoutVars>
+      </dgm:prSet>
+      <dgm:spPr/>
+    </dgm:pt>
+    <dgm:pt modelId="{0DAE21B9-37E9-42E1-8C7D-9C81FA8F3F76}" type="pres">
+      <dgm:prSet presAssocID="{CA8C23C8-B793-4704-92FC-3C4CB9C09992}" presName="linNode" presStyleCnt="0"/>
+      <dgm:spPr/>
+    </dgm:pt>
+    <dgm:pt modelId="{46B1C4F8-C537-4489-BF18-C0BC50D26092}" type="pres">
+      <dgm:prSet presAssocID="{CA8C23C8-B793-4704-92FC-3C4CB9C09992}" presName="parentText" presStyleLbl="node1" presStyleIdx="0" presStyleCnt="3">
+        <dgm:presLayoutVars>
+          <dgm:chMax val="1"/>
+          <dgm:bulletEnabled val="1"/>
+        </dgm:presLayoutVars>
+      </dgm:prSet>
+      <dgm:spPr/>
+    </dgm:pt>
+    <dgm:pt modelId="{E48C43C6-065F-4564-B95D-2BB5E316D58D}" type="pres">
+      <dgm:prSet presAssocID="{CA8C23C8-B793-4704-92FC-3C4CB9C09992}" presName="descendantText" presStyleLbl="alignAccFollowNode1" presStyleIdx="0" presStyleCnt="3">
+        <dgm:presLayoutVars>
+          <dgm:bulletEnabled val="1"/>
+        </dgm:presLayoutVars>
+      </dgm:prSet>
+      <dgm:spPr/>
+    </dgm:pt>
+    <dgm:pt modelId="{1873161A-99B8-46D9-82B2-BBA7671C232D}" type="pres">
+      <dgm:prSet presAssocID="{040EC3B0-E91C-4A5B-B37D-192726B345AC}" presName="sp" presStyleCnt="0"/>
+      <dgm:spPr/>
+    </dgm:pt>
+    <dgm:pt modelId="{CA03D3DF-064C-4B59-BAD8-28E4531A0097}" type="pres">
+      <dgm:prSet presAssocID="{DAE94458-1B6E-4F46-A505-26C8EC7B4DCF}" presName="linNode" presStyleCnt="0"/>
+      <dgm:spPr/>
+    </dgm:pt>
+    <dgm:pt modelId="{82D019B7-072B-4BCD-936E-6E78C38E5EB1}" type="pres">
+      <dgm:prSet presAssocID="{DAE94458-1B6E-4F46-A505-26C8EC7B4DCF}" presName="parentText" presStyleLbl="node1" presStyleIdx="1" presStyleCnt="3">
+        <dgm:presLayoutVars>
+          <dgm:chMax val="1"/>
+          <dgm:bulletEnabled val="1"/>
+        </dgm:presLayoutVars>
+      </dgm:prSet>
+      <dgm:spPr/>
+    </dgm:pt>
+    <dgm:pt modelId="{FBDA82DA-DE45-43C8-A911-6494E3134B78}" type="pres">
+      <dgm:prSet presAssocID="{DAE94458-1B6E-4F46-A505-26C8EC7B4DCF}" presName="descendantText" presStyleLbl="alignAccFollowNode1" presStyleIdx="1" presStyleCnt="3">
+        <dgm:presLayoutVars>
+          <dgm:bulletEnabled val="1"/>
+        </dgm:presLayoutVars>
+      </dgm:prSet>
+      <dgm:spPr/>
+    </dgm:pt>
+    <dgm:pt modelId="{36045529-116E-4FCB-8AB3-6C0A6AC19FF8}" type="pres">
+      <dgm:prSet presAssocID="{7EC1A485-01B1-48C2-88B6-3A35BA328823}" presName="sp" presStyleCnt="0"/>
+      <dgm:spPr/>
+    </dgm:pt>
+    <dgm:pt modelId="{83266881-AAF2-4EDB-B8A9-2DF66AE852FA}" type="pres">
+      <dgm:prSet presAssocID="{8FCCD3D9-405C-488C-994F-9045748C4D88}" presName="linNode" presStyleCnt="0"/>
+      <dgm:spPr/>
+    </dgm:pt>
+    <dgm:pt modelId="{2AC04DF7-ADCF-43B0-8AF4-6D19E2162989}" type="pres">
+      <dgm:prSet presAssocID="{8FCCD3D9-405C-488C-994F-9045748C4D88}" presName="parentText" presStyleLbl="node1" presStyleIdx="2" presStyleCnt="3">
+        <dgm:presLayoutVars>
+          <dgm:chMax val="1"/>
+          <dgm:bulletEnabled val="1"/>
+        </dgm:presLayoutVars>
+      </dgm:prSet>
+      <dgm:spPr/>
+    </dgm:pt>
+    <dgm:pt modelId="{951F394A-545A-427E-8076-A855451C71DE}" type="pres">
+      <dgm:prSet presAssocID="{8FCCD3D9-405C-488C-994F-9045748C4D88}" presName="descendantText" presStyleLbl="alignAccFollowNode1" presStyleIdx="2" presStyleCnt="3">
+        <dgm:presLayoutVars>
+          <dgm:bulletEnabled val="1"/>
+        </dgm:presLayoutVars>
+      </dgm:prSet>
+      <dgm:spPr/>
+    </dgm:pt>
+  </dgm:ptLst>
+  <dgm:cxnLst>
+    <dgm:cxn modelId="{6225FA08-46E4-449C-9A45-4B74A655DE1D}" srcId="{DAE94458-1B6E-4F46-A505-26C8EC7B4DCF}" destId="{A04FC00A-DCF1-4527-9CD9-18FD95F5A502}" srcOrd="0" destOrd="0" parTransId="{4DB7603F-F3C6-458E-A7CC-8F2AADC65089}" sibTransId="{B4FF0C54-A170-472E-BB2D-924372A75AF0}"/>
+    <dgm:cxn modelId="{14696B0A-BA55-409A-B3D7-E93F78B3F885}" type="presOf" srcId="{A04FC00A-DCF1-4527-9CD9-18FD95F5A502}" destId="{FBDA82DA-DE45-43C8-A911-6494E3134B78}" srcOrd="0" destOrd="0" presId="urn:microsoft.com/office/officeart/2005/8/layout/vList5"/>
+    <dgm:cxn modelId="{CE1D6813-42C1-4E76-9D86-B3E87267A235}" type="presOf" srcId="{80E70C83-E9DC-4672-A73D-25514695F00A}" destId="{951F394A-545A-427E-8076-A855451C71DE}" srcOrd="0" destOrd="1" presId="urn:microsoft.com/office/officeart/2005/8/layout/vList5"/>
+    <dgm:cxn modelId="{F04F163C-F9E1-4CA4-8535-669C5E40D212}" type="presOf" srcId="{DAE94458-1B6E-4F46-A505-26C8EC7B4DCF}" destId="{82D019B7-072B-4BCD-936E-6E78C38E5EB1}" srcOrd="0" destOrd="0" presId="urn:microsoft.com/office/officeart/2005/8/layout/vList5"/>
+    <dgm:cxn modelId="{6E9E365B-51FB-458A-8090-21DB9BDE18D1}" type="presOf" srcId="{9B605859-2BC2-4C2F-889E-3B7F1522174F}" destId="{951F394A-545A-427E-8076-A855451C71DE}" srcOrd="0" destOrd="0" presId="urn:microsoft.com/office/officeart/2005/8/layout/vList5"/>
+    <dgm:cxn modelId="{A8DCE060-A1D6-4D6B-AF0A-D12742FA8078}" srcId="{55213ECC-570A-4A3D-A048-2A28B7A067D3}" destId="{DAE94458-1B6E-4F46-A505-26C8EC7B4DCF}" srcOrd="1" destOrd="0" parTransId="{83DC3865-B50C-4F65-BDE0-55CD1D1F4A09}" sibTransId="{7EC1A485-01B1-48C2-88B6-3A35BA328823}"/>
+    <dgm:cxn modelId="{14D28341-8FBD-4F34-97EC-4EE1028A59B2}" type="presOf" srcId="{22ADEFA4-8F4E-43A0-B92B-47099F074A8D}" destId="{FBDA82DA-DE45-43C8-A911-6494E3134B78}" srcOrd="0" destOrd="1" presId="urn:microsoft.com/office/officeart/2005/8/layout/vList5"/>
+    <dgm:cxn modelId="{57A16868-59FB-403C-9A0F-EE8EC477C18D}" srcId="{55213ECC-570A-4A3D-A048-2A28B7A067D3}" destId="{8FCCD3D9-405C-488C-994F-9045748C4D88}" srcOrd="2" destOrd="0" parTransId="{78DA1393-718A-4C28-86E5-EA787F9F9C08}" sibTransId="{01F42207-08A8-4461-90B7-88B8C2B08524}"/>
+    <dgm:cxn modelId="{D0567748-27F6-4537-964E-AAA3DFEE13B7}" srcId="{55213ECC-570A-4A3D-A048-2A28B7A067D3}" destId="{CA8C23C8-B793-4704-92FC-3C4CB9C09992}" srcOrd="0" destOrd="0" parTransId="{EA545F68-1A52-4409-B1CB-87C88797924A}" sibTransId="{040EC3B0-E91C-4A5B-B37D-192726B345AC}"/>
+    <dgm:cxn modelId="{751DD78A-0ACC-4E2A-A5CB-DFA25FBFF74D}" srcId="{DAE94458-1B6E-4F46-A505-26C8EC7B4DCF}" destId="{22ADEFA4-8F4E-43A0-B92B-47099F074A8D}" srcOrd="1" destOrd="0" parTransId="{AF034700-55A8-454E-BF1B-222C536A5CD4}" sibTransId="{9F9BF041-5CF5-41A9-82AA-C3332A6B04B0}"/>
+    <dgm:cxn modelId="{7D2A1C8E-E3F5-4C70-B469-C536CB09BCC1}" srcId="{CA8C23C8-B793-4704-92FC-3C4CB9C09992}" destId="{FA4B534A-B4A2-4806-A776-D564F5CC1025}" srcOrd="1" destOrd="0" parTransId="{7842CB1B-F5FB-4280-BE1C-CCFCD0F67482}" sibTransId="{88BC7A95-5F6E-468C-89BC-847267E367E5}"/>
+    <dgm:cxn modelId="{3AD5D195-188F-4489-A8A8-C86D9A29D491}" type="presOf" srcId="{D29EA884-48FB-44C6-875F-E2297244BABB}" destId="{E48C43C6-065F-4564-B95D-2BB5E316D58D}" srcOrd="0" destOrd="0" presId="urn:microsoft.com/office/officeart/2005/8/layout/vList5"/>
+    <dgm:cxn modelId="{AD84BC9C-36F1-410E-831A-7893379F1B1B}" type="presOf" srcId="{8FCCD3D9-405C-488C-994F-9045748C4D88}" destId="{2AC04DF7-ADCF-43B0-8AF4-6D19E2162989}" srcOrd="0" destOrd="0" presId="urn:microsoft.com/office/officeart/2005/8/layout/vList5"/>
+    <dgm:cxn modelId="{604B8C9D-ACD8-4871-ABBC-D9E96DFF29FB}" srcId="{8FCCD3D9-405C-488C-994F-9045748C4D88}" destId="{80E70C83-E9DC-4672-A73D-25514695F00A}" srcOrd="1" destOrd="0" parTransId="{B5ACB956-16C3-4999-B7ED-22832B10AE55}" sibTransId="{393CB569-6B8F-45C2-AAE3-1F1F62DEC03D}"/>
+    <dgm:cxn modelId="{52731EA9-FA74-4969-A7B9-053D005658A4}" srcId="{8FCCD3D9-405C-488C-994F-9045748C4D88}" destId="{9B605859-2BC2-4C2F-889E-3B7F1522174F}" srcOrd="0" destOrd="0" parTransId="{850FE02B-020B-4C20-AE71-4FD95FDBC014}" sibTransId="{BEB97E23-E533-45BC-B164-469F251F84F6}"/>
+    <dgm:cxn modelId="{FBD485CC-1353-411B-90CC-CBBDE4CBC444}" type="presOf" srcId="{FA4B534A-B4A2-4806-A776-D564F5CC1025}" destId="{E48C43C6-065F-4564-B95D-2BB5E316D58D}" srcOrd="0" destOrd="1" presId="urn:microsoft.com/office/officeart/2005/8/layout/vList5"/>
+    <dgm:cxn modelId="{B80E67DD-03B1-419F-86DC-F5AD8A481766}" type="presOf" srcId="{55213ECC-570A-4A3D-A048-2A28B7A067D3}" destId="{1F29E497-C827-4F11-A61B-E1D6BE881FF4}" srcOrd="0" destOrd="0" presId="urn:microsoft.com/office/officeart/2005/8/layout/vList5"/>
+    <dgm:cxn modelId="{F4C5AFF2-5F56-4EEE-8690-FF753A8D5900}" type="presOf" srcId="{CA8C23C8-B793-4704-92FC-3C4CB9C09992}" destId="{46B1C4F8-C537-4489-BF18-C0BC50D26092}" srcOrd="0" destOrd="0" presId="urn:microsoft.com/office/officeart/2005/8/layout/vList5"/>
+    <dgm:cxn modelId="{D1E3DDF9-A1A6-4487-B6FC-46CA9A159D24}" srcId="{CA8C23C8-B793-4704-92FC-3C4CB9C09992}" destId="{D29EA884-48FB-44C6-875F-E2297244BABB}" srcOrd="0" destOrd="0" parTransId="{1645A6AC-4852-4C0E-AB8B-C584F75472B5}" sibTransId="{FCD4E105-CD2F-4DB6-ACD6-67B6C64E1431}"/>
+    <dgm:cxn modelId="{720665B6-D384-405A-B10F-FA9F0273ED00}" type="presParOf" srcId="{1F29E497-C827-4F11-A61B-E1D6BE881FF4}" destId="{0DAE21B9-37E9-42E1-8C7D-9C81FA8F3F76}" srcOrd="0" destOrd="0" presId="urn:microsoft.com/office/officeart/2005/8/layout/vList5"/>
+    <dgm:cxn modelId="{2BC7436C-08BA-46FC-B781-2826D2BD9C67}" type="presParOf" srcId="{0DAE21B9-37E9-42E1-8C7D-9C81FA8F3F76}" destId="{46B1C4F8-C537-4489-BF18-C0BC50D26092}" srcOrd="0" destOrd="0" presId="urn:microsoft.com/office/officeart/2005/8/layout/vList5"/>
+    <dgm:cxn modelId="{4625DDFC-788A-4118-800B-5983CDE6E955}" type="presParOf" srcId="{0DAE21B9-37E9-42E1-8C7D-9C81FA8F3F76}" destId="{E48C43C6-065F-4564-B95D-2BB5E316D58D}" srcOrd="1" destOrd="0" presId="urn:microsoft.com/office/officeart/2005/8/layout/vList5"/>
+    <dgm:cxn modelId="{D2262E8A-A327-436C-9411-5B7C2A717328}" type="presParOf" srcId="{1F29E497-C827-4F11-A61B-E1D6BE881FF4}" destId="{1873161A-99B8-46D9-82B2-BBA7671C232D}" srcOrd="1" destOrd="0" presId="urn:microsoft.com/office/officeart/2005/8/layout/vList5"/>
+    <dgm:cxn modelId="{BA3AD2A5-D134-41FE-9E5D-E0AF13A847E7}" type="presParOf" srcId="{1F29E497-C827-4F11-A61B-E1D6BE881FF4}" destId="{CA03D3DF-064C-4B59-BAD8-28E4531A0097}" srcOrd="2" destOrd="0" presId="urn:microsoft.com/office/officeart/2005/8/layout/vList5"/>
+    <dgm:cxn modelId="{B1ED3C28-D3E6-4278-8D92-AF4FBC99E33E}" type="presParOf" srcId="{CA03D3DF-064C-4B59-BAD8-28E4531A0097}" destId="{82D019B7-072B-4BCD-936E-6E78C38E5EB1}" srcOrd="0" destOrd="0" presId="urn:microsoft.com/office/officeart/2005/8/layout/vList5"/>
+    <dgm:cxn modelId="{F8C8353F-E725-45D5-BF76-BD7C1F97E058}" type="presParOf" srcId="{CA03D3DF-064C-4B59-BAD8-28E4531A0097}" destId="{FBDA82DA-DE45-43C8-A911-6494E3134B78}" srcOrd="1" destOrd="0" presId="urn:microsoft.com/office/officeart/2005/8/layout/vList5"/>
+    <dgm:cxn modelId="{25A18740-DA22-40D5-ACFB-905381DD3EC8}" type="presParOf" srcId="{1F29E497-C827-4F11-A61B-E1D6BE881FF4}" destId="{36045529-116E-4FCB-8AB3-6C0A6AC19FF8}" srcOrd="3" destOrd="0" presId="urn:microsoft.com/office/officeart/2005/8/layout/vList5"/>
+    <dgm:cxn modelId="{35EEF0C4-A9AF-4D11-BC76-EC1154B2375C}" type="presParOf" srcId="{1F29E497-C827-4F11-A61B-E1D6BE881FF4}" destId="{83266881-AAF2-4EDB-B8A9-2DF66AE852FA}" srcOrd="4" destOrd="0" presId="urn:microsoft.com/office/officeart/2005/8/layout/vList5"/>
+    <dgm:cxn modelId="{E9CF3680-D5DB-4997-8715-B23F0A0A3609}" type="presParOf" srcId="{83266881-AAF2-4EDB-B8A9-2DF66AE852FA}" destId="{2AC04DF7-ADCF-43B0-8AF4-6D19E2162989}" srcOrd="0" destOrd="0" presId="urn:microsoft.com/office/officeart/2005/8/layout/vList5"/>
+    <dgm:cxn modelId="{7CFB8F5C-DFE4-4A13-A13A-3BCF742846F3}" type="presParOf" srcId="{83266881-AAF2-4EDB-B8A9-2DF66AE852FA}" destId="{951F394A-545A-427E-8076-A855451C71DE}" srcOrd="1" destOrd="0" presId="urn:microsoft.com/office/officeart/2005/8/layout/vList5"/>
+  </dgm:cxnLst>
+  <dgm:bg/>
+  <dgm:whole/>
+  <dgm:extLst>
+    <a:ext uri="http://schemas.microsoft.com/office/drawing/2008/diagram">
+      <dsp:dataModelExt xmlns:dsp="http://schemas.microsoft.com/office/drawing/2008/diagram" relId="rId6" minVer="http://schemas.openxmlformats.org/drawingml/2006/diagram"/>
+    </a:ext>
+  </dgm:extLst>
+</dgm:dataModel>
+</file>
+
+<file path=ppt/diagrams/drawing1.xml><?xml version="1.0" encoding="utf-8"?>
+<dsp:drawing xmlns:dgm="http://schemas.openxmlformats.org/drawingml/2006/diagram" xmlns:dsp="http://schemas.microsoft.com/office/drawing/2008/diagram" xmlns:a="http://schemas.openxmlformats.org/drawingml/2006/main">
+  <dsp:spTree>
+    <dsp:nvGrpSpPr>
+      <dsp:cNvPr id="0" name=""/>
+      <dsp:cNvGrpSpPr/>
+    </dsp:nvGrpSpPr>
+    <dsp:grpSpPr/>
+    <dsp:sp modelId="{E48C43C6-065F-4564-B95D-2BB5E316D58D}">
+      <dsp:nvSpPr>
+        <dsp:cNvPr id="0" name=""/>
+        <dsp:cNvSpPr/>
+      </dsp:nvSpPr>
+      <dsp:spPr>
+        <a:xfrm rot="5400000">
+          <a:off x="6975690" y="-2856019"/>
+          <a:ext cx="1089527" cy="7078074"/>
+        </a:xfrm>
+        <a:prstGeom prst="round2SameRect">
+          <a:avLst/>
+        </a:prstGeom>
+        <a:solidFill>
+          <a:schemeClr val="accent3">
+            <a:lumMod val="40000"/>
+            <a:lumOff val="60000"/>
+          </a:schemeClr>
+        </a:solidFill>
+        <a:ln w="9525" cap="flat" cmpd="sng" algn="ctr">
+          <a:solidFill>
+            <a:schemeClr val="accent3">
+              <a:shade val="95000"/>
+              <a:satMod val="105000"/>
+            </a:schemeClr>
+          </a:solidFill>
+          <a:prstDash val="solid"/>
+        </a:ln>
+        <a:effectLst>
+          <a:outerShdw blurRad="40000" dist="23000" dir="5400000" rotWithShape="0">
+            <a:srgbClr val="000000">
+              <a:alpha val="35000"/>
+            </a:srgbClr>
+          </a:outerShdw>
+        </a:effectLst>
+      </dsp:spPr>
+      <dsp:style>
+        <a:lnRef idx="1">
+          <a:schemeClr val="accent3"/>
+        </a:lnRef>
+        <a:fillRef idx="3">
+          <a:schemeClr val="accent3"/>
+        </a:fillRef>
+        <a:effectRef idx="2">
+          <a:schemeClr val="accent3"/>
+        </a:effectRef>
+        <a:fontRef idx="minor">
+          <a:schemeClr val="lt1"/>
+        </a:fontRef>
+      </dsp:style>
+      <dsp:txBody>
+        <a:bodyPr spcFirstLastPara="0" vert="horz" wrap="square" lIns="247650" tIns="123825" rIns="247650" bIns="123825" numCol="1" spcCol="1270" anchor="ctr" anchorCtr="0">
+          <a:noAutofit/>
+        </a:bodyPr>
+        <a:lstStyle/>
+        <a:p>
+          <a:pPr marL="114300" lvl="1" indent="-114300" algn="l" defTabSz="533400">
+            <a:lnSpc>
+              <a:spcPct val="90000"/>
+            </a:lnSpc>
+            <a:spcBef>
+              <a:spcPct val="0"/>
+            </a:spcBef>
+            <a:spcAft>
+              <a:spcPct val="15000"/>
+            </a:spcAft>
+            <a:buFont typeface="Arial" panose="020B0604020202020204" pitchFamily="34" charset="0"/>
+            <a:buChar char="•"/>
+          </a:pPr>
+          <a:r>
+            <a:rPr lang="en-US" sz="1200" kern="1200" dirty="0"/>
+            <a:t>Built a custom question-answer pair JSON file on a random Wikipedia article.</a:t>
+          </a:r>
+        </a:p>
+        <a:p>
+          <a:pPr marL="114300" lvl="1" indent="-114300" algn="l" defTabSz="533400">
+            <a:lnSpc>
+              <a:spcPct val="90000"/>
+            </a:lnSpc>
+            <a:spcBef>
+              <a:spcPct val="0"/>
+            </a:spcBef>
+            <a:spcAft>
+              <a:spcPct val="15000"/>
+            </a:spcAft>
+            <a:buFont typeface="Arial" panose="020B0604020202020204" pitchFamily="34" charset="0"/>
+            <a:buChar char="•"/>
+          </a:pPr>
+          <a:r>
+            <a:rPr lang="en-US" sz="1200" kern="1200" dirty="0"/>
+            <a:t>100 randomly selected question-</a:t>
+          </a:r>
+          <a:r>
+            <a:rPr lang="en-US" sz="1200" kern="1200" dirty="0" err="1"/>
+            <a:t>anwers</a:t>
+          </a:r>
+          <a:r>
+            <a:rPr lang="en-US" sz="1200" kern="1200" dirty="0"/>
+            <a:t> pairs were used to validate against the context generation models.</a:t>
+          </a:r>
+        </a:p>
+      </dsp:txBody>
+      <dsp:txXfrm rot="-5400000">
+        <a:off x="3981417" y="191440"/>
+        <a:ext cx="7024888" cy="983155"/>
+      </dsp:txXfrm>
+    </dsp:sp>
+    <dsp:sp modelId="{46B1C4F8-C537-4489-BF18-C0BC50D26092}">
+      <dsp:nvSpPr>
+        <dsp:cNvPr id="0" name=""/>
+        <dsp:cNvSpPr/>
+      </dsp:nvSpPr>
+      <dsp:spPr>
+        <a:xfrm>
+          <a:off x="0" y="2063"/>
+          <a:ext cx="3981416" cy="1361909"/>
+        </a:xfrm>
+        <a:prstGeom prst="roundRect">
+          <a:avLst/>
+        </a:prstGeom>
+        <a:gradFill rotWithShape="1">
+          <a:gsLst>
+            <a:gs pos="0">
+              <a:schemeClr val="accent3">
+                <a:shade val="51000"/>
+                <a:satMod val="130000"/>
+              </a:schemeClr>
+            </a:gs>
+            <a:gs pos="80000">
+              <a:schemeClr val="accent3">
+                <a:shade val="93000"/>
+                <a:satMod val="130000"/>
+              </a:schemeClr>
+            </a:gs>
+            <a:gs pos="100000">
+              <a:schemeClr val="accent3">
+                <a:shade val="94000"/>
+                <a:satMod val="135000"/>
+              </a:schemeClr>
+            </a:gs>
+          </a:gsLst>
+          <a:lin ang="16200000" scaled="0"/>
+        </a:gradFill>
+        <a:ln w="9525" cap="flat" cmpd="sng" algn="ctr">
+          <a:solidFill>
+            <a:schemeClr val="accent3">
+              <a:shade val="95000"/>
+              <a:satMod val="105000"/>
+            </a:schemeClr>
+          </a:solidFill>
+          <a:prstDash val="solid"/>
+        </a:ln>
+        <a:effectLst>
+          <a:outerShdw blurRad="40000" dist="23000" dir="5400000" rotWithShape="0">
+            <a:srgbClr val="000000">
+              <a:alpha val="35000"/>
+            </a:srgbClr>
+          </a:outerShdw>
+        </a:effectLst>
+      </dsp:spPr>
+      <dsp:style>
+        <a:lnRef idx="1">
+          <a:schemeClr val="accent3"/>
+        </a:lnRef>
+        <a:fillRef idx="3">
+          <a:schemeClr val="accent3"/>
+        </a:fillRef>
+        <a:effectRef idx="2">
+          <a:schemeClr val="accent3"/>
+        </a:effectRef>
+        <a:fontRef idx="minor">
+          <a:schemeClr val="lt1"/>
+        </a:fontRef>
+      </dsp:style>
+      <dsp:txBody>
+        <a:bodyPr spcFirstLastPara="0" vert="horz" wrap="square" lIns="53340" tIns="26670" rIns="53340" bIns="26670" numCol="1" spcCol="1270" anchor="ctr" anchorCtr="0">
+          <a:noAutofit/>
+        </a:bodyPr>
+        <a:lstStyle/>
+        <a:p>
+          <a:pPr marL="0" lvl="0" indent="0" algn="ctr" defTabSz="622300">
+            <a:lnSpc>
+              <a:spcPct val="90000"/>
+            </a:lnSpc>
+            <a:spcBef>
+              <a:spcPct val="0"/>
+            </a:spcBef>
+            <a:spcAft>
+              <a:spcPct val="35000"/>
+            </a:spcAft>
+            <a:buNone/>
+          </a:pPr>
+          <a:r>
+            <a:rPr lang="en-US" sz="1400" b="0" kern="1200" dirty="0">
+              <a:solidFill>
+                <a:schemeClr val="bg1"/>
+              </a:solidFill>
+            </a:rPr>
+            <a:t>For Evaluation of Context Generation Techniques</a:t>
+          </a:r>
+        </a:p>
+      </dsp:txBody>
+      <dsp:txXfrm>
+        <a:off x="66483" y="68546"/>
+        <a:ext cx="3848450" cy="1228943"/>
+      </dsp:txXfrm>
+    </dsp:sp>
+    <dsp:sp modelId="{FBDA82DA-DE45-43C8-A911-6494E3134B78}">
+      <dsp:nvSpPr>
+        <dsp:cNvPr id="0" name=""/>
+        <dsp:cNvSpPr/>
+      </dsp:nvSpPr>
+      <dsp:spPr>
+        <a:xfrm rot="5400000">
+          <a:off x="6975690" y="-1426014"/>
+          <a:ext cx="1089527" cy="7078074"/>
+        </a:xfrm>
+        <a:prstGeom prst="round2SameRect">
+          <a:avLst/>
+        </a:prstGeom>
+        <a:solidFill>
+          <a:schemeClr val="accent3">
+            <a:lumMod val="40000"/>
+            <a:lumOff val="60000"/>
+          </a:schemeClr>
+        </a:solidFill>
+        <a:ln w="9525" cap="flat" cmpd="sng" algn="ctr">
+          <a:solidFill>
+            <a:schemeClr val="accent3">
+              <a:shade val="95000"/>
+              <a:satMod val="105000"/>
+            </a:schemeClr>
+          </a:solidFill>
+          <a:prstDash val="solid"/>
+        </a:ln>
+        <a:effectLst>
+          <a:outerShdw blurRad="40000" dist="23000" dir="5400000" rotWithShape="0">
+            <a:srgbClr val="000000">
+              <a:alpha val="35000"/>
+            </a:srgbClr>
+          </a:outerShdw>
+        </a:effectLst>
+      </dsp:spPr>
+      <dsp:style>
+        <a:lnRef idx="1">
+          <a:schemeClr val="accent3"/>
+        </a:lnRef>
+        <a:fillRef idx="3">
+          <a:schemeClr val="accent3"/>
+        </a:fillRef>
+        <a:effectRef idx="2">
+          <a:schemeClr val="accent3"/>
+        </a:effectRef>
+        <a:fontRef idx="minor">
+          <a:schemeClr val="lt1"/>
+        </a:fontRef>
+      </dsp:style>
+      <dsp:txBody>
+        <a:bodyPr spcFirstLastPara="0" vert="horz" wrap="square" lIns="247650" tIns="123825" rIns="247650" bIns="123825" numCol="1" spcCol="1270" anchor="ctr" anchorCtr="0">
+          <a:noAutofit/>
+        </a:bodyPr>
+        <a:lstStyle/>
+        <a:p>
+          <a:pPr marL="114300" lvl="1" indent="-114300" algn="l" defTabSz="533400">
+            <a:lnSpc>
+              <a:spcPct val="90000"/>
+            </a:lnSpc>
+            <a:spcBef>
+              <a:spcPct val="0"/>
+            </a:spcBef>
+            <a:spcAft>
+              <a:spcPct val="15000"/>
+            </a:spcAft>
+            <a:buFont typeface="Arial" panose="020B0604020202020204" pitchFamily="34" charset="0"/>
+            <a:buChar char="•"/>
+          </a:pPr>
+          <a:r>
+            <a:rPr lang="en-US" sz="1200" kern="1200" dirty="0"/>
+            <a:t>Generic: </a:t>
+          </a:r>
+          <a:r>
+            <a:rPr lang="en-US" sz="1200" kern="1200" dirty="0" err="1"/>
+            <a:t>SQuAD</a:t>
+          </a:r>
+          <a:r>
+            <a:rPr lang="en-US" sz="1200" kern="1200" dirty="0"/>
+            <a:t> 2.0 dataset (100k+ question answer pairs and 50k+ no answer pairs)</a:t>
+          </a:r>
+        </a:p>
+        <a:p>
+          <a:pPr marL="114300" lvl="1" indent="-114300" algn="l" defTabSz="533400">
+            <a:lnSpc>
+              <a:spcPct val="90000"/>
+            </a:lnSpc>
+            <a:spcBef>
+              <a:spcPct val="0"/>
+            </a:spcBef>
+            <a:spcAft>
+              <a:spcPct val="15000"/>
+            </a:spcAft>
+            <a:buFont typeface="Arial" panose="020B0604020202020204" pitchFamily="34" charset="0"/>
+            <a:buChar char="•"/>
+          </a:pPr>
+          <a:r>
+            <a:rPr lang="en-US" sz="1200" kern="1200" dirty="0"/>
+            <a:t>Domain-specific: </a:t>
+          </a:r>
+          <a:r>
+            <a:rPr lang="en-US" sz="1200" kern="1200" dirty="0" err="1"/>
+            <a:t>Deepset’s</a:t>
+          </a:r>
+          <a:r>
+            <a:rPr lang="en-US" sz="1200" kern="1200" dirty="0"/>
+            <a:t> </a:t>
+          </a:r>
+          <a:r>
+            <a:rPr lang="en-US" sz="1200" kern="1200" dirty="0" err="1"/>
+            <a:t>CovidQA</a:t>
+          </a:r>
+          <a:r>
+            <a:rPr lang="en-US" sz="1200" kern="1200" dirty="0"/>
+            <a:t> dataset (2153 question answer pairs)</a:t>
+          </a:r>
+        </a:p>
+      </dsp:txBody>
+      <dsp:txXfrm rot="-5400000">
+        <a:off x="3981417" y="1621445"/>
+        <a:ext cx="7024888" cy="983155"/>
+      </dsp:txXfrm>
+    </dsp:sp>
+    <dsp:sp modelId="{82D019B7-072B-4BCD-936E-6E78C38E5EB1}">
+      <dsp:nvSpPr>
+        <dsp:cNvPr id="0" name=""/>
+        <dsp:cNvSpPr/>
+      </dsp:nvSpPr>
+      <dsp:spPr>
+        <a:xfrm>
+          <a:off x="0" y="1432067"/>
+          <a:ext cx="3981416" cy="1361909"/>
+        </a:xfrm>
+        <a:prstGeom prst="roundRect">
+          <a:avLst/>
+        </a:prstGeom>
+        <a:gradFill rotWithShape="1">
+          <a:gsLst>
+            <a:gs pos="0">
+              <a:schemeClr val="accent3">
+                <a:shade val="51000"/>
+                <a:satMod val="130000"/>
+              </a:schemeClr>
+            </a:gs>
+            <a:gs pos="80000">
+              <a:schemeClr val="accent3">
+                <a:shade val="93000"/>
+                <a:satMod val="130000"/>
+              </a:schemeClr>
+            </a:gs>
+            <a:gs pos="100000">
+              <a:schemeClr val="accent3">
+                <a:shade val="94000"/>
+                <a:satMod val="135000"/>
+              </a:schemeClr>
+            </a:gs>
+          </a:gsLst>
+          <a:lin ang="16200000" scaled="0"/>
+        </a:gradFill>
+        <a:ln w="9525" cap="flat" cmpd="sng" algn="ctr">
+          <a:solidFill>
+            <a:schemeClr val="accent3">
+              <a:shade val="95000"/>
+              <a:satMod val="105000"/>
+            </a:schemeClr>
+          </a:solidFill>
+          <a:prstDash val="solid"/>
+        </a:ln>
+        <a:effectLst>
+          <a:outerShdw blurRad="40000" dist="23000" dir="5400000" rotWithShape="0">
+            <a:srgbClr val="000000">
+              <a:alpha val="35000"/>
+            </a:srgbClr>
+          </a:outerShdw>
+        </a:effectLst>
+      </dsp:spPr>
+      <dsp:style>
+        <a:lnRef idx="1">
+          <a:schemeClr val="accent3"/>
+        </a:lnRef>
+        <a:fillRef idx="3">
+          <a:schemeClr val="accent3"/>
+        </a:fillRef>
+        <a:effectRef idx="2">
+          <a:schemeClr val="accent3"/>
+        </a:effectRef>
+        <a:fontRef idx="minor">
+          <a:schemeClr val="lt1"/>
+        </a:fontRef>
+      </dsp:style>
+      <dsp:txBody>
+        <a:bodyPr spcFirstLastPara="0" vert="horz" wrap="square" lIns="53340" tIns="26670" rIns="53340" bIns="26670" numCol="1" spcCol="1270" anchor="ctr" anchorCtr="0">
+          <a:noAutofit/>
+        </a:bodyPr>
+        <a:lstStyle/>
+        <a:p>
+          <a:pPr marL="0" lvl="0" indent="0" algn="ctr" defTabSz="622300">
+            <a:lnSpc>
+              <a:spcPct val="90000"/>
+            </a:lnSpc>
+            <a:spcBef>
+              <a:spcPct val="0"/>
+            </a:spcBef>
+            <a:spcAft>
+              <a:spcPct val="35000"/>
+            </a:spcAft>
+            <a:buNone/>
+          </a:pPr>
+          <a:r>
+            <a:rPr lang="en-US" sz="1400" b="0" kern="1200" dirty="0">
+              <a:solidFill>
+                <a:schemeClr val="bg1"/>
+              </a:solidFill>
+            </a:rPr>
+            <a:t>For Evaluation/Comparison of Answer Extraction Models</a:t>
+          </a:r>
+        </a:p>
+      </dsp:txBody>
+      <dsp:txXfrm>
+        <a:off x="66483" y="1498550"/>
+        <a:ext cx="3848450" cy="1228943"/>
+      </dsp:txXfrm>
+    </dsp:sp>
+    <dsp:sp modelId="{951F394A-545A-427E-8076-A855451C71DE}">
+      <dsp:nvSpPr>
+        <dsp:cNvPr id="0" name=""/>
+        <dsp:cNvSpPr/>
+      </dsp:nvSpPr>
+      <dsp:spPr>
+        <a:xfrm rot="5400000">
+          <a:off x="6975690" y="3989"/>
+          <a:ext cx="1089527" cy="7078074"/>
+        </a:xfrm>
+        <a:prstGeom prst="round2SameRect">
+          <a:avLst/>
+        </a:prstGeom>
+        <a:solidFill>
+          <a:schemeClr val="accent3">
+            <a:lumMod val="40000"/>
+            <a:lumOff val="60000"/>
+          </a:schemeClr>
+        </a:solidFill>
+        <a:ln w="9525" cap="flat" cmpd="sng" algn="ctr">
+          <a:solidFill>
+            <a:schemeClr val="accent3">
+              <a:shade val="95000"/>
+              <a:satMod val="105000"/>
+            </a:schemeClr>
+          </a:solidFill>
+          <a:prstDash val="solid"/>
+        </a:ln>
+        <a:effectLst>
+          <a:outerShdw blurRad="40000" dist="23000" dir="5400000" rotWithShape="0">
+            <a:srgbClr val="000000">
+              <a:alpha val="35000"/>
+            </a:srgbClr>
+          </a:outerShdw>
+        </a:effectLst>
+      </dsp:spPr>
+      <dsp:style>
+        <a:lnRef idx="1">
+          <a:schemeClr val="accent3"/>
+        </a:lnRef>
+        <a:fillRef idx="3">
+          <a:schemeClr val="accent3"/>
+        </a:fillRef>
+        <a:effectRef idx="2">
+          <a:schemeClr val="accent3"/>
+        </a:effectRef>
+        <a:fontRef idx="minor">
+          <a:schemeClr val="lt1"/>
+        </a:fontRef>
+      </dsp:style>
+      <dsp:txBody>
+        <a:bodyPr spcFirstLastPara="0" vert="horz" wrap="square" lIns="247650" tIns="123825" rIns="247650" bIns="123825" numCol="1" spcCol="1270" anchor="ctr" anchorCtr="0">
+          <a:noAutofit/>
+        </a:bodyPr>
+        <a:lstStyle/>
+        <a:p>
+          <a:pPr marL="114300" lvl="1" indent="-114300" algn="l" defTabSz="533400">
+            <a:lnSpc>
+              <a:spcPct val="90000"/>
+            </a:lnSpc>
+            <a:spcBef>
+              <a:spcPct val="0"/>
+            </a:spcBef>
+            <a:spcAft>
+              <a:spcPct val="15000"/>
+            </a:spcAft>
+            <a:buFont typeface="Arial" panose="020B0604020202020204" pitchFamily="34" charset="0"/>
+            <a:buChar char="•"/>
+          </a:pPr>
+          <a:r>
+            <a:rPr lang="en-US" sz="1200" kern="1200" dirty="0"/>
+            <a:t>Used BeautifulSoup4 to perform real time web scraping. </a:t>
+          </a:r>
+        </a:p>
+        <a:p>
+          <a:pPr marL="114300" lvl="1" indent="-114300" algn="l" defTabSz="533400">
+            <a:lnSpc>
+              <a:spcPct val="90000"/>
+            </a:lnSpc>
+            <a:spcBef>
+              <a:spcPct val="0"/>
+            </a:spcBef>
+            <a:spcAft>
+              <a:spcPct val="15000"/>
+            </a:spcAft>
+            <a:buFont typeface="Arial" panose="020B0604020202020204" pitchFamily="34" charset="0"/>
+            <a:buChar char="•"/>
+          </a:pPr>
+          <a:r>
+            <a:rPr lang="en-US" sz="1200" kern="1200" dirty="0"/>
+            <a:t>Given a URL, the system would scrape the article’s text data, remove noise, remove stop words and lemmatize as needed for each model/technique.</a:t>
+          </a:r>
+        </a:p>
+      </dsp:txBody>
+      <dsp:txXfrm rot="-5400000">
+        <a:off x="3981417" y="3051448"/>
+        <a:ext cx="7024888" cy="983155"/>
+      </dsp:txXfrm>
+    </dsp:sp>
+    <dsp:sp modelId="{2AC04DF7-ADCF-43B0-8AF4-6D19E2162989}">
+      <dsp:nvSpPr>
+        <dsp:cNvPr id="0" name=""/>
+        <dsp:cNvSpPr/>
+      </dsp:nvSpPr>
+      <dsp:spPr>
+        <a:xfrm>
+          <a:off x="0" y="2862072"/>
+          <a:ext cx="3981416" cy="1361909"/>
+        </a:xfrm>
+        <a:prstGeom prst="roundRect">
+          <a:avLst/>
+        </a:prstGeom>
+        <a:gradFill rotWithShape="1">
+          <a:gsLst>
+            <a:gs pos="0">
+              <a:schemeClr val="accent3">
+                <a:shade val="51000"/>
+                <a:satMod val="130000"/>
+              </a:schemeClr>
+            </a:gs>
+            <a:gs pos="80000">
+              <a:schemeClr val="accent3">
+                <a:shade val="93000"/>
+                <a:satMod val="130000"/>
+              </a:schemeClr>
+            </a:gs>
+            <a:gs pos="100000">
+              <a:schemeClr val="accent3">
+                <a:shade val="94000"/>
+                <a:satMod val="135000"/>
+              </a:schemeClr>
+            </a:gs>
+          </a:gsLst>
+          <a:lin ang="16200000" scaled="0"/>
+        </a:gradFill>
+        <a:ln w="9525" cap="flat" cmpd="sng" algn="ctr">
+          <a:solidFill>
+            <a:schemeClr val="accent3">
+              <a:shade val="95000"/>
+              <a:satMod val="105000"/>
+            </a:schemeClr>
+          </a:solidFill>
+          <a:prstDash val="solid"/>
+        </a:ln>
+        <a:effectLst>
+          <a:outerShdw blurRad="40000" dist="23000" dir="5400000" rotWithShape="0">
+            <a:srgbClr val="000000">
+              <a:alpha val="35000"/>
+            </a:srgbClr>
+          </a:outerShdw>
+        </a:effectLst>
+      </dsp:spPr>
+      <dsp:style>
+        <a:lnRef idx="1">
+          <a:schemeClr val="accent3"/>
+        </a:lnRef>
+        <a:fillRef idx="3">
+          <a:schemeClr val="accent3"/>
+        </a:fillRef>
+        <a:effectRef idx="2">
+          <a:schemeClr val="accent3"/>
+        </a:effectRef>
+        <a:fontRef idx="minor">
+          <a:schemeClr val="lt1"/>
+        </a:fontRef>
+      </dsp:style>
+      <dsp:txBody>
+        <a:bodyPr spcFirstLastPara="0" vert="horz" wrap="square" lIns="53340" tIns="26670" rIns="53340" bIns="26670" numCol="1" spcCol="1270" anchor="ctr" anchorCtr="0">
+          <a:noAutofit/>
+        </a:bodyPr>
+        <a:lstStyle/>
+        <a:p>
+          <a:pPr marL="0" lvl="0" indent="0" algn="ctr" defTabSz="622300">
+            <a:lnSpc>
+              <a:spcPct val="90000"/>
+            </a:lnSpc>
+            <a:spcBef>
+              <a:spcPct val="0"/>
+            </a:spcBef>
+            <a:spcAft>
+              <a:spcPct val="35000"/>
+            </a:spcAft>
+            <a:buNone/>
+          </a:pPr>
+          <a:r>
+            <a:rPr lang="en-US" sz="1400" b="0" kern="1200" dirty="0">
+              <a:solidFill>
+                <a:schemeClr val="bg1"/>
+              </a:solidFill>
+            </a:rPr>
+            <a:t>For Inference</a:t>
+          </a:r>
+        </a:p>
+      </dsp:txBody>
+      <dsp:txXfrm>
+        <a:off x="66483" y="2928555"/>
+        <a:ext cx="3848450" cy="1228943"/>
+      </dsp:txXfrm>
+    </dsp:sp>
+  </dsp:spTree>
+</dsp:drawing>
+</file>
+
+<file path=ppt/diagrams/layout1.xml><?xml version="1.0" encoding="utf-8"?>
+<dgm:layoutDef xmlns:dgm="http://schemas.openxmlformats.org/drawingml/2006/diagram" xmlns:a="http://schemas.openxmlformats.org/drawingml/2006/main" uniqueId="urn:microsoft.com/office/officeart/2005/8/layout/vList5">
+  <dgm:title val=""/>
+  <dgm:desc val=""/>
+  <dgm:catLst>
+    <dgm:cat type="list" pri="15000"/>
+    <dgm:cat type="convert" pri="2000"/>
+  </dgm:catLst>
+  <dgm:sampData>
+    <dgm:dataModel>
+      <dgm:ptLst>
+        <dgm:pt modelId="0" type="doc"/>
+        <dgm:pt modelId="1">
+          <dgm:prSet phldr="1"/>
+        </dgm:pt>
+        <dgm:pt modelId="11">
+          <dgm:prSet phldr="1"/>
+        </dgm:pt>
+        <dgm:pt modelId="12">
+          <dgm:prSet phldr="1"/>
+        </dgm:pt>
+        <dgm:pt modelId="2">
+          <dgm:prSet phldr="1"/>
+        </dgm:pt>
+        <dgm:pt modelId="21">
+          <dgm:prSet phldr="1"/>
+        </dgm:pt>
+        <dgm:pt modelId="22">
+          <dgm:prSet phldr="1"/>
+        </dgm:pt>
+        <dgm:pt modelId="3">
+          <dgm:prSet phldr="1"/>
+        </dgm:pt>
+        <dgm:pt modelId="31">
+          <dgm:prSet phldr="1"/>
+        </dgm:pt>
+        <dgm:pt modelId="32">
+          <dgm:prSet phldr="1"/>
+        </dgm:pt>
+      </dgm:ptLst>
+      <dgm:cxnLst>
+        <dgm:cxn modelId="4" srcId="0" destId="1" srcOrd="0" destOrd="0"/>
+        <dgm:cxn modelId="5" srcId="0" destId="2" srcOrd="1" destOrd="0"/>
+        <dgm:cxn modelId="6" srcId="0" destId="3" srcOrd="2" destOrd="0"/>
+        <dgm:cxn modelId="13" srcId="1" destId="11" srcOrd="0" destOrd="0"/>
+        <dgm:cxn modelId="14" srcId="1" destId="12" srcOrd="1" destOrd="0"/>
+        <dgm:cxn modelId="23" srcId="2" destId="21" srcOrd="0" destOrd="0"/>
+        <dgm:cxn modelId="24" srcId="2" destId="22" srcOrd="1" destOrd="0"/>
+        <dgm:cxn modelId="33" srcId="3" destId="31" srcOrd="0" destOrd="0"/>
+        <dgm:cxn modelId="34" srcId="3" destId="32" srcOrd="1" destOrd="0"/>
+      </dgm:cxnLst>
+      <dgm:bg/>
+      <dgm:whole/>
+    </dgm:dataModel>
+  </dgm:sampData>
+  <dgm:styleData>
+    <dgm:dataModel>
+      <dgm:ptLst>
+        <dgm:pt modelId="0" type="doc"/>
+        <dgm:pt modelId="1"/>
+        <dgm:pt modelId="11"/>
+        <dgm:pt modelId="2"/>
+        <dgm:pt modelId="21"/>
+      </dgm:ptLst>
+      <dgm:cxnLst>
+        <dgm:cxn modelId="4" srcId="0" destId="1" srcOrd="0" destOrd="0"/>
+        <dgm:cxn modelId="5" srcId="0" destId="2" srcOrd="1" destOrd="0"/>
+        <dgm:cxn modelId="13" srcId="1" destId="11" srcOrd="0" destOrd="0"/>
+        <dgm:cxn modelId="23" srcId="2" destId="21" srcOrd="0" destOrd="0"/>
+      </dgm:cxnLst>
+      <dgm:bg/>
+      <dgm:whole/>
+    </dgm:dataModel>
+  </dgm:styleData>
+  <dgm:clrData>
+    <dgm:dataModel>
+      <dgm:ptLst>
+        <dgm:pt modelId="0" type="doc"/>
+        <dgm:pt modelId="1"/>
+        <dgm:pt modelId="11"/>
+        <dgm:pt modelId="2"/>
+        <dgm:pt modelId="21"/>
+        <dgm:pt modelId="3"/>
+        <dgm:pt modelId="31"/>
+        <dgm:pt modelId="4"/>
+        <dgm:pt modelId="41"/>
+      </dgm:ptLst>
+      <dgm:cxnLst>
+        <dgm:cxn modelId="5" srcId="0" destId="1" srcOrd="0" destOrd="0"/>
+        <dgm:cxn modelId="6" srcId="0" destId="2" srcOrd="1" destOrd="0"/>
+        <dgm:cxn modelId="7" srcId="0" destId="3" srcOrd="2" destOrd="0"/>
+        <dgm:cxn modelId="8" srcId="0" destId="4" srcOrd="3" destOrd="0"/>
+        <dgm:cxn modelId="13" srcId="1" destId="11" srcOrd="0" destOrd="0"/>
+        <dgm:cxn modelId="23" srcId="2" destId="21" srcOrd="0" destOrd="0"/>
+        <dgm:cxn modelId="33" srcId="3" destId="31" srcOrd="0" destOrd="0"/>
+        <dgm:cxn modelId="43" srcId="4" destId="41" srcOrd="0" destOrd="0"/>
+      </dgm:cxnLst>
+      <dgm:bg/>
+      <dgm:whole/>
+    </dgm:dataModel>
+  </dgm:clrData>
+  <dgm:layoutNode name="Name0">
+    <dgm:varLst>
+      <dgm:dir/>
+      <dgm:animLvl val="lvl"/>
+      <dgm:resizeHandles val="exact"/>
+    </dgm:varLst>
+    <dgm:choose name="Name1">
+      <dgm:if name="Name2" func="var" arg="dir" op="equ" val="norm">
+        <dgm:alg type="lin">
+          <dgm:param type="linDir" val="fromT"/>
+          <dgm:param type="nodeHorzAlign" val="l"/>
+        </dgm:alg>
+      </dgm:if>
+      <dgm:else name="Name3">
+        <dgm:alg type="lin">
+          <dgm:param type="linDir" val="fromT"/>
+          <dgm:param type="nodeHorzAlign" val="r"/>
+        </dgm:alg>
+      </dgm:else>
+    </dgm:choose>
+    <dgm:shape xmlns:r="http://schemas.openxmlformats.org/officeDocument/2006/relationships" r:blip="">
+      <dgm:adjLst/>
+    </dgm:shape>
+    <dgm:presOf/>
+    <dgm:constrLst>
+      <dgm:constr type="h" for="ch" forName="linNode" refType="h"/>
+      <dgm:constr type="w" for="ch" forName="linNode" refType="w"/>
+      <dgm:constr type="h" for="ch" forName="sp" refType="h" fact="0.05"/>
+      <dgm:constr type="primFontSz" for="des" forName="parentText" op="equ" val="65"/>
+      <dgm:constr type="secFontSz" for="des" forName="descendantText" op="equ"/>
+    </dgm:constrLst>
+    <dgm:ruleLst/>
+    <dgm:forEach name="Name4" axis="ch" ptType="node">
+      <dgm:layoutNode name="linNode">
+        <dgm:choose name="Name5">
+          <dgm:if name="Name6" func="var" arg="dir" op="equ" val="norm">
+            <dgm:alg type="lin">
+              <dgm:param type="linDir" val="fromL"/>
+            </dgm:alg>
+          </dgm:if>
+          <dgm:else name="Name7">
+            <dgm:alg type="lin">
+              <dgm:param type="linDir" val="fromR"/>
+            </dgm:alg>
+          </dgm:else>
+        </dgm:choose>
+        <dgm:shape xmlns:r="http://schemas.openxmlformats.org/officeDocument/2006/relationships" r:blip="">
+          <dgm:adjLst/>
+        </dgm:shape>
+        <dgm:presOf/>
+        <dgm:constrLst>
+          <dgm:constr type="w" for="ch" forName="parentText" refType="w" fact="0.36"/>
+          <dgm:constr type="w" for="ch" forName="descendantText" refType="w" fact="0.64"/>
+          <dgm:constr type="h" for="ch" forName="parentText" refType="h"/>
+          <dgm:constr type="h" for="ch" forName="descendantText" refType="h" refFor="ch" refForName="parentText" fact="0.8"/>
+        </dgm:constrLst>
+        <dgm:ruleLst/>
+        <dgm:layoutNode name="parentText">
+          <dgm:varLst>
+            <dgm:chMax val="1"/>
+            <dgm:bulletEnabled val="1"/>
+          </dgm:varLst>
+          <dgm:alg type="tx"/>
+          <dgm:shape xmlns:r="http://schemas.openxmlformats.org/officeDocument/2006/relationships" type="roundRect" r:blip="" zOrderOff="3">
+            <dgm:adjLst/>
+          </dgm:shape>
+          <dgm:presOf axis="self" ptType="node"/>
+          <dgm:constrLst>
+            <dgm:constr type="tMarg" refType="primFontSz" fact="0.15"/>
+            <dgm:constr type="bMarg" refType="primFontSz" fact="0.15"/>
+            <dgm:constr type="lMarg" refType="primFontSz" fact="0.3"/>
+            <dgm:constr type="rMarg" refType="primFontSz" fact="0.3"/>
+          </dgm:constrLst>
+          <dgm:ruleLst>
+            <dgm:rule type="primFontSz" val="5" fact="NaN" max="NaN"/>
+          </dgm:ruleLst>
+        </dgm:layoutNode>
+        <dgm:choose name="Name8">
+          <dgm:if name="Name9" axis="ch" ptType="node" func="cnt" op="gte" val="1">
+            <dgm:layoutNode name="descendantText" styleLbl="alignAccFollowNode1">
+              <dgm:varLst>
+                <dgm:bulletEnabled val="1"/>
+              </dgm:varLst>
+              <dgm:alg type="tx">
+                <dgm:param type="stBulletLvl" val="1"/>
+                <dgm:param type="txAnchorVertCh" val="mid"/>
+              </dgm:alg>
+              <dgm:choose name="Name10">
+                <dgm:if name="Name11" func="var" arg="dir" op="equ" val="norm">
+                  <dgm:shape xmlns:r="http://schemas.openxmlformats.org/officeDocument/2006/relationships" rot="90" type="round2SameRect" r:blip="">
+                    <dgm:adjLst/>
+                  </dgm:shape>
+                </dgm:if>
+                <dgm:else name="Name12">
+                  <dgm:shape xmlns:r="http://schemas.openxmlformats.org/officeDocument/2006/relationships" rot="-90" type="round2SameRect" r:blip="">
+                    <dgm:adjLst/>
+                  </dgm:shape>
+                </dgm:else>
+              </dgm:choose>
+              <dgm:presOf axis="des" ptType="node"/>
+              <dgm:constrLst>
+                <dgm:constr type="secFontSz" val="65"/>
+                <dgm:constr type="primFontSz" refType="secFontSz"/>
+                <dgm:constr type="lMarg" refType="secFontSz" fact="0.3"/>
+                <dgm:constr type="rMarg" refType="secFontSz" fact="0.3"/>
+                <dgm:constr type="tMarg" refType="secFontSz" fact="0.15"/>
+                <dgm:constr type="bMarg" refType="secFontSz" fact="0.15"/>
+              </dgm:constrLst>
+              <dgm:ruleLst>
+                <dgm:rule type="secFontSz" val="5" fact="NaN" max="NaN"/>
+              </dgm:ruleLst>
+            </dgm:layoutNode>
+          </dgm:if>
+          <dgm:else name="Name13"/>
+        </dgm:choose>
+      </dgm:layoutNode>
+      <dgm:forEach name="Name14" axis="followSib" ptType="sibTrans" cnt="1">
+        <dgm:layoutNode name="sp">
+          <dgm:alg type="sp"/>
+          <dgm:shape xmlns:r="http://schemas.openxmlformats.org/officeDocument/2006/relationships" r:blip="">
+            <dgm:adjLst/>
+          </dgm:shape>
+          <dgm:presOf/>
+          <dgm:constrLst/>
+          <dgm:ruleLst/>
+        </dgm:layoutNode>
+      </dgm:forEach>
+    </dgm:forEach>
+  </dgm:layoutNode>
+</dgm:layoutDef>
+</file>
+
+<file path=ppt/diagrams/quickStyle1.xml><?xml version="1.0" encoding="utf-8"?>
+<dgm:styleDef xmlns:dgm="http://schemas.openxmlformats.org/drawingml/2006/diagram" xmlns:a="http://schemas.openxmlformats.org/drawingml/2006/main" uniqueId="urn:microsoft.com/office/officeart/2005/8/quickstyle/simple1">
+  <dgm:title val=""/>
+  <dgm:desc val=""/>
+  <dgm:catLst>
+    <dgm:cat type="simple" pri="10100"/>
+  </dgm:catLst>
+  <dgm:scene3d>
+    <a:camera prst="orthographicFront"/>
+    <a:lightRig rig="threePt" dir="t"/>
+  </dgm:scene3d>
+  <dgm:styleLbl name="node0">
+    <dgm:scene3d>
+      <a:camera prst="orthographicFront"/>
+      <a:lightRig rig="threePt" dir="t"/>
+    </dgm:scene3d>
+    <dgm:sp3d/>
+    <dgm:txPr/>
+    <dgm:style>
+      <a:lnRef idx="2">
+        <a:scrgbClr r="0" g="0" b="0"/>
+      </a:lnRef>
+      <a:fillRef idx="1">
+        <a:scrgbClr r="0" g="0" b="0"/>
+      </a:fillRef>
+      <a:effectRef idx="0">
+        <a:scrgbClr r="0" g="0" b="0"/>
+      </a:effectRef>
+      <a:fontRef idx="minor">
+        <a:schemeClr val="lt1"/>
+      </a:fontRef>
+    </dgm:style>
+  </dgm:styleLbl>
+  <dgm:styleLbl name="lnNode1">
+    <dgm:scene3d>
+      <a:camera prst="orthographicFront"/>
+      <a:lightRig rig="threePt" dir="t"/>
+    </dgm:scene3d>
+    <dgm:sp3d/>
+    <dgm:txPr/>
+    <dgm:style>
+      <a:lnRef idx="2">
+        <a:scrgbClr r="0" g="0" b="0"/>
+      </a:lnRef>
+      <a:fillRef idx="1">
+        <a:scrgbClr r="0" g="0" b="0"/>
+      </a:fillRef>
+      <a:effectRef idx="0">
+        <a:scrgbClr r="0" g="0" b="0"/>
+      </a:effectRef>
+      <a:fontRef idx="minor">
+        <a:schemeClr val="lt1"/>
+      </a:fontRef>
+    </dgm:style>
+  </dgm:styleLbl>
+  <dgm:styleLbl name="vennNode1">
+    <dgm:scene3d>
+      <a:camera prst="orthographicFront"/>
+      <a:lightRig rig="threePt" dir="t"/>
+    </dgm:scene3d>
+    <dgm:sp3d/>
+    <dgm:txPr/>
+    <dgm:style>
+      <a:lnRef idx="2">
+        <a:scrgbClr r="0" g="0" b="0"/>
+      </a:lnRef>
+      <a:fillRef idx="1">
+        <a:scrgbClr r="0" g="0" b="0"/>
+      </a:fillRef>
+      <a:effectRef idx="0">
+        <a:scrgbClr r="0" g="0" b="0"/>
+      </a:effectRef>
+      <a:fontRef idx="minor">
+        <a:schemeClr val="tx1"/>
+      </a:fontRef>
+    </dgm:style>
+  </dgm:styleLbl>
+  <dgm:styleLbl name="alignNode1">
+    <dgm:scene3d>
+      <a:camera prst="orthographicFront"/>
+      <a:lightRig rig="threePt" dir="t"/>
+    </dgm:scene3d>
+    <dgm:sp3d/>
+    <dgm:txPr/>
+    <dgm:style>
+      <a:lnRef idx="2">
+        <a:scrgbClr r="0" g="0" b="0"/>
+      </a:lnRef>
+      <a:fillRef idx="1">
+        <a:scrgbClr r="0" g="0" b="0"/>
+      </a:fillRef>
+      <a:effectRef idx="0">
+        <a:scrgbClr r="0" g="0" b="0"/>
+      </a:effectRef>
+      <a:fontRef idx="minor">
+        <a:schemeClr val="lt1"/>
+      </a:fontRef>
+    </dgm:style>
+  </dgm:styleLbl>
+  <dgm:styleLbl name="node1">
+    <dgm:scene3d>
+      <a:camera prst="orthographicFront"/>
+      <a:lightRig rig="threePt" dir="t"/>
+    </dgm:scene3d>
+    <dgm:sp3d/>
+    <dgm:txPr/>
+    <dgm:style>
+      <a:lnRef idx="2">
+        <a:scrgbClr r="0" g="0" b="0"/>
+      </a:lnRef>
+      <a:fillRef idx="1">
+        <a:scrgbClr r="0" g="0" b="0"/>
+      </a:fillRef>
+      <a:effectRef idx="0">
+        <a:scrgbClr r="0" g="0" b="0"/>
+      </a:effectRef>
+      <a:fontRef idx="minor">
+        <a:schemeClr val="lt1"/>
+      </a:fontRef>
+    </dgm:style>
+  </dgm:styleLbl>
+  <dgm:styleLbl name="node2">
+    <dgm:scene3d>
+      <a:camera prst="orthographicFront"/>
+      <a:lightRig rig="threePt" dir="t"/>
+    </dgm:scene3d>
+    <dgm:sp3d/>
+    <dgm:txPr/>
+    <dgm:style>
+      <a:lnRef idx="2">
+        <a:scrgbClr r="0" g="0" b="0"/>
+      </a:lnRef>
+      <a:fillRef idx="1">
+        <a:scrgbClr r="0" g="0" b="0"/>
+      </a:fillRef>
+      <a:effectRef idx="0">
+        <a:scrgbClr r="0" g="0" b="0"/>
+      </a:effectRef>
+      <a:fontRef idx="minor">
+        <a:schemeClr val="lt1"/>
+      </a:fontRef>
+    </dgm:style>
+  </dgm:styleLbl>
+  <dgm:styleLbl name="node3">
+    <dgm:scene3d>
+      <a:camera prst="orthographicFront"/>
+      <a:lightRig rig="threePt" dir="t"/>
+    </dgm:scene3d>
+    <dgm:sp3d/>
+    <dgm:txPr/>
+    <dgm:style>
+      <a:lnRef idx="2">
+        <a:scrgbClr r="0" g="0" b="0"/>
+      </a:lnRef>
+      <a:fillRef idx="1">
+        <a:scrgbClr r="0" g="0" b="0"/>
+      </a:fillRef>
+      <a:effectRef idx="0">
+        <a:scrgbClr r="0" g="0" b="0"/>
+      </a:effectRef>
+      <a:fontRef idx="minor">
+        <a:schemeClr val="lt1"/>
+      </a:fontRef>
+    </dgm:style>
+  </dgm:styleLbl>
+  <dgm:styleLbl name="node4">
+    <dgm:scene3d>
+      <a:camera prst="orthographicFront"/>
+      <a:lightRig rig="threePt" dir="t"/>
+    </dgm:scene3d>
+    <dgm:sp3d/>
+    <dgm:txPr/>
+    <dgm:style>
+      <a:lnRef idx="2">
+        <a:scrgbClr r="0" g="0" b="0"/>
+      </a:lnRef>
+      <a:fillRef idx="1">
+        <a:scrgbClr r="0" g="0" b="0"/>
+      </a:fillRef>
+      <a:effectRef idx="0">
+        <a:scrgbClr r="0" g="0" b="0"/>
+      </a:effectRef>
+      <a:fontRef idx="minor">
+        <a:schemeClr val="lt1"/>
+      </a:fontRef>
+    </dgm:style>
+  </dgm:styleLbl>
+  <dgm:styleLbl name="fgImgPlace1">
+    <dgm:scene3d>
+      <a:camera prst="orthographicFront"/>
+      <a:lightRig rig="threePt" dir="t"/>
+    </dgm:scene3d>
+    <dgm:sp3d/>
+    <dgm:txPr/>
+    <dgm:style>
+      <a:lnRef idx="2">
+        <a:scrgbClr r="0" g="0" b="0"/>
+      </a:lnRef>
+      <a:fillRef idx="1">
+        <a:scrgbClr r="0" g="0" b="0"/>
+      </a:fillRef>
+      <a:effectRef idx="0">
+        <a:scrgbClr r="0" g="0" b="0"/>
+      </a:effectRef>
+      <a:fontRef idx="minor"/>
+    </dgm:style>
+  </dgm:styleLbl>
+  <dgm:styleLbl name="alignImgPlace1">
+    <dgm:scene3d>
+      <a:camera prst="orthographicFront"/>
+      <a:lightRig rig="threePt" dir="t"/>
+    </dgm:scene3d>
+    <dgm:sp3d/>
+    <dgm:txPr/>
+    <dgm:style>
+      <a:lnRef idx="2">
+        <a:scrgbClr r="0" g="0" b="0"/>
+      </a:lnRef>
+      <a:fillRef idx="1">
+        <a:scrgbClr r="0" g="0" b="0"/>
+      </a:fillRef>
+      <a:effectRef idx="0">
+        <a:scrgbClr r="0" g="0" b="0"/>
+      </a:effectRef>
+      <a:fontRef idx="minor"/>
+    </dgm:style>
+  </dgm:styleLbl>
+  <dgm:styleLbl name="bgImgPlace1">
+    <dgm:scene3d>
+      <a:camera prst="orthographicFront"/>
+      <a:lightRig rig="threePt" dir="t"/>
+    </dgm:scene3d>
+    <dgm:sp3d/>
+    <dgm:txPr/>
+    <dgm:style>
+      <a:lnRef idx="2">
+        <a:scrgbClr r="0" g="0" b="0"/>
+      </a:lnRef>
+      <a:fillRef idx="1">
+        <a:scrgbClr r="0" g="0" b="0"/>
+      </a:fillRef>
+      <a:effectRef idx="0">
+        <a:scrgbClr r="0" g="0" b="0"/>
+      </a:effectRef>
+      <a:fontRef idx="minor"/>
+    </dgm:style>
+  </dgm:styleLbl>
+  <dgm:styleLbl name="sibTrans2D1">
+    <dgm:scene3d>
+      <a:camera prst="orthographicFront"/>
+      <a:lightRig rig="threePt" dir="t"/>
+    </dgm:scene3d>
+    <dgm:sp3d/>
+    <dgm:txPr/>
+    <dgm:style>
+      <a:lnRef idx="0">
+        <a:scrgbClr r="0" g="0" b="0"/>
+      </a:lnRef>
+      <a:fillRef idx="1">
+        <a:scrgbClr r="0" g="0" b="0"/>
+      </a:fillRef>
+      <a:effectRef idx="0">
+        <a:scrgbClr r="0" g="0" b="0"/>
+      </a:effectRef>
+      <a:fontRef idx="minor">
+        <a:schemeClr val="lt1"/>
+      </a:fontRef>
+    </dgm:style>
+  </dgm:styleLbl>
+  <dgm:styleLbl name="fgSibTrans2D1">
+    <dgm:scene3d>
+      <a:camera prst="orthographicFront"/>
+      <a:lightRig rig="threePt" dir="t"/>
+    </dgm:scene3d>
+    <dgm:sp3d/>
+    <dgm:txPr/>
+    <dgm:style>
+      <a:lnRef idx="0">
+        <a:scrgbClr r="0" g="0" b="0"/>
+      </a:lnRef>
+      <a:fillRef idx="1">
+        <a:scrgbClr r="0" g="0" b="0"/>
+      </a:fillRef>
+      <a:effectRef idx="0">
+        <a:scrgbClr r="0" g="0" b="0"/>
+      </a:effectRef>
+      <a:fontRef idx="minor">
+        <a:schemeClr val="lt1"/>
+      </a:fontRef>
+    </dgm:style>
+  </dgm:styleLbl>
+  <dgm:styleLbl name="bgSibTrans2D1">
+    <dgm:scene3d>
+      <a:camera prst="orthographicFront"/>
+      <a:lightRig rig="threePt" dir="t"/>
+    </dgm:scene3d>
+    <dgm:sp3d/>
+    <dgm:txPr/>
+    <dgm:style>
+      <a:lnRef idx="0">
+        <a:scrgbClr r="0" g="0" b="0"/>
+      </a:lnRef>
+      <a:fillRef idx="1">
+        <a:scrgbClr r="0" g="0" b="0"/>
+      </a:fillRef>
+      <a:effectRef idx="0">
+        <a:scrgbClr r="0" g="0" b="0"/>
+      </a:effectRef>
+      <a:fontRef idx="minor">
+        <a:schemeClr val="lt1"/>
+      </a:fontRef>
+    </dgm:style>
+  </dgm:styleLbl>
+  <dgm:styleLbl name="sibTrans1D1">
+    <dgm:scene3d>
+      <a:camera prst="orthographicFront"/>
+      <a:lightRig rig="threePt" dir="t"/>
+    </dgm:scene3d>
+    <dgm:sp3d/>
+    <dgm:txPr/>
+    <dgm:style>
+      <a:lnRef idx="1">
+        <a:scrgbClr r="0" g="0" b="0"/>
+      </a:lnRef>
+      <a:fillRef idx="0">
+        <a:scrgbClr r="0" g="0" b="0"/>
+      </a:fillRef>
+      <a:effectRef idx="0">
+        <a:scrgbClr r="0" g="0" b="0"/>
+      </a:effectRef>
+      <a:fontRef idx="minor"/>
+    </dgm:style>
+  </dgm:styleLbl>
+  <dgm:styleLbl name="callout">
+    <dgm:scene3d>
+      <a:camera prst="orthographicFront"/>
+      <a:lightRig rig="threePt" dir="t"/>
+    </dgm:scene3d>
+    <dgm:sp3d/>
+    <dgm:txPr/>
+    <dgm:style>
+      <a:lnRef idx="2">
+        <a:scrgbClr r="0" g="0" b="0"/>
+      </a:lnRef>
+      <a:fillRef idx="1">
+        <a:scrgbClr r="0" g="0" b="0"/>
+      </a:fillRef>
+      <a:effectRef idx="0">
+        <a:scrgbClr r="0" g="0" b="0"/>
+      </a:effectRef>
+      <a:fontRef idx="minor"/>
+    </dgm:style>
+  </dgm:styleLbl>
+  <dgm:styleLbl name="asst0">
+    <dgm:scene3d>
+      <a:camera prst="orthographicFront"/>
+      <a:lightRig rig="threePt" dir="t"/>
+    </dgm:scene3d>
+    <dgm:sp3d/>
+    <dgm:txPr/>
+    <dgm:style>
+      <a:lnRef idx="2">
+        <a:scrgbClr r="0" g="0" b="0"/>
+      </a:lnRef>
+      <a:fillRef idx="1">
+        <a:scrgbClr r="0" g="0" b="0"/>
+      </a:fillRef>
+      <a:effectRef idx="0">
+        <a:scrgbClr r="0" g="0" b="0"/>
+      </a:effectRef>
+      <a:fontRef idx="minor">
+        <a:schemeClr val="lt1"/>
+      </a:fontRef>
+    </dgm:style>
+  </dgm:styleLbl>
+  <dgm:styleLbl name="asst1">
+    <dgm:scene3d>
+      <a:camera prst="orthographicFront"/>
+      <a:lightRig rig="threePt" dir="t"/>
+    </dgm:scene3d>
+    <dgm:sp3d/>
+    <dgm:txPr/>
+    <dgm:style>
+      <a:lnRef idx="2">
+        <a:scrgbClr r="0" g="0" b="0"/>
+      </a:lnRef>
+      <a:fillRef idx="1">
+        <a:scrgbClr r="0" g="0" b="0"/>
+      </a:fillRef>
+      <a:effectRef idx="0">
+        <a:scrgbClr r="0" g="0" b="0"/>
+      </a:effectRef>
+      <a:fontRef idx="minor">
+        <a:schemeClr val="lt1"/>
+      </a:fontRef>
+    </dgm:style>
+  </dgm:styleLbl>
+  <dgm:styleLbl name="asst2">
+    <dgm:scene3d>
+      <a:camera prst="orthographicFront"/>
+      <a:lightRig rig="threePt" dir="t"/>
+    </dgm:scene3d>
+    <dgm:sp3d/>
+    <dgm:txPr/>
+    <dgm:style>
+      <a:lnRef idx="2">
+        <a:scrgbClr r="0" g="0" b="0"/>
+      </a:lnRef>
+      <a:fillRef idx="1">
+        <a:scrgbClr r="0" g="0" b="0"/>
+      </a:fillRef>
+      <a:effectRef idx="0">
+        <a:scrgbClr r="0" g="0" b="0"/>
+      </a:effectRef>
+      <a:fontRef idx="minor">
+        <a:schemeClr val="lt1"/>
+      </a:fontRef>
+    </dgm:style>
+  </dgm:styleLbl>
+  <dgm:styleLbl name="asst3">
+    <dgm:scene3d>
+      <a:camera prst="orthographicFront"/>
+      <a:lightRig rig="threePt" dir="t"/>
+    </dgm:scene3d>
+    <dgm:sp3d/>
+    <dgm:txPr/>
+    <dgm:style>
+      <a:lnRef idx="2">
+        <a:scrgbClr r="0" g="0" b="0"/>
+      </a:lnRef>
+      <a:fillRef idx="1">
+        <a:scrgbClr r="0" g="0" b="0"/>
+      </a:fillRef>
+      <a:effectRef idx="0">
+        <a:scrgbClr r="0" g="0" b="0"/>
+      </a:effectRef>
+      <a:fontRef idx="minor">
+        <a:schemeClr val="lt1"/>
+      </a:fontRef>
+    </dgm:style>
+  </dgm:styleLbl>
+  <dgm:styleLbl name="asst4">
+    <dgm:scene3d>
+      <a:camera prst="orthographicFront"/>
+      <a:lightRig rig="threePt" dir="t"/>
+    </dgm:scene3d>
+    <dgm:sp3d/>
+    <dgm:txPr/>
+    <dgm:style>
+      <a:lnRef idx="2">
+        <a:scrgbClr r="0" g="0" b="0"/>
+      </a:lnRef>
+      <a:fillRef idx="1">
+        <a:scrgbClr r="0" g="0" b="0"/>
+      </a:fillRef>
+      <a:effectRef idx="0">
+        <a:scrgbClr r="0" g="0" b="0"/>
+      </a:effectRef>
+      <a:fontRef idx="minor">
+        <a:schemeClr val="lt1"/>
+      </a:fontRef>
+    </dgm:style>
+  </dgm:styleLbl>
+  <dgm:styleLbl name="parChTrans2D1">
+    <dgm:scene3d>
+      <a:camera prst="orthographicFront"/>
+      <a:lightRig rig="threePt" dir="t"/>
+    </dgm:scene3d>
+    <dgm:sp3d/>
+    <dgm:txPr/>
+    <dgm:style>
+      <a:lnRef idx="2">
+        <a:scrgbClr r="0" g="0" b="0"/>
+      </a:lnRef>
+      <a:fillRef idx="1">
+        <a:scrgbClr r="0" g="0" b="0"/>
+      </a:fillRef>
+      <a:effectRef idx="0">
+        <a:scrgbClr r="0" g="0" b="0"/>
+      </a:effectRef>
+      <a:fontRef idx="minor">
+        <a:schemeClr val="lt1"/>
+      </a:fontRef>
+    </dgm:style>
+  </dgm:styleLbl>
+  <dgm:styleLbl name="parChTrans2D2">
+    <dgm:scene3d>
+      <a:camera prst="orthographicFront"/>
+      <a:lightRig rig="threePt" dir="t"/>
+    </dgm:scene3d>
+    <dgm:sp3d/>
+    <dgm:txPr/>
+    <dgm:style>
+      <a:lnRef idx="2">
+        <a:scrgbClr r="0" g="0" b="0"/>
+      </a:lnRef>
+      <a:fillRef idx="1">
+        <a:scrgbClr r="0" g="0" b="0"/>
+      </a:fillRef>
+      <a:effectRef idx="0">
+        <a:scrgbClr r="0" g="0" b="0"/>
+      </a:effectRef>
+      <a:fontRef idx="minor">
+        <a:schemeClr val="lt1"/>
+      </a:fontRef>
+    </dgm:style>
+  </dgm:styleLbl>
+  <dgm:styleLbl name="parChTrans2D3">
+    <dgm:scene3d>
+      <a:camera prst="orthographicFront"/>
+      <a:lightRig rig="threePt" dir="t"/>
+    </dgm:scene3d>
+    <dgm:sp3d/>
+    <dgm:txPr/>
+    <dgm:style>
+      <a:lnRef idx="2">
+        <a:scrgbClr r="0" g="0" b="0"/>
+      </a:lnRef>
+      <a:fillRef idx="1">
+        <a:scrgbClr r="0" g="0" b="0"/>
+      </a:fillRef>
+      <a:effectRef idx="0">
+        <a:scrgbClr r="0" g="0" b="0"/>
+      </a:effectRef>
+      <a:fontRef idx="minor">
+        <a:schemeClr val="lt1"/>
+      </a:fontRef>
+    </dgm:style>
+  </dgm:styleLbl>
+  <dgm:styleLbl name="parChTrans2D4">
+    <dgm:scene3d>
+      <a:camera prst="orthographicFront"/>
+      <a:lightRig rig="threePt" dir="t"/>
+    </dgm:scene3d>
+    <dgm:sp3d/>
+    <dgm:txPr/>
+    <dgm:style>
+      <a:lnRef idx="2">
+        <a:scrgbClr r="0" g="0" b="0"/>
+      </a:lnRef>
+      <a:fillRef idx="1">
+        <a:scrgbClr r="0" g="0" b="0"/>
+      </a:fillRef>
+      <a:effectRef idx="0">
+        <a:scrgbClr r="0" g="0" b="0"/>
+      </a:effectRef>
+      <a:fontRef idx="minor">
+        <a:schemeClr val="lt1"/>
+      </a:fontRef>
+    </dgm:style>
+  </dgm:styleLbl>
+  <dgm:styleLbl name="parChTrans1D1">
+    <dgm:scene3d>
+      <a:camera prst="orthographicFront"/>
+      <a:lightRig rig="threePt" dir="t"/>
+    </dgm:scene3d>
+    <dgm:sp3d/>
+    <dgm:txPr/>
+    <dgm:style>
+      <a:lnRef idx="2">
+        <a:scrgbClr r="0" g="0" b="0"/>
+      </a:lnRef>
+      <a:fillRef idx="0">
+        <a:scrgbClr r="0" g="0" b="0"/>
+      </a:fillRef>
+      <a:effectRef idx="0">
+        <a:scrgbClr r="0" g="0" b="0"/>
+      </a:effectRef>
+      <a:fontRef idx="minor"/>
+    </dgm:style>
+  </dgm:styleLbl>
+  <dgm:styleLbl name="parChTrans1D2">
+    <dgm:scene3d>
+      <a:camera prst="orthographicFront"/>
+      <a:lightRig rig="threePt" dir="t"/>
+    </dgm:scene3d>
+    <dgm:sp3d/>
+    <dgm:txPr/>
+    <dgm:style>
+      <a:lnRef idx="2">
+        <a:scrgbClr r="0" g="0" b="0"/>
+      </a:lnRef>
+      <a:fillRef idx="0">
+        <a:scrgbClr r="0" g="0" b="0"/>
+      </a:fillRef>
+      <a:effectRef idx="0">
+        <a:scrgbClr r="0" g="0" b="0"/>
+      </a:effectRef>
+      <a:fontRef idx="minor"/>
+    </dgm:style>
+  </dgm:styleLbl>
+  <dgm:styleLbl name="parChTrans1D3">
+    <dgm:scene3d>
+      <a:camera prst="orthographicFront"/>
+      <a:lightRig rig="threePt" dir="t"/>
+    </dgm:scene3d>
+    <dgm:sp3d/>
+    <dgm:txPr/>
+    <dgm:style>
+      <a:lnRef idx="2">
+        <a:scrgbClr r="0" g="0" b="0"/>
+      </a:lnRef>
+      <a:fillRef idx="0">
+        <a:scrgbClr r="0" g="0" b="0"/>
+      </a:fillRef>
+      <a:effectRef idx="0">
+        <a:scrgbClr r="0" g="0" b="0"/>
+      </a:effectRef>
+      <a:fontRef idx="minor"/>
+    </dgm:style>
+  </dgm:styleLbl>
+  <dgm:styleLbl name="parChTrans1D4">
+    <dgm:scene3d>
+      <a:camera prst="orthographicFront"/>
+      <a:lightRig rig="threePt" dir="t"/>
+    </dgm:scene3d>
+    <dgm:sp3d/>
+    <dgm:txPr/>
+    <dgm:style>
+      <a:lnRef idx="2">
+        <a:scrgbClr r="0" g="0" b="0"/>
+      </a:lnRef>
+      <a:fillRef idx="0">
+        <a:scrgbClr r="0" g="0" b="0"/>
+      </a:fillRef>
+      <a:effectRef idx="0">
+        <a:scrgbClr r="0" g="0" b="0"/>
+      </a:effectRef>
+      <a:fontRef idx="minor"/>
+    </dgm:style>
+  </dgm:styleLbl>
+  <dgm:styleLbl name="fgAcc1">
+    <dgm:scene3d>
+      <a:camera prst="orthographicFront"/>
+      <a:lightRig rig="threePt" dir="t"/>
+    </dgm:scene3d>
+    <dgm:sp3d/>
+    <dgm:txPr/>
+    <dgm:style>
+      <a:lnRef idx="2">
+        <a:scrgbClr r="0" g="0" b="0"/>
+      </a:lnRef>
+      <a:fillRef idx="1">
+        <a:scrgbClr r="0" g="0" b="0"/>
+      </a:fillRef>
+      <a:effectRef idx="0">
+        <a:scrgbClr r="0" g="0" b="0"/>
+      </a:effectRef>
+      <a:fontRef idx="minor"/>
+    </dgm:style>
+  </dgm:styleLbl>
+  <dgm:styleLbl name="conFgAcc1">
+    <dgm:scene3d>
+      <a:camera prst="orthographicFront"/>
+      <a:lightRig rig="threePt" dir="t"/>
+    </dgm:scene3d>
+    <dgm:sp3d/>
+    <dgm:txPr/>
+    <dgm:style>
+      <a:lnRef idx="2">
+        <a:scrgbClr r="0" g="0" b="0"/>
+      </a:lnRef>
+      <a:fillRef idx="1">
+        <a:scrgbClr r="0" g="0" b="0"/>
+      </a:fillRef>
+      <a:effectRef idx="0">
+        <a:scrgbClr r="0" g="0" b="0"/>
+      </a:effectRef>
+      <a:fontRef idx="minor"/>
+    </dgm:style>
+  </dgm:styleLbl>
+  <dgm:styleLbl name="alignAcc1">
+    <dgm:scene3d>
+      <a:camera prst="orthographicFront"/>
+      <a:lightRig rig="threePt" dir="t"/>
+    </dgm:scene3d>
+    <dgm:sp3d/>
+    <dgm:txPr/>
+    <dgm:style>
+      <a:lnRef idx="2">
+        <a:scrgbClr r="0" g="0" b="0"/>
+      </a:lnRef>
+      <a:fillRef idx="1">
+        <a:scrgbClr r="0" g="0" b="0"/>
+      </a:fillRef>
+      <a:effectRef idx="0">
+        <a:scrgbClr r="0" g="0" b="0"/>
+      </a:effectRef>
+      <a:fontRef idx="minor"/>
+    </dgm:style>
+  </dgm:styleLbl>
+  <dgm:styleLbl name="trAlignAcc1">
+    <dgm:scene3d>
+      <a:camera prst="orthographicFront"/>
+      <a:lightRig rig="threePt" dir="t"/>
+    </dgm:scene3d>
+    <dgm:sp3d/>
+    <dgm:txPr/>
+    <dgm:style>
+      <a:lnRef idx="1">
+        <a:scrgbClr r="0" g="0" b="0"/>
+      </a:lnRef>
+      <a:fillRef idx="1">
+        <a:scrgbClr r="0" g="0" b="0"/>
+      </a:fillRef>
+      <a:effectRef idx="0">
+        <a:scrgbClr r="0" g="0" b="0"/>
+      </a:effectRef>
+      <a:fontRef idx="minor"/>
+    </dgm:style>
+  </dgm:styleLbl>
+  <dgm:styleLbl name="bgAcc1">
+    <dgm:scene3d>
+      <a:camera prst="orthographicFront"/>
+      <a:lightRig rig="threePt" dir="t"/>
+    </dgm:scene3d>
+    <dgm:sp3d/>
+    <dgm:txPr/>
+    <dgm:style>
+      <a:lnRef idx="2">
+        <a:scrgbClr r="0" g="0" b="0"/>
+      </a:lnRef>
+      <a:fillRef idx="1">
+        <a:scrgbClr r="0" g="0" b="0"/>
+      </a:fillRef>
+      <a:effectRef idx="0">
+        <a:scrgbClr r="0" g="0" b="0"/>
+      </a:effectRef>
+      <a:fontRef idx="minor"/>
+    </dgm:style>
+  </dgm:styleLbl>
+  <dgm:styleLbl name="solidFgAcc1">
+    <dgm:scene3d>
+      <a:camera prst="orthographicFront"/>
+      <a:lightRig rig="threePt" dir="t"/>
+    </dgm:scene3d>
+    <dgm:sp3d/>
+    <dgm:txPr/>
+    <dgm:style>
+      <a:lnRef idx="2">
+        <a:scrgbClr r="0" g="0" b="0"/>
+      </a:lnRef>
+      <a:fillRef idx="1">
+        <a:scrgbClr r="0" g="0" b="0"/>
+      </a:fillRef>
+      <a:effectRef idx="0">
+        <a:scrgbClr r="0" g="0" b="0"/>
+      </a:effectRef>
+      <a:fontRef idx="minor"/>
+    </dgm:style>
+  </dgm:styleLbl>
+  <dgm:styleLbl name="solidAlignAcc1">
+    <dgm:scene3d>
+      <a:camera prst="orthographicFront"/>
+      <a:lightRig rig="threePt" dir="t"/>
+    </dgm:scene3d>
+    <dgm:sp3d/>
+    <dgm:txPr/>
+    <dgm:style>
+      <a:lnRef idx="2">
+        <a:scrgbClr r="0" g="0" b="0"/>
+      </a:lnRef>
+      <a:fillRef idx="1">
+        <a:scrgbClr r="0" g="0" b="0"/>
+      </a:fillRef>
+      <a:effectRef idx="0">
+        <a:scrgbClr r="0" g="0" b="0"/>
+      </a:effectRef>
+      <a:fontRef idx="minor"/>
+    </dgm:style>
+  </dgm:styleLbl>
+  <dgm:styleLbl name="solidBgAcc1">
+    <dgm:scene3d>
+      <a:camera prst="orthographicFront"/>
+      <a:lightRig rig="threePt" dir="t"/>
+    </dgm:scene3d>
+    <dgm:sp3d/>
+    <dgm:txPr/>
+    <dgm:style>
+      <a:lnRef idx="2">
+        <a:scrgbClr r="0" g="0" b="0"/>
+      </a:lnRef>
+      <a:fillRef idx="1">
+        <a:scrgbClr r="0" g="0" b="0"/>
+      </a:fillRef>
+      <a:effectRef idx="0">
+        <a:scrgbClr r="0" g="0" b="0"/>
+      </a:effectRef>
+      <a:fontRef idx="minor"/>
+    </dgm:style>
+  </dgm:styleLbl>
+  <dgm:styleLbl name="fgAccFollowNode1">
+    <dgm:scene3d>
+      <a:camera prst="orthographicFront"/>
+      <a:lightRig rig="threePt" dir="t"/>
+    </dgm:scene3d>
+    <dgm:sp3d/>
+    <dgm:txPr/>
+    <dgm:style>
+      <a:lnRef idx="2">
+        <a:scrgbClr r="0" g="0" b="0"/>
+      </a:lnRef>
+      <a:fillRef idx="1">
+        <a:scrgbClr r="0" g="0" b="0"/>
+      </a:fillRef>
+      <a:effectRef idx="0">
+        <a:scrgbClr r="0" g="0" b="0"/>
+      </a:effectRef>
+      <a:fontRef idx="minor"/>
+    </dgm:style>
+  </dgm:styleLbl>
+  <dgm:styleLbl name="alignAccFollowNode1">
+    <dgm:scene3d>
+      <a:camera prst="orthographicFront"/>
+      <a:lightRig rig="threePt" dir="t"/>
+    </dgm:scene3d>
+    <dgm:sp3d/>
+    <dgm:txPr/>
+    <dgm:style>
+      <a:lnRef idx="2">
+        <a:scrgbClr r="0" g="0" b="0"/>
+      </a:lnRef>
+      <a:fillRef idx="1">
+        <a:scrgbClr r="0" g="0" b="0"/>
+      </a:fillRef>
+      <a:effectRef idx="0">
+        <a:scrgbClr r="0" g="0" b="0"/>
+      </a:effectRef>
+      <a:fontRef idx="minor"/>
+    </dgm:style>
+  </dgm:styleLbl>
+  <dgm:styleLbl name="bgAccFollowNode1">
+    <dgm:scene3d>
+      <a:camera prst="orthographicFront"/>
+      <a:lightRig rig="threePt" dir="t"/>
+    </dgm:scene3d>
+    <dgm:sp3d/>
+    <dgm:txPr/>
+    <dgm:style>
+      <a:lnRef idx="2">
+        <a:scrgbClr r="0" g="0" b="0"/>
+      </a:lnRef>
+      <a:fillRef idx="1">
+        <a:scrgbClr r="0" g="0" b="0"/>
+      </a:fillRef>
+      <a:effectRef idx="0">
+        <a:scrgbClr r="0" g="0" b="0"/>
+      </a:effectRef>
+      <a:fontRef idx="minor"/>
+    </dgm:style>
+  </dgm:styleLbl>
+  <dgm:styleLbl name="fgAcc0">
+    <dgm:scene3d>
+      <a:camera prst="orthographicFront"/>
+      <a:lightRig rig="threePt" dir="t"/>
+    </dgm:scene3d>
+    <dgm:sp3d/>
+    <dgm:txPr/>
+    <dgm:style>
+      <a:lnRef idx="2">
+        <a:scrgbClr r="0" g="0" b="0"/>
+      </a:lnRef>
+      <a:fillRef idx="1">
+        <a:scrgbClr r="0" g="0" b="0"/>
+      </a:fillRef>
+      <a:effectRef idx="0">
+        <a:scrgbClr r="0" g="0" b="0"/>
+      </a:effectRef>
+      <a:fontRef idx="minor"/>
+    </dgm:style>
+  </dgm:styleLbl>
+  <dgm:styleLbl name="fgAcc2">
+    <dgm:scene3d>
+      <a:camera prst="orthographicFront"/>
+      <a:lightRig rig="threePt" dir="t"/>
+    </dgm:scene3d>
+    <dgm:sp3d/>
+    <dgm:txPr/>
+    <dgm:style>
+      <a:lnRef idx="2">
+        <a:scrgbClr r="0" g="0" b="0"/>
+      </a:lnRef>
+      <a:fillRef idx="1">
+        <a:scrgbClr r="0" g="0" b="0"/>
+      </a:fillRef>
+      <a:effectRef idx="0">
+        <a:scrgbClr r="0" g="0" b="0"/>
+      </a:effectRef>
+      <a:fontRef idx="minor"/>
+    </dgm:style>
+  </dgm:styleLbl>
+  <dgm:styleLbl name="fgAcc3">
+    <dgm:scene3d>
+      <a:camera prst="orthographicFront"/>
+      <a:lightRig rig="threePt" dir="t"/>
+    </dgm:scene3d>
+    <dgm:sp3d/>
+    <dgm:txPr/>
+    <dgm:style>
+      <a:lnRef idx="2">
+        <a:scrgbClr r="0" g="0" b="0"/>
+      </a:lnRef>
+      <a:fillRef idx="1">
+        <a:scrgbClr r="0" g="0" b="0"/>
+      </a:fillRef>
+      <a:effectRef idx="0">
+        <a:scrgbClr r="0" g="0" b="0"/>
+      </a:effectRef>
+      <a:fontRef idx="minor"/>
+    </dgm:style>
+  </dgm:styleLbl>
+  <dgm:styleLbl name="fgAcc4">
+    <dgm:scene3d>
+      <a:camera prst="orthographicFront"/>
+      <a:lightRig rig="threePt" dir="t"/>
+    </dgm:scene3d>
+    <dgm:sp3d/>
+    <dgm:txPr/>
+    <dgm:style>
+      <a:lnRef idx="2">
+        <a:scrgbClr r="0" g="0" b="0"/>
+      </a:lnRef>
+      <a:fillRef idx="1">
+        <a:scrgbClr r="0" g="0" b="0"/>
+      </a:fillRef>
+      <a:effectRef idx="0">
+        <a:scrgbClr r="0" g="0" b="0"/>
+      </a:effectRef>
+      <a:fontRef idx="minor"/>
+    </dgm:style>
+  </dgm:styleLbl>
+  <dgm:styleLbl name="bgShp">
+    <dgm:scene3d>
+      <a:camera prst="orthographicFront"/>
+      <a:lightRig rig="threePt" dir="t"/>
+    </dgm:scene3d>
+    <dgm:sp3d/>
+    <dgm:txPr/>
+    <dgm:style>
+      <a:lnRef idx="0">
+        <a:scrgbClr r="0" g="0" b="0"/>
+      </a:lnRef>
+      <a:fillRef idx="1">
+        <a:scrgbClr r="0" g="0" b="0"/>
+      </a:fillRef>
+      <a:effectRef idx="0">
+        <a:scrgbClr r="0" g="0" b="0"/>
+      </a:effectRef>
+      <a:fontRef idx="minor"/>
+    </dgm:style>
+  </dgm:styleLbl>
+  <dgm:styleLbl name="dkBgShp">
+    <dgm:scene3d>
+      <a:camera prst="orthographicFront"/>
+      <a:lightRig rig="threePt" dir="t"/>
+    </dgm:scene3d>
+    <dgm:sp3d/>
+    <dgm:txPr/>
+    <dgm:style>
+      <a:lnRef idx="0">
+        <a:scrgbClr r="0" g="0" b="0"/>
+      </a:lnRef>
+      <a:fillRef idx="1">
+        <a:scrgbClr r="0" g="0" b="0"/>
+      </a:fillRef>
+      <a:effectRef idx="0">
+        <a:scrgbClr r="0" g="0" b="0"/>
+      </a:effectRef>
+      <a:fontRef idx="minor"/>
+    </dgm:style>
+  </dgm:styleLbl>
+  <dgm:styleLbl name="trBgShp">
+    <dgm:scene3d>
+      <a:camera prst="orthographicFront"/>
+      <a:lightRig rig="threePt" dir="t"/>
+    </dgm:scene3d>
+    <dgm:sp3d/>
+    <dgm:txPr/>
+    <dgm:style>
+      <a:lnRef idx="0">
+        <a:scrgbClr r="0" g="0" b="0"/>
+      </a:lnRef>
+      <a:fillRef idx="1">
+        <a:scrgbClr r="0" g="0" b="0"/>
+      </a:fillRef>
+      <a:effectRef idx="0">
+        <a:scrgbClr r="0" g="0" b="0"/>
+      </a:effectRef>
+      <a:fontRef idx="minor"/>
+    </dgm:style>
+  </dgm:styleLbl>
+  <dgm:styleLbl name="fgShp">
+    <dgm:scene3d>
+      <a:camera prst="orthographicFront"/>
+      <a:lightRig rig="threePt" dir="t"/>
+    </dgm:scene3d>
+    <dgm:sp3d/>
+    <dgm:txPr/>
+    <dgm:style>
+      <a:lnRef idx="2">
+        <a:scrgbClr r="0" g="0" b="0"/>
+      </a:lnRef>
+      <a:fillRef idx="1">
+        <a:scrgbClr r="0" g="0" b="0"/>
+      </a:fillRef>
+      <a:effectRef idx="0">
+        <a:scrgbClr r="0" g="0" b="0"/>
+      </a:effectRef>
+      <a:fontRef idx="minor"/>
+    </dgm:style>
+  </dgm:styleLbl>
+  <dgm:styleLbl name="revTx">
+    <dgm:scene3d>
+      <a:camera prst="orthographicFront"/>
+      <a:lightRig rig="threePt" dir="t"/>
+    </dgm:scene3d>
+    <dgm:sp3d/>
+    <dgm:txPr/>
+    <dgm:style>
+      <a:lnRef idx="0">
+        <a:scrgbClr r="0" g="0" b="0"/>
+      </a:lnRef>
+      <a:fillRef idx="0">
+        <a:scrgbClr r="0" g="0" b="0"/>
+      </a:fillRef>
+      <a:effectRef idx="0">
+        <a:scrgbClr r="0" g="0" b="0"/>
+      </a:effectRef>
+      <a:fontRef idx="minor"/>
+    </dgm:style>
+  </dgm:styleLbl>
+</dgm:styleDef>
+</file>
+
 <file path=ppt/handoutMasters/handoutMaster1.xml><?xml version="1.0" encoding="utf-8"?>
 <p:handoutMaster xmlns:a="http://schemas.openxmlformats.org/drawingml/2006/main" xmlns:r="http://schemas.openxmlformats.org/officeDocument/2006/relationships" xmlns:p="http://schemas.openxmlformats.org/presentationml/2006/main">
   <p:cSld>
@@ -948,7 +4310,7 @@
               <a:rPr lang="en-US" smtClean="0">
                 <a:latin typeface="Arial" panose="020B0604020202020204" pitchFamily="34" charset="0"/>
               </a:rPr>
-              <a:t>10/13/2020</a:t>
+              <a:t>10/14/2020</a:t>
             </a:fld>
             <a:endParaRPr lang="en-US">
               <a:latin typeface="Arial" panose="020B0604020202020204" pitchFamily="34" charset="0"/>
@@ -1127,7 +4489,7 @@
             <a:fld id="{0BA5BBE4-AEA3-489A-A28E-0C2FAF2506E3}" type="datetimeFigureOut">
               <a:rPr lang="en-US" smtClean="0"/>
               <a:pPr/>
-              <a:t>10/13/2020</a:t>
+              <a:t>10/14/2020</a:t>
             </a:fld>
             <a:endParaRPr lang="en-US"/>
           </a:p>
@@ -1771,100 +5133,6 @@
       </p:grpSpPr>
       <p:sp>
         <p:nvSpPr>
-          <p:cNvPr id="2" name="Slide Image Placeholder 1"/>
-          <p:cNvSpPr>
-            <a:spLocks noGrp="1" noRot="1" noChangeAspect="1"/>
-          </p:cNvSpPr>
-          <p:nvPr>
-            <p:ph type="sldImg"/>
-          </p:nvPr>
-        </p:nvSpPr>
-        <p:spPr/>
-      </p:sp>
-      <p:sp>
-        <p:nvSpPr>
-          <p:cNvPr id="3" name="Notes Placeholder 2"/>
-          <p:cNvSpPr>
-            <a:spLocks noGrp="1"/>
-          </p:cNvSpPr>
-          <p:nvPr>
-            <p:ph type="body" idx="1"/>
-          </p:nvPr>
-        </p:nvSpPr>
-        <p:spPr/>
-        <p:txBody>
-          <a:bodyPr/>
-          <a:lstStyle/>
-          <a:p>
-            <a:r>
-              <a:rPr lang="en-US" dirty="0"/>
-              <a:t>UI SS</a:t>
-            </a:r>
-          </a:p>
-          <a:p>
-            <a:r>
-              <a:rPr lang="en-US" dirty="0"/>
-              <a:t>Less details</a:t>
-            </a:r>
-          </a:p>
-        </p:txBody>
-      </p:sp>
-      <p:sp>
-        <p:nvSpPr>
-          <p:cNvPr id="4" name="Slide Number Placeholder 3"/>
-          <p:cNvSpPr>
-            <a:spLocks noGrp="1"/>
-          </p:cNvSpPr>
-          <p:nvPr>
-            <p:ph type="sldNum" sz="quarter" idx="5"/>
-          </p:nvPr>
-        </p:nvSpPr>
-        <p:spPr/>
-        <p:txBody>
-          <a:bodyPr/>
-          <a:lstStyle/>
-          <a:p>
-            <a:fld id="{C0F4A2C8-6C88-4E71-83EE-698B9D4FE22F}" type="slidenum">
-              <a:rPr lang="en-US" smtClean="0"/>
-              <a:pPr/>
-              <a:t>5</a:t>
-            </a:fld>
-            <a:endParaRPr lang="en-US"/>
-          </a:p>
-        </p:txBody>
-      </p:sp>
-    </p:spTree>
-    <p:extLst>
-      <p:ext uri="{BB962C8B-B14F-4D97-AF65-F5344CB8AC3E}">
-        <p14:creationId xmlns:p14="http://schemas.microsoft.com/office/powerpoint/2010/main" val="1500237175"/>
-      </p:ext>
-    </p:extLst>
-  </p:cSld>
-  <p:clrMapOvr>
-    <a:masterClrMapping/>
-  </p:clrMapOvr>
-</p:notes>
-</file>
-
-<file path=ppt/notesSlides/notesSlide6.xml><?xml version="1.0" encoding="utf-8"?>
-<p:notes xmlns:a="http://schemas.openxmlformats.org/drawingml/2006/main" xmlns:r="http://schemas.openxmlformats.org/officeDocument/2006/relationships" xmlns:p="http://schemas.openxmlformats.org/presentationml/2006/main">
-  <p:cSld>
-    <p:spTree>
-      <p:nvGrpSpPr>
-        <p:cNvPr id="1" name=""/>
-        <p:cNvGrpSpPr/>
-        <p:nvPr/>
-      </p:nvGrpSpPr>
-      <p:grpSpPr>
-        <a:xfrm>
-          <a:off x="0" y="0"/>
-          <a:ext cx="0" cy="0"/>
-          <a:chOff x="0" y="0"/>
-          <a:chExt cx="0" cy="0"/>
-        </a:xfrm>
-      </p:grpSpPr>
-      <p:sp>
-        <p:nvSpPr>
           <p:cNvPr id="845825" name="Slide Image Placeholder 1"/>
           <p:cNvSpPr>
             <a:spLocks noGrp="1" noRot="1" noChangeAspect="1"/>
@@ -1946,7 +5214,7 @@
 </p:notes>
 </file>
 
-<file path=ppt/notesSlides/notesSlide7.xml><?xml version="1.0" encoding="utf-8"?>
+<file path=ppt/notesSlides/notesSlide6.xml><?xml version="1.0" encoding="utf-8"?>
 <p:notes xmlns:a="http://schemas.openxmlformats.org/drawingml/2006/main" xmlns:r="http://schemas.openxmlformats.org/officeDocument/2006/relationships" xmlns:p="http://schemas.openxmlformats.org/presentationml/2006/main">
   <p:cSld>
     <p:spTree>
@@ -2036,7 +5304,7 @@
 </p:notes>
 </file>
 
-<file path=ppt/notesSlides/notesSlide8.xml><?xml version="1.0" encoding="utf-8"?>
+<file path=ppt/notesSlides/notesSlide7.xml><?xml version="1.0" encoding="utf-8"?>
 <p:notes xmlns:a="http://schemas.openxmlformats.org/drawingml/2006/main" xmlns:r="http://schemas.openxmlformats.org/officeDocument/2006/relationships" xmlns:p="http://schemas.openxmlformats.org/presentationml/2006/main">
   <p:cSld>
     <p:spTree>
@@ -6066,7 +9334,7 @@
           <a:graphicData uri="http://schemas.openxmlformats.org/presentationml/2006/ole">
             <mc:AlternateContent xmlns:mc="http://schemas.openxmlformats.org/markup-compatibility/2006">
               <mc:Choice xmlns:v="urn:schemas-microsoft-com:vml" Requires="v">
-                <p:oleObj spid="_x0000_s2101" name="think-cell Slide" r:id="rId4" imgW="473" imgH="473" progId="TCLayout.ActiveDocument.1">
+                <p:oleObj spid="_x0000_s2117" name="think-cell Slide" r:id="rId4" imgW="473" imgH="473" progId="TCLayout.ActiveDocument.1">
                   <p:embed/>
                 </p:oleObj>
               </mc:Choice>
@@ -8292,7 +11560,7 @@
           <a:graphicData uri="http://schemas.openxmlformats.org/presentationml/2006/ole">
             <mc:AlternateContent xmlns:mc="http://schemas.openxmlformats.org/markup-compatibility/2006">
               <mc:Choice xmlns:v="urn:schemas-microsoft-com:vml" Requires="v">
-                <p:oleObj spid="_x0000_s3125" name="think-cell Slide" r:id="rId4" imgW="473" imgH="473" progId="TCLayout.ActiveDocument.1">
+                <p:oleObj spid="_x0000_s3141" name="think-cell Slide" r:id="rId4" imgW="473" imgH="473" progId="TCLayout.ActiveDocument.1">
                   <p:embed/>
                 </p:oleObj>
               </mc:Choice>
@@ -14507,7 +17775,7 @@
           <a:graphicData uri="http://schemas.openxmlformats.org/presentationml/2006/ole">
             <mc:AlternateContent xmlns:mc="http://schemas.openxmlformats.org/markup-compatibility/2006">
               <mc:Choice xmlns:v="urn:schemas-microsoft-com:vml" Requires="v">
-                <p:oleObj spid="_x0000_s4149" name="think-cell Slide" r:id="rId4" imgW="473" imgH="473" progId="TCLayout.ActiveDocument.1">
+                <p:oleObj spid="_x0000_s4165" name="think-cell Slide" r:id="rId4" imgW="473" imgH="473" progId="TCLayout.ActiveDocument.1">
                   <p:embed/>
                 </p:oleObj>
               </mc:Choice>
@@ -21255,6 +24523,2225 @@
 </p:sldLayout>
 </file>
 
+<file path=ppt/slideLayouts/slideLayout42.xml><?xml version="1.0" encoding="utf-8"?>
+<p:sldLayout xmlns:a="http://schemas.openxmlformats.org/drawingml/2006/main" xmlns:r="http://schemas.openxmlformats.org/officeDocument/2006/relationships" xmlns:p="http://schemas.openxmlformats.org/presentationml/2006/main" showMasterSp="0" userDrawn="1">
+  <p:cSld name="1_Title Slide - Black">
+    <p:bg bwMode="gray">
+      <p:bgPr>
+        <a:blipFill dpi="0" rotWithShape="1">
+          <a:blip r:embed="rId2" cstate="screen">
+            <a:lum/>
+            <a:extLst>
+              <a:ext uri="{28A0092B-C50C-407E-A947-70E740481C1C}">
+                <a14:useLocalDpi xmlns:a14="http://schemas.microsoft.com/office/drawing/2010/main"/>
+              </a:ext>
+            </a:extLst>
+          </a:blip>
+          <a:srcRect/>
+          <a:stretch>
+            <a:fillRect/>
+          </a:stretch>
+        </a:blipFill>
+        <a:effectLst/>
+      </p:bgPr>
+    </p:bg>
+    <p:spTree>
+      <p:nvGrpSpPr>
+        <p:cNvPr id="1" name=""/>
+        <p:cNvGrpSpPr/>
+        <p:nvPr/>
+      </p:nvGrpSpPr>
+      <p:grpSpPr>
+        <a:xfrm>
+          <a:off x="0" y="0"/>
+          <a:ext cx="0" cy="0"/>
+          <a:chOff x="0" y="0"/>
+          <a:chExt cx="0" cy="0"/>
+        </a:xfrm>
+      </p:grpSpPr>
+      <p:sp>
+        <p:nvSpPr>
+          <p:cNvPr id="3" name="Subtitle 2"/>
+          <p:cNvSpPr>
+            <a:spLocks noGrp="1"/>
+          </p:cNvSpPr>
+          <p:nvPr>
+            <p:ph type="subTitle" idx="1" hasCustomPrompt="1"/>
+          </p:nvPr>
+        </p:nvSpPr>
+        <p:spPr bwMode="gray">
+          <a:xfrm>
+            <a:off x="475200" y="5845180"/>
+            <a:ext cx="5592011" cy="505645"/>
+          </a:xfrm>
+          <a:prstGeom prst="rect">
+            <a:avLst/>
+          </a:prstGeom>
+        </p:spPr>
+        <p:txBody>
+          <a:bodyPr lIns="0" tIns="0" rIns="0" bIns="0" anchor="b" anchorCtr="0">
+            <a:noAutofit/>
+          </a:bodyPr>
+          <a:lstStyle>
+            <a:lvl1pPr marL="0" indent="0" algn="l">
+              <a:lnSpc>
+                <a:spcPct val="100000"/>
+              </a:lnSpc>
+              <a:spcAft>
+                <a:spcPts val="0"/>
+              </a:spcAft>
+              <a:buNone/>
+              <a:defRPr sz="1800" b="1">
+                <a:solidFill>
+                  <a:schemeClr val="bg1"/>
+                </a:solidFill>
+              </a:defRPr>
+            </a:lvl1pPr>
+            <a:lvl2pPr marL="0" indent="0" algn="l">
+              <a:buNone/>
+              <a:defRPr sz="1600" b="0">
+                <a:solidFill>
+                  <a:schemeClr val="bg1"/>
+                </a:solidFill>
+              </a:defRPr>
+            </a:lvl2pPr>
+            <a:lvl3pPr marL="1219170" indent="0" algn="ctr">
+              <a:buNone/>
+              <a:defRPr sz="2400"/>
+            </a:lvl3pPr>
+            <a:lvl4pPr marL="1828754" indent="0" algn="ctr">
+              <a:buNone/>
+              <a:defRPr sz="2133"/>
+            </a:lvl4pPr>
+            <a:lvl5pPr marL="2438339" indent="0" algn="ctr">
+              <a:buNone/>
+              <a:defRPr sz="2133"/>
+            </a:lvl5pPr>
+            <a:lvl6pPr marL="3047924" indent="0" algn="ctr">
+              <a:buNone/>
+              <a:defRPr sz="2133"/>
+            </a:lvl6pPr>
+            <a:lvl7pPr marL="3657509" indent="0" algn="ctr">
+              <a:buNone/>
+              <a:defRPr sz="2133"/>
+            </a:lvl7pPr>
+            <a:lvl8pPr marL="4267093" indent="0" algn="ctr">
+              <a:buNone/>
+              <a:defRPr sz="2133"/>
+            </a:lvl8pPr>
+            <a:lvl9pPr marL="4876678" indent="0" algn="ctr">
+              <a:buNone/>
+              <a:defRPr sz="2133"/>
+            </a:lvl9pPr>
+          </a:lstStyle>
+          <a:p>
+            <a:r>
+              <a:rPr lang="en-US" noProof="0"/>
+              <a:t>Click to edit Master title style</a:t>
+            </a:r>
+          </a:p>
+          <a:p>
+            <a:pPr lvl="1"/>
+            <a:r>
+              <a:rPr lang="en-US" noProof="0"/>
+              <a:t>Click to edit Master subtitle style</a:t>
+            </a:r>
+          </a:p>
+        </p:txBody>
+      </p:sp>
+      <p:sp>
+        <p:nvSpPr>
+          <p:cNvPr id="5" name="Text Placeholder 4"/>
+          <p:cNvSpPr>
+            <a:spLocks noGrp="1"/>
+          </p:cNvSpPr>
+          <p:nvPr>
+            <p:ph type="body" sz="quarter" idx="10"/>
+          </p:nvPr>
+        </p:nvSpPr>
+        <p:spPr>
+          <a:xfrm>
+            <a:off x="475200" y="6362699"/>
+            <a:ext cx="5594349" cy="298451"/>
+          </a:xfrm>
+          <a:prstGeom prst="rect">
+            <a:avLst/>
+          </a:prstGeom>
+        </p:spPr>
+        <p:txBody>
+          <a:bodyPr/>
+          <a:lstStyle>
+            <a:lvl1pPr>
+              <a:spcAft>
+                <a:spcPts val="0"/>
+              </a:spcAft>
+              <a:defRPr sz="1050">
+                <a:solidFill>
+                  <a:schemeClr val="bg1"/>
+                </a:solidFill>
+              </a:defRPr>
+            </a:lvl1pPr>
+            <a:lvl2pPr>
+              <a:defRPr>
+                <a:solidFill>
+                  <a:schemeClr val="bg1"/>
+                </a:solidFill>
+              </a:defRPr>
+            </a:lvl2pPr>
+            <a:lvl3pPr>
+              <a:defRPr>
+                <a:solidFill>
+                  <a:schemeClr val="bg1"/>
+                </a:solidFill>
+              </a:defRPr>
+            </a:lvl3pPr>
+            <a:lvl4pPr>
+              <a:defRPr>
+                <a:solidFill>
+                  <a:schemeClr val="bg1"/>
+                </a:solidFill>
+              </a:defRPr>
+            </a:lvl4pPr>
+            <a:lvl5pPr>
+              <a:defRPr>
+                <a:solidFill>
+                  <a:schemeClr val="bg1"/>
+                </a:solidFill>
+              </a:defRPr>
+            </a:lvl5pPr>
+          </a:lstStyle>
+          <a:p>
+            <a:pPr lvl="0"/>
+            <a:r>
+              <a:rPr lang="en-US" noProof="0"/>
+              <a:t>Edit Master text styles</a:t>
+            </a:r>
+          </a:p>
+        </p:txBody>
+      </p:sp>
+      <p:grpSp>
+        <p:nvGrpSpPr>
+          <p:cNvPr id="22" name="Group 21"/>
+          <p:cNvGrpSpPr>
+            <a:grpSpLocks noChangeAspect="1"/>
+          </p:cNvGrpSpPr>
+          <p:nvPr userDrawn="1"/>
+        </p:nvGrpSpPr>
+        <p:grpSpPr>
+          <a:xfrm>
+            <a:off x="469900" y="457761"/>
+            <a:ext cx="1998000" cy="374400"/>
+            <a:chOff x="398463" y="404813"/>
+            <a:chExt cx="1627187" cy="307976"/>
+          </a:xfrm>
+          <a:solidFill>
+            <a:schemeClr val="tx1"/>
+          </a:solidFill>
+        </p:grpSpPr>
+        <p:sp>
+          <p:nvSpPr>
+            <p:cNvPr id="23" name="Oval 5"/>
+            <p:cNvSpPr>
+              <a:spLocks noChangeArrowheads="1"/>
+            </p:cNvSpPr>
+            <p:nvPr userDrawn="1"/>
+          </p:nvSpPr>
+          <p:spPr bwMode="auto">
+            <a:xfrm>
+              <a:off x="1938338" y="625476"/>
+              <a:ext cx="87312" cy="87313"/>
+            </a:xfrm>
+            <a:prstGeom prst="ellipse">
+              <a:avLst/>
+            </a:prstGeom>
+            <a:solidFill>
+              <a:schemeClr val="accent1"/>
+            </a:solidFill>
+            <a:ln>
+              <a:noFill/>
+            </a:ln>
+            <a:extLst>
+              <a:ext uri="{91240B29-F687-4F45-9708-019B960494DF}">
+                <a14:hiddenLine xmlns:a14="http://schemas.microsoft.com/office/drawing/2010/main" w="9525">
+                  <a:solidFill>
+                    <a:srgbClr val="000000"/>
+                  </a:solidFill>
+                  <a:round/>
+                  <a:headEnd/>
+                  <a:tailEnd/>
+                </a14:hiddenLine>
+              </a:ext>
+            </a:extLst>
+          </p:spPr>
+          <p:txBody>
+            <a:bodyPr vert="horz" wrap="square" lIns="91440" tIns="45720" rIns="91440" bIns="45720" numCol="1" anchor="t" anchorCtr="0" compatLnSpc="1">
+              <a:prstTxWarp prst="textNoShape">
+                <a:avLst/>
+              </a:prstTxWarp>
+            </a:bodyPr>
+            <a:lstStyle/>
+            <a:p>
+              <a:endParaRPr lang="en-GB" sz="2600">
+                <a:solidFill>
+                  <a:schemeClr val="bg1"/>
+                </a:solidFill>
+              </a:endParaRPr>
+            </a:p>
+          </p:txBody>
+        </p:sp>
+        <p:sp>
+          <p:nvSpPr>
+            <p:cNvPr id="24" name="Freeform 6"/>
+            <p:cNvSpPr>
+              <a:spLocks noEditPoints="1"/>
+            </p:cNvSpPr>
+            <p:nvPr userDrawn="1"/>
+          </p:nvSpPr>
+          <p:spPr bwMode="auto">
+            <a:xfrm>
+              <a:off x="398463" y="406401"/>
+              <a:ext cx="247650" cy="301625"/>
+            </a:xfrm>
+            <a:custGeom>
+              <a:avLst/>
+              <a:gdLst>
+                <a:gd name="T0" fmla="*/ 287 w 287"/>
+                <a:gd name="T1" fmla="*/ 166 h 347"/>
+                <a:gd name="T2" fmla="*/ 240 w 287"/>
+                <a:gd name="T3" fmla="*/ 300 h 347"/>
+                <a:gd name="T4" fmla="*/ 109 w 287"/>
+                <a:gd name="T5" fmla="*/ 347 h 347"/>
+                <a:gd name="T6" fmla="*/ 0 w 287"/>
+                <a:gd name="T7" fmla="*/ 347 h 347"/>
+                <a:gd name="T8" fmla="*/ 0 w 287"/>
+                <a:gd name="T9" fmla="*/ 0 h 347"/>
+                <a:gd name="T10" fmla="*/ 117 w 287"/>
+                <a:gd name="T11" fmla="*/ 0 h 347"/>
+                <a:gd name="T12" fmla="*/ 243 w 287"/>
+                <a:gd name="T13" fmla="*/ 43 h 347"/>
+                <a:gd name="T14" fmla="*/ 287 w 287"/>
+                <a:gd name="T15" fmla="*/ 166 h 347"/>
+                <a:gd name="T16" fmla="*/ 192 w 287"/>
+                <a:gd name="T17" fmla="*/ 170 h 347"/>
+                <a:gd name="T18" fmla="*/ 174 w 287"/>
+                <a:gd name="T19" fmla="*/ 99 h 347"/>
+                <a:gd name="T20" fmla="*/ 118 w 287"/>
+                <a:gd name="T21" fmla="*/ 76 h 347"/>
+                <a:gd name="T22" fmla="*/ 91 w 287"/>
+                <a:gd name="T23" fmla="*/ 76 h 347"/>
+                <a:gd name="T24" fmla="*/ 91 w 287"/>
+                <a:gd name="T25" fmla="*/ 270 h 347"/>
+                <a:gd name="T26" fmla="*/ 111 w 287"/>
+                <a:gd name="T27" fmla="*/ 270 h 347"/>
+                <a:gd name="T28" fmla="*/ 173 w 287"/>
+                <a:gd name="T29" fmla="*/ 245 h 347"/>
+                <a:gd name="T30" fmla="*/ 192 w 287"/>
+                <a:gd name="T31" fmla="*/ 170 h 347"/>
+              </a:gdLst>
+              <a:ahLst/>
+              <a:cxnLst>
+                <a:cxn ang="0">
+                  <a:pos x="T0" y="T1"/>
+                </a:cxn>
+                <a:cxn ang="0">
+                  <a:pos x="T2" y="T3"/>
+                </a:cxn>
+                <a:cxn ang="0">
+                  <a:pos x="T4" y="T5"/>
+                </a:cxn>
+                <a:cxn ang="0">
+                  <a:pos x="T6" y="T7"/>
+                </a:cxn>
+                <a:cxn ang="0">
+                  <a:pos x="T8" y="T9"/>
+                </a:cxn>
+                <a:cxn ang="0">
+                  <a:pos x="T10" y="T11"/>
+                </a:cxn>
+                <a:cxn ang="0">
+                  <a:pos x="T12" y="T13"/>
+                </a:cxn>
+                <a:cxn ang="0">
+                  <a:pos x="T14" y="T15"/>
+                </a:cxn>
+                <a:cxn ang="0">
+                  <a:pos x="T16" y="T17"/>
+                </a:cxn>
+                <a:cxn ang="0">
+                  <a:pos x="T18" y="T19"/>
+                </a:cxn>
+                <a:cxn ang="0">
+                  <a:pos x="T20" y="T21"/>
+                </a:cxn>
+                <a:cxn ang="0">
+                  <a:pos x="T22" y="T23"/>
+                </a:cxn>
+                <a:cxn ang="0">
+                  <a:pos x="T24" y="T25"/>
+                </a:cxn>
+                <a:cxn ang="0">
+                  <a:pos x="T26" y="T27"/>
+                </a:cxn>
+                <a:cxn ang="0">
+                  <a:pos x="T28" y="T29"/>
+                </a:cxn>
+                <a:cxn ang="0">
+                  <a:pos x="T30" y="T31"/>
+                </a:cxn>
+              </a:cxnLst>
+              <a:rect l="0" t="0" r="r" b="b"/>
+              <a:pathLst>
+                <a:path w="287" h="347">
+                  <a:moveTo>
+                    <a:pt x="287" y="166"/>
+                  </a:moveTo>
+                  <a:cubicBezTo>
+                    <a:pt x="287" y="224"/>
+                    <a:pt x="271" y="269"/>
+                    <a:pt x="240" y="300"/>
+                  </a:cubicBezTo>
+                  <a:cubicBezTo>
+                    <a:pt x="209" y="331"/>
+                    <a:pt x="165" y="347"/>
+                    <a:pt x="109" y="347"/>
+                  </a:cubicBezTo>
+                  <a:cubicBezTo>
+                    <a:pt x="0" y="347"/>
+                    <a:pt x="0" y="347"/>
+                    <a:pt x="0" y="347"/>
+                  </a:cubicBezTo>
+                  <a:cubicBezTo>
+                    <a:pt x="0" y="0"/>
+                    <a:pt x="0" y="0"/>
+                    <a:pt x="0" y="0"/>
+                  </a:cubicBezTo>
+                  <a:cubicBezTo>
+                    <a:pt x="117" y="0"/>
+                    <a:pt x="117" y="0"/>
+                    <a:pt x="117" y="0"/>
+                  </a:cubicBezTo>
+                  <a:cubicBezTo>
+                    <a:pt x="171" y="0"/>
+                    <a:pt x="213" y="15"/>
+                    <a:pt x="243" y="43"/>
+                  </a:cubicBezTo>
+                  <a:cubicBezTo>
+                    <a:pt x="272" y="72"/>
+                    <a:pt x="287" y="113"/>
+                    <a:pt x="287" y="166"/>
+                  </a:cubicBezTo>
+                  <a:moveTo>
+                    <a:pt x="192" y="170"/>
+                  </a:moveTo>
+                  <a:cubicBezTo>
+                    <a:pt x="192" y="138"/>
+                    <a:pt x="186" y="114"/>
+                    <a:pt x="174" y="99"/>
+                  </a:cubicBezTo>
+                  <a:cubicBezTo>
+                    <a:pt x="161" y="84"/>
+                    <a:pt x="143" y="76"/>
+                    <a:pt x="118" y="76"/>
+                  </a:cubicBezTo>
+                  <a:cubicBezTo>
+                    <a:pt x="91" y="76"/>
+                    <a:pt x="91" y="76"/>
+                    <a:pt x="91" y="76"/>
+                  </a:cubicBezTo>
+                  <a:cubicBezTo>
+                    <a:pt x="91" y="270"/>
+                    <a:pt x="91" y="270"/>
+                    <a:pt x="91" y="270"/>
+                  </a:cubicBezTo>
+                  <a:cubicBezTo>
+                    <a:pt x="111" y="270"/>
+                    <a:pt x="111" y="270"/>
+                    <a:pt x="111" y="270"/>
+                  </a:cubicBezTo>
+                  <a:cubicBezTo>
+                    <a:pt x="139" y="270"/>
+                    <a:pt x="160" y="262"/>
+                    <a:pt x="173" y="245"/>
+                  </a:cubicBezTo>
+                  <a:cubicBezTo>
+                    <a:pt x="186" y="229"/>
+                    <a:pt x="192" y="204"/>
+                    <a:pt x="192" y="170"/>
+                  </a:cubicBezTo>
+                </a:path>
+              </a:pathLst>
+            </a:custGeom>
+            <a:solidFill>
+              <a:schemeClr val="bg1"/>
+            </a:solidFill>
+            <a:ln>
+              <a:noFill/>
+            </a:ln>
+            <a:extLst>
+              <a:ext uri="{91240B29-F687-4F45-9708-019B960494DF}">
+                <a14:hiddenLine xmlns:a14="http://schemas.microsoft.com/office/drawing/2010/main" w="9525">
+                  <a:solidFill>
+                    <a:srgbClr val="000000"/>
+                  </a:solidFill>
+                  <a:round/>
+                  <a:headEnd/>
+                  <a:tailEnd/>
+                </a14:hiddenLine>
+              </a:ext>
+            </a:extLst>
+          </p:spPr>
+          <p:txBody>
+            <a:bodyPr vert="horz" wrap="square" lIns="91440" tIns="45720" rIns="91440" bIns="45720" numCol="1" anchor="t" anchorCtr="0" compatLnSpc="1">
+              <a:prstTxWarp prst="textNoShape">
+                <a:avLst/>
+              </a:prstTxWarp>
+            </a:bodyPr>
+            <a:lstStyle/>
+            <a:p>
+              <a:endParaRPr lang="en-GB" sz="2600">
+                <a:solidFill>
+                  <a:schemeClr val="bg1"/>
+                </a:solidFill>
+              </a:endParaRPr>
+            </a:p>
+          </p:txBody>
+        </p:sp>
+        <p:sp>
+          <p:nvSpPr>
+            <p:cNvPr id="25" name="Rectangle 7"/>
+            <p:cNvSpPr>
+              <a:spLocks noChangeArrowheads="1"/>
+            </p:cNvSpPr>
+            <p:nvPr userDrawn="1"/>
+          </p:nvSpPr>
+          <p:spPr bwMode="auto">
+            <a:xfrm>
+              <a:off x="906463" y="404813"/>
+              <a:ext cx="74612" cy="303213"/>
+            </a:xfrm>
+            <a:prstGeom prst="rect">
+              <a:avLst/>
+            </a:prstGeom>
+            <a:solidFill>
+              <a:schemeClr val="bg1"/>
+            </a:solidFill>
+            <a:ln>
+              <a:noFill/>
+            </a:ln>
+            <a:extLst>
+              <a:ext uri="{91240B29-F687-4F45-9708-019B960494DF}">
+                <a14:hiddenLine xmlns:a14="http://schemas.microsoft.com/office/drawing/2010/main" w="9525">
+                  <a:solidFill>
+                    <a:srgbClr val="000000"/>
+                  </a:solidFill>
+                  <a:miter lim="800000"/>
+                  <a:headEnd/>
+                  <a:tailEnd/>
+                </a14:hiddenLine>
+              </a:ext>
+            </a:extLst>
+          </p:spPr>
+          <p:txBody>
+            <a:bodyPr vert="horz" wrap="square" lIns="91440" tIns="45720" rIns="91440" bIns="45720" numCol="1" anchor="t" anchorCtr="0" compatLnSpc="1">
+              <a:prstTxWarp prst="textNoShape">
+                <a:avLst/>
+              </a:prstTxWarp>
+            </a:bodyPr>
+            <a:lstStyle/>
+            <a:p>
+              <a:endParaRPr lang="en-GB" sz="2600">
+                <a:solidFill>
+                  <a:schemeClr val="bg1"/>
+                </a:solidFill>
+              </a:endParaRPr>
+            </a:p>
+          </p:txBody>
+        </p:sp>
+        <p:sp>
+          <p:nvSpPr>
+            <p:cNvPr id="26" name="Freeform 8"/>
+            <p:cNvSpPr>
+              <a:spLocks noEditPoints="1"/>
+            </p:cNvSpPr>
+            <p:nvPr userDrawn="1"/>
+          </p:nvSpPr>
+          <p:spPr bwMode="auto">
+            <a:xfrm>
+              <a:off x="1011238" y="479426"/>
+              <a:ext cx="215900" cy="231775"/>
+            </a:xfrm>
+            <a:custGeom>
+              <a:avLst/>
+              <a:gdLst>
+                <a:gd name="T0" fmla="*/ 252 w 252"/>
+                <a:gd name="T1" fmla="*/ 133 h 267"/>
+                <a:gd name="T2" fmla="*/ 218 w 252"/>
+                <a:gd name="T3" fmla="*/ 232 h 267"/>
+                <a:gd name="T4" fmla="*/ 125 w 252"/>
+                <a:gd name="T5" fmla="*/ 267 h 267"/>
+                <a:gd name="T6" fmla="*/ 34 w 252"/>
+                <a:gd name="T7" fmla="*/ 231 h 267"/>
+                <a:gd name="T8" fmla="*/ 0 w 252"/>
+                <a:gd name="T9" fmla="*/ 133 h 267"/>
+                <a:gd name="T10" fmla="*/ 33 w 252"/>
+                <a:gd name="T11" fmla="*/ 35 h 267"/>
+                <a:gd name="T12" fmla="*/ 127 w 252"/>
+                <a:gd name="T13" fmla="*/ 0 h 267"/>
+                <a:gd name="T14" fmla="*/ 192 w 252"/>
+                <a:gd name="T15" fmla="*/ 16 h 267"/>
+                <a:gd name="T16" fmla="*/ 236 w 252"/>
+                <a:gd name="T17" fmla="*/ 63 h 267"/>
+                <a:gd name="T18" fmla="*/ 252 w 252"/>
+                <a:gd name="T19" fmla="*/ 133 h 267"/>
+                <a:gd name="T20" fmla="*/ 88 w 252"/>
+                <a:gd name="T21" fmla="*/ 133 h 267"/>
+                <a:gd name="T22" fmla="*/ 97 w 252"/>
+                <a:gd name="T23" fmla="*/ 184 h 267"/>
+                <a:gd name="T24" fmla="*/ 126 w 252"/>
+                <a:gd name="T25" fmla="*/ 201 h 267"/>
+                <a:gd name="T26" fmla="*/ 155 w 252"/>
+                <a:gd name="T27" fmla="*/ 184 h 267"/>
+                <a:gd name="T28" fmla="*/ 163 w 252"/>
+                <a:gd name="T29" fmla="*/ 133 h 267"/>
+                <a:gd name="T30" fmla="*/ 155 w 252"/>
+                <a:gd name="T31" fmla="*/ 83 h 267"/>
+                <a:gd name="T32" fmla="*/ 126 w 252"/>
+                <a:gd name="T33" fmla="*/ 66 h 267"/>
+                <a:gd name="T34" fmla="*/ 97 w 252"/>
+                <a:gd name="T35" fmla="*/ 83 h 267"/>
+                <a:gd name="T36" fmla="*/ 88 w 252"/>
+                <a:gd name="T37" fmla="*/ 133 h 267"/>
+              </a:gdLst>
+              <a:ahLst/>
+              <a:cxnLst>
+                <a:cxn ang="0">
+                  <a:pos x="T0" y="T1"/>
+                </a:cxn>
+                <a:cxn ang="0">
+                  <a:pos x="T2" y="T3"/>
+                </a:cxn>
+                <a:cxn ang="0">
+                  <a:pos x="T4" y="T5"/>
+                </a:cxn>
+                <a:cxn ang="0">
+                  <a:pos x="T6" y="T7"/>
+                </a:cxn>
+                <a:cxn ang="0">
+                  <a:pos x="T8" y="T9"/>
+                </a:cxn>
+                <a:cxn ang="0">
+                  <a:pos x="T10" y="T11"/>
+                </a:cxn>
+                <a:cxn ang="0">
+                  <a:pos x="T12" y="T13"/>
+                </a:cxn>
+                <a:cxn ang="0">
+                  <a:pos x="T14" y="T15"/>
+                </a:cxn>
+                <a:cxn ang="0">
+                  <a:pos x="T16" y="T17"/>
+                </a:cxn>
+                <a:cxn ang="0">
+                  <a:pos x="T18" y="T19"/>
+                </a:cxn>
+                <a:cxn ang="0">
+                  <a:pos x="T20" y="T21"/>
+                </a:cxn>
+                <a:cxn ang="0">
+                  <a:pos x="T22" y="T23"/>
+                </a:cxn>
+                <a:cxn ang="0">
+                  <a:pos x="T24" y="T25"/>
+                </a:cxn>
+                <a:cxn ang="0">
+                  <a:pos x="T26" y="T27"/>
+                </a:cxn>
+                <a:cxn ang="0">
+                  <a:pos x="T28" y="T29"/>
+                </a:cxn>
+                <a:cxn ang="0">
+                  <a:pos x="T30" y="T31"/>
+                </a:cxn>
+                <a:cxn ang="0">
+                  <a:pos x="T32" y="T33"/>
+                </a:cxn>
+                <a:cxn ang="0">
+                  <a:pos x="T34" y="T35"/>
+                </a:cxn>
+                <a:cxn ang="0">
+                  <a:pos x="T36" y="T37"/>
+                </a:cxn>
+              </a:cxnLst>
+              <a:rect l="0" t="0" r="r" b="b"/>
+              <a:pathLst>
+                <a:path w="252" h="267">
+                  <a:moveTo>
+                    <a:pt x="252" y="133"/>
+                  </a:moveTo>
+                  <a:cubicBezTo>
+                    <a:pt x="252" y="175"/>
+                    <a:pt x="241" y="208"/>
+                    <a:pt x="218" y="232"/>
+                  </a:cubicBezTo>
+                  <a:cubicBezTo>
+                    <a:pt x="196" y="256"/>
+                    <a:pt x="165" y="267"/>
+                    <a:pt x="125" y="267"/>
+                  </a:cubicBezTo>
+                  <a:cubicBezTo>
+                    <a:pt x="87" y="267"/>
+                    <a:pt x="56" y="255"/>
+                    <a:pt x="34" y="231"/>
+                  </a:cubicBezTo>
+                  <a:cubicBezTo>
+                    <a:pt x="11" y="207"/>
+                    <a:pt x="0" y="174"/>
+                    <a:pt x="0" y="133"/>
+                  </a:cubicBezTo>
+                  <a:cubicBezTo>
+                    <a:pt x="0" y="91"/>
+                    <a:pt x="11" y="58"/>
+                    <a:pt x="33" y="35"/>
+                  </a:cubicBezTo>
+                  <a:cubicBezTo>
+                    <a:pt x="55" y="12"/>
+                    <a:pt x="86" y="0"/>
+                    <a:pt x="127" y="0"/>
+                  </a:cubicBezTo>
+                  <a:cubicBezTo>
+                    <a:pt x="151" y="0"/>
+                    <a:pt x="173" y="5"/>
+                    <a:pt x="192" y="16"/>
+                  </a:cubicBezTo>
+                  <a:cubicBezTo>
+                    <a:pt x="211" y="27"/>
+                    <a:pt x="226" y="42"/>
+                    <a:pt x="236" y="63"/>
+                  </a:cubicBezTo>
+                  <a:cubicBezTo>
+                    <a:pt x="247" y="83"/>
+                    <a:pt x="252" y="106"/>
+                    <a:pt x="252" y="133"/>
+                  </a:cubicBezTo>
+                  <a:moveTo>
+                    <a:pt x="88" y="133"/>
+                  </a:moveTo>
+                  <a:cubicBezTo>
+                    <a:pt x="88" y="155"/>
+                    <a:pt x="91" y="172"/>
+                    <a:pt x="97" y="184"/>
+                  </a:cubicBezTo>
+                  <a:cubicBezTo>
+                    <a:pt x="103" y="195"/>
+                    <a:pt x="112" y="201"/>
+                    <a:pt x="126" y="201"/>
+                  </a:cubicBezTo>
+                  <a:cubicBezTo>
+                    <a:pt x="140" y="201"/>
+                    <a:pt x="149" y="195"/>
+                    <a:pt x="155" y="184"/>
+                  </a:cubicBezTo>
+                  <a:cubicBezTo>
+                    <a:pt x="160" y="172"/>
+                    <a:pt x="163" y="155"/>
+                    <a:pt x="163" y="133"/>
+                  </a:cubicBezTo>
+                  <a:cubicBezTo>
+                    <a:pt x="163" y="111"/>
+                    <a:pt x="160" y="94"/>
+                    <a:pt x="155" y="83"/>
+                  </a:cubicBezTo>
+                  <a:cubicBezTo>
+                    <a:pt x="149" y="72"/>
+                    <a:pt x="139" y="66"/>
+                    <a:pt x="126" y="66"/>
+                  </a:cubicBezTo>
+                  <a:cubicBezTo>
+                    <a:pt x="112" y="66"/>
+                    <a:pt x="103" y="72"/>
+                    <a:pt x="97" y="83"/>
+                  </a:cubicBezTo>
+                  <a:cubicBezTo>
+                    <a:pt x="91" y="94"/>
+                    <a:pt x="88" y="111"/>
+                    <a:pt x="88" y="133"/>
+                  </a:cubicBezTo>
+                </a:path>
+              </a:pathLst>
+            </a:custGeom>
+            <a:solidFill>
+              <a:schemeClr val="bg1"/>
+            </a:solidFill>
+            <a:ln>
+              <a:noFill/>
+            </a:ln>
+            <a:extLst>
+              <a:ext uri="{91240B29-F687-4F45-9708-019B960494DF}">
+                <a14:hiddenLine xmlns:a14="http://schemas.microsoft.com/office/drawing/2010/main" w="9525">
+                  <a:solidFill>
+                    <a:srgbClr val="000000"/>
+                  </a:solidFill>
+                  <a:round/>
+                  <a:headEnd/>
+                  <a:tailEnd/>
+                </a14:hiddenLine>
+              </a:ext>
+            </a:extLst>
+          </p:spPr>
+          <p:txBody>
+            <a:bodyPr vert="horz" wrap="square" lIns="91440" tIns="45720" rIns="91440" bIns="45720" numCol="1" anchor="t" anchorCtr="0" compatLnSpc="1">
+              <a:prstTxWarp prst="textNoShape">
+                <a:avLst/>
+              </a:prstTxWarp>
+            </a:bodyPr>
+            <a:lstStyle/>
+            <a:p>
+              <a:endParaRPr lang="en-GB" sz="2600">
+                <a:solidFill>
+                  <a:schemeClr val="bg1"/>
+                </a:solidFill>
+              </a:endParaRPr>
+            </a:p>
+          </p:txBody>
+        </p:sp>
+        <p:sp>
+          <p:nvSpPr>
+            <p:cNvPr id="27" name="Rectangle 9"/>
+            <p:cNvSpPr>
+              <a:spLocks noChangeArrowheads="1"/>
+            </p:cNvSpPr>
+            <p:nvPr userDrawn="1"/>
+          </p:nvSpPr>
+          <p:spPr bwMode="auto">
+            <a:xfrm>
+              <a:off x="1257300" y="482601"/>
+              <a:ext cx="74612" cy="225425"/>
+            </a:xfrm>
+            <a:prstGeom prst="rect">
+              <a:avLst/>
+            </a:prstGeom>
+            <a:solidFill>
+              <a:schemeClr val="bg1"/>
+            </a:solidFill>
+            <a:ln>
+              <a:noFill/>
+            </a:ln>
+            <a:extLst>
+              <a:ext uri="{91240B29-F687-4F45-9708-019B960494DF}">
+                <a14:hiddenLine xmlns:a14="http://schemas.microsoft.com/office/drawing/2010/main" w="9525">
+                  <a:solidFill>
+                    <a:srgbClr val="000000"/>
+                  </a:solidFill>
+                  <a:miter lim="800000"/>
+                  <a:headEnd/>
+                  <a:tailEnd/>
+                </a14:hiddenLine>
+              </a:ext>
+            </a:extLst>
+          </p:spPr>
+          <p:txBody>
+            <a:bodyPr vert="horz" wrap="square" lIns="91440" tIns="45720" rIns="91440" bIns="45720" numCol="1" anchor="t" anchorCtr="0" compatLnSpc="1">
+              <a:prstTxWarp prst="textNoShape">
+                <a:avLst/>
+              </a:prstTxWarp>
+            </a:bodyPr>
+            <a:lstStyle/>
+            <a:p>
+              <a:endParaRPr lang="en-GB" sz="2600">
+                <a:solidFill>
+                  <a:schemeClr val="bg1"/>
+                </a:solidFill>
+              </a:endParaRPr>
+            </a:p>
+          </p:txBody>
+        </p:sp>
+        <p:sp>
+          <p:nvSpPr>
+            <p:cNvPr id="28" name="Rectangle 10"/>
+            <p:cNvSpPr>
+              <a:spLocks noChangeArrowheads="1"/>
+            </p:cNvSpPr>
+            <p:nvPr userDrawn="1"/>
+          </p:nvSpPr>
+          <p:spPr bwMode="auto">
+            <a:xfrm>
+              <a:off x="1257300" y="404813"/>
+              <a:ext cx="74612" cy="50800"/>
+            </a:xfrm>
+            <a:prstGeom prst="rect">
+              <a:avLst/>
+            </a:prstGeom>
+            <a:solidFill>
+              <a:schemeClr val="bg1"/>
+            </a:solidFill>
+            <a:ln>
+              <a:noFill/>
+            </a:ln>
+            <a:extLst>
+              <a:ext uri="{91240B29-F687-4F45-9708-019B960494DF}">
+                <a14:hiddenLine xmlns:a14="http://schemas.microsoft.com/office/drawing/2010/main" w="9525">
+                  <a:solidFill>
+                    <a:srgbClr val="000000"/>
+                  </a:solidFill>
+                  <a:miter lim="800000"/>
+                  <a:headEnd/>
+                  <a:tailEnd/>
+                </a14:hiddenLine>
+              </a:ext>
+            </a:extLst>
+          </p:spPr>
+          <p:txBody>
+            <a:bodyPr vert="horz" wrap="square" lIns="91440" tIns="45720" rIns="91440" bIns="45720" numCol="1" anchor="t" anchorCtr="0" compatLnSpc="1">
+              <a:prstTxWarp prst="textNoShape">
+                <a:avLst/>
+              </a:prstTxWarp>
+            </a:bodyPr>
+            <a:lstStyle/>
+            <a:p>
+              <a:endParaRPr lang="en-GB" sz="2600">
+                <a:solidFill>
+                  <a:schemeClr val="bg1"/>
+                </a:solidFill>
+              </a:endParaRPr>
+            </a:p>
+          </p:txBody>
+        </p:sp>
+        <p:sp>
+          <p:nvSpPr>
+            <p:cNvPr id="29" name="Freeform 11"/>
+            <p:cNvSpPr>
+              <a:spLocks/>
+            </p:cNvSpPr>
+            <p:nvPr userDrawn="1"/>
+          </p:nvSpPr>
+          <p:spPr bwMode="auto">
+            <a:xfrm>
+              <a:off x="1362075" y="411163"/>
+              <a:ext cx="158750" cy="300038"/>
+            </a:xfrm>
+            <a:custGeom>
+              <a:avLst/>
+              <a:gdLst>
+                <a:gd name="T0" fmla="*/ 142 w 184"/>
+                <a:gd name="T1" fmla="*/ 274 h 344"/>
+                <a:gd name="T2" fmla="*/ 184 w 184"/>
+                <a:gd name="T3" fmla="*/ 265 h 344"/>
+                <a:gd name="T4" fmla="*/ 184 w 184"/>
+                <a:gd name="T5" fmla="*/ 330 h 344"/>
+                <a:gd name="T6" fmla="*/ 150 w 184"/>
+                <a:gd name="T7" fmla="*/ 341 h 344"/>
+                <a:gd name="T8" fmla="*/ 113 w 184"/>
+                <a:gd name="T9" fmla="*/ 344 h 344"/>
+                <a:gd name="T10" fmla="*/ 50 w 184"/>
+                <a:gd name="T11" fmla="*/ 322 h 344"/>
+                <a:gd name="T12" fmla="*/ 30 w 184"/>
+                <a:gd name="T13" fmla="*/ 255 h 344"/>
+                <a:gd name="T14" fmla="*/ 30 w 184"/>
+                <a:gd name="T15" fmla="*/ 148 h 344"/>
+                <a:gd name="T16" fmla="*/ 0 w 184"/>
+                <a:gd name="T17" fmla="*/ 148 h 344"/>
+                <a:gd name="T18" fmla="*/ 0 w 184"/>
+                <a:gd name="T19" fmla="*/ 81 h 344"/>
+                <a:gd name="T20" fmla="*/ 30 w 184"/>
+                <a:gd name="T21" fmla="*/ 81 h 344"/>
+                <a:gd name="T22" fmla="*/ 30 w 184"/>
+                <a:gd name="T23" fmla="*/ 16 h 344"/>
+                <a:gd name="T24" fmla="*/ 118 w 184"/>
+                <a:gd name="T25" fmla="*/ 0 h 344"/>
+                <a:gd name="T26" fmla="*/ 118 w 184"/>
+                <a:gd name="T27" fmla="*/ 81 h 344"/>
+                <a:gd name="T28" fmla="*/ 174 w 184"/>
+                <a:gd name="T29" fmla="*/ 81 h 344"/>
+                <a:gd name="T30" fmla="*/ 174 w 184"/>
+                <a:gd name="T31" fmla="*/ 148 h 344"/>
+                <a:gd name="T32" fmla="*/ 118 w 184"/>
+                <a:gd name="T33" fmla="*/ 148 h 344"/>
+                <a:gd name="T34" fmla="*/ 118 w 184"/>
+                <a:gd name="T35" fmla="*/ 249 h 344"/>
+                <a:gd name="T36" fmla="*/ 142 w 184"/>
+                <a:gd name="T37" fmla="*/ 274 h 344"/>
+              </a:gdLst>
+              <a:ahLst/>
+              <a:cxnLst>
+                <a:cxn ang="0">
+                  <a:pos x="T0" y="T1"/>
+                </a:cxn>
+                <a:cxn ang="0">
+                  <a:pos x="T2" y="T3"/>
+                </a:cxn>
+                <a:cxn ang="0">
+                  <a:pos x="T4" y="T5"/>
+                </a:cxn>
+                <a:cxn ang="0">
+                  <a:pos x="T6" y="T7"/>
+                </a:cxn>
+                <a:cxn ang="0">
+                  <a:pos x="T8" y="T9"/>
+                </a:cxn>
+                <a:cxn ang="0">
+                  <a:pos x="T10" y="T11"/>
+                </a:cxn>
+                <a:cxn ang="0">
+                  <a:pos x="T12" y="T13"/>
+                </a:cxn>
+                <a:cxn ang="0">
+                  <a:pos x="T14" y="T15"/>
+                </a:cxn>
+                <a:cxn ang="0">
+                  <a:pos x="T16" y="T17"/>
+                </a:cxn>
+                <a:cxn ang="0">
+                  <a:pos x="T18" y="T19"/>
+                </a:cxn>
+                <a:cxn ang="0">
+                  <a:pos x="T20" y="T21"/>
+                </a:cxn>
+                <a:cxn ang="0">
+                  <a:pos x="T22" y="T23"/>
+                </a:cxn>
+                <a:cxn ang="0">
+                  <a:pos x="T24" y="T25"/>
+                </a:cxn>
+                <a:cxn ang="0">
+                  <a:pos x="T26" y="T27"/>
+                </a:cxn>
+                <a:cxn ang="0">
+                  <a:pos x="T28" y="T29"/>
+                </a:cxn>
+                <a:cxn ang="0">
+                  <a:pos x="T30" y="T31"/>
+                </a:cxn>
+                <a:cxn ang="0">
+                  <a:pos x="T32" y="T33"/>
+                </a:cxn>
+                <a:cxn ang="0">
+                  <a:pos x="T34" y="T35"/>
+                </a:cxn>
+                <a:cxn ang="0">
+                  <a:pos x="T36" y="T37"/>
+                </a:cxn>
+              </a:cxnLst>
+              <a:rect l="0" t="0" r="r" b="b"/>
+              <a:pathLst>
+                <a:path w="184" h="344">
+                  <a:moveTo>
+                    <a:pt x="142" y="274"/>
+                  </a:moveTo>
+                  <a:cubicBezTo>
+                    <a:pt x="153" y="274"/>
+                    <a:pt x="167" y="271"/>
+                    <a:pt x="184" y="265"/>
+                  </a:cubicBezTo>
+                  <a:cubicBezTo>
+                    <a:pt x="184" y="330"/>
+                    <a:pt x="184" y="330"/>
+                    <a:pt x="184" y="330"/>
+                  </a:cubicBezTo>
+                  <a:cubicBezTo>
+                    <a:pt x="172" y="335"/>
+                    <a:pt x="161" y="339"/>
+                    <a:pt x="150" y="341"/>
+                  </a:cubicBezTo>
+                  <a:cubicBezTo>
+                    <a:pt x="140" y="343"/>
+                    <a:pt x="127" y="344"/>
+                    <a:pt x="113" y="344"/>
+                  </a:cubicBezTo>
+                  <a:cubicBezTo>
+                    <a:pt x="84" y="344"/>
+                    <a:pt x="63" y="337"/>
+                    <a:pt x="50" y="322"/>
+                  </a:cubicBezTo>
+                  <a:cubicBezTo>
+                    <a:pt x="37" y="308"/>
+                    <a:pt x="30" y="285"/>
+                    <a:pt x="30" y="255"/>
+                  </a:cubicBezTo>
+                  <a:cubicBezTo>
+                    <a:pt x="30" y="148"/>
+                    <a:pt x="30" y="148"/>
+                    <a:pt x="30" y="148"/>
+                  </a:cubicBezTo>
+                  <a:cubicBezTo>
+                    <a:pt x="0" y="148"/>
+                    <a:pt x="0" y="148"/>
+                    <a:pt x="0" y="148"/>
+                  </a:cubicBezTo>
+                  <a:cubicBezTo>
+                    <a:pt x="0" y="81"/>
+                    <a:pt x="0" y="81"/>
+                    <a:pt x="0" y="81"/>
+                  </a:cubicBezTo>
+                  <a:cubicBezTo>
+                    <a:pt x="30" y="81"/>
+                    <a:pt x="30" y="81"/>
+                    <a:pt x="30" y="81"/>
+                  </a:cubicBezTo>
+                  <a:cubicBezTo>
+                    <a:pt x="30" y="16"/>
+                    <a:pt x="30" y="16"/>
+                    <a:pt x="30" y="16"/>
+                  </a:cubicBezTo>
+                  <a:cubicBezTo>
+                    <a:pt x="118" y="0"/>
+                    <a:pt x="118" y="0"/>
+                    <a:pt x="118" y="0"/>
+                  </a:cubicBezTo>
+                  <a:cubicBezTo>
+                    <a:pt x="118" y="81"/>
+                    <a:pt x="118" y="81"/>
+                    <a:pt x="118" y="81"/>
+                  </a:cubicBezTo>
+                  <a:cubicBezTo>
+                    <a:pt x="174" y="81"/>
+                    <a:pt x="174" y="81"/>
+                    <a:pt x="174" y="81"/>
+                  </a:cubicBezTo>
+                  <a:cubicBezTo>
+                    <a:pt x="174" y="148"/>
+                    <a:pt x="174" y="148"/>
+                    <a:pt x="174" y="148"/>
+                  </a:cubicBezTo>
+                  <a:cubicBezTo>
+                    <a:pt x="118" y="148"/>
+                    <a:pt x="118" y="148"/>
+                    <a:pt x="118" y="148"/>
+                  </a:cubicBezTo>
+                  <a:cubicBezTo>
+                    <a:pt x="118" y="249"/>
+                    <a:pt x="118" y="249"/>
+                    <a:pt x="118" y="249"/>
+                  </a:cubicBezTo>
+                  <a:cubicBezTo>
+                    <a:pt x="118" y="266"/>
+                    <a:pt x="126" y="274"/>
+                    <a:pt x="142" y="274"/>
+                  </a:cubicBezTo>
+                </a:path>
+              </a:pathLst>
+            </a:custGeom>
+            <a:solidFill>
+              <a:schemeClr val="bg1"/>
+            </a:solidFill>
+            <a:ln>
+              <a:noFill/>
+            </a:ln>
+            <a:extLst>
+              <a:ext uri="{91240B29-F687-4F45-9708-019B960494DF}">
+                <a14:hiddenLine xmlns:a14="http://schemas.microsoft.com/office/drawing/2010/main" w="9525">
+                  <a:solidFill>
+                    <a:srgbClr val="000000"/>
+                  </a:solidFill>
+                  <a:round/>
+                  <a:headEnd/>
+                  <a:tailEnd/>
+                </a14:hiddenLine>
+              </a:ext>
+            </a:extLst>
+          </p:spPr>
+          <p:txBody>
+            <a:bodyPr vert="horz" wrap="square" lIns="91440" tIns="45720" rIns="91440" bIns="45720" numCol="1" anchor="t" anchorCtr="0" compatLnSpc="1">
+              <a:prstTxWarp prst="textNoShape">
+                <a:avLst/>
+              </a:prstTxWarp>
+            </a:bodyPr>
+            <a:lstStyle/>
+            <a:p>
+              <a:endParaRPr lang="en-GB" sz="2600">
+                <a:solidFill>
+                  <a:schemeClr val="bg1"/>
+                </a:solidFill>
+              </a:endParaRPr>
+            </a:p>
+          </p:txBody>
+        </p:sp>
+        <p:sp>
+          <p:nvSpPr>
+            <p:cNvPr id="30" name="Freeform 12"/>
+            <p:cNvSpPr>
+              <a:spLocks/>
+            </p:cNvSpPr>
+            <p:nvPr userDrawn="1"/>
+          </p:nvSpPr>
+          <p:spPr bwMode="auto">
+            <a:xfrm>
+              <a:off x="1535113" y="411163"/>
+              <a:ext cx="158750" cy="300038"/>
+            </a:xfrm>
+            <a:custGeom>
+              <a:avLst/>
+              <a:gdLst>
+                <a:gd name="T0" fmla="*/ 142 w 184"/>
+                <a:gd name="T1" fmla="*/ 274 h 344"/>
+                <a:gd name="T2" fmla="*/ 184 w 184"/>
+                <a:gd name="T3" fmla="*/ 265 h 344"/>
+                <a:gd name="T4" fmla="*/ 184 w 184"/>
+                <a:gd name="T5" fmla="*/ 330 h 344"/>
+                <a:gd name="T6" fmla="*/ 151 w 184"/>
+                <a:gd name="T7" fmla="*/ 341 h 344"/>
+                <a:gd name="T8" fmla="*/ 114 w 184"/>
+                <a:gd name="T9" fmla="*/ 344 h 344"/>
+                <a:gd name="T10" fmla="*/ 50 w 184"/>
+                <a:gd name="T11" fmla="*/ 322 h 344"/>
+                <a:gd name="T12" fmla="*/ 31 w 184"/>
+                <a:gd name="T13" fmla="*/ 255 h 344"/>
+                <a:gd name="T14" fmla="*/ 31 w 184"/>
+                <a:gd name="T15" fmla="*/ 148 h 344"/>
+                <a:gd name="T16" fmla="*/ 0 w 184"/>
+                <a:gd name="T17" fmla="*/ 148 h 344"/>
+                <a:gd name="T18" fmla="*/ 0 w 184"/>
+                <a:gd name="T19" fmla="*/ 81 h 344"/>
+                <a:gd name="T20" fmla="*/ 31 w 184"/>
+                <a:gd name="T21" fmla="*/ 81 h 344"/>
+                <a:gd name="T22" fmla="*/ 31 w 184"/>
+                <a:gd name="T23" fmla="*/ 15 h 344"/>
+                <a:gd name="T24" fmla="*/ 119 w 184"/>
+                <a:gd name="T25" fmla="*/ 0 h 344"/>
+                <a:gd name="T26" fmla="*/ 119 w 184"/>
+                <a:gd name="T27" fmla="*/ 81 h 344"/>
+                <a:gd name="T28" fmla="*/ 174 w 184"/>
+                <a:gd name="T29" fmla="*/ 81 h 344"/>
+                <a:gd name="T30" fmla="*/ 174 w 184"/>
+                <a:gd name="T31" fmla="*/ 148 h 344"/>
+                <a:gd name="T32" fmla="*/ 119 w 184"/>
+                <a:gd name="T33" fmla="*/ 148 h 344"/>
+                <a:gd name="T34" fmla="*/ 119 w 184"/>
+                <a:gd name="T35" fmla="*/ 249 h 344"/>
+                <a:gd name="T36" fmla="*/ 142 w 184"/>
+                <a:gd name="T37" fmla="*/ 274 h 344"/>
+              </a:gdLst>
+              <a:ahLst/>
+              <a:cxnLst>
+                <a:cxn ang="0">
+                  <a:pos x="T0" y="T1"/>
+                </a:cxn>
+                <a:cxn ang="0">
+                  <a:pos x="T2" y="T3"/>
+                </a:cxn>
+                <a:cxn ang="0">
+                  <a:pos x="T4" y="T5"/>
+                </a:cxn>
+                <a:cxn ang="0">
+                  <a:pos x="T6" y="T7"/>
+                </a:cxn>
+                <a:cxn ang="0">
+                  <a:pos x="T8" y="T9"/>
+                </a:cxn>
+                <a:cxn ang="0">
+                  <a:pos x="T10" y="T11"/>
+                </a:cxn>
+                <a:cxn ang="0">
+                  <a:pos x="T12" y="T13"/>
+                </a:cxn>
+                <a:cxn ang="0">
+                  <a:pos x="T14" y="T15"/>
+                </a:cxn>
+                <a:cxn ang="0">
+                  <a:pos x="T16" y="T17"/>
+                </a:cxn>
+                <a:cxn ang="0">
+                  <a:pos x="T18" y="T19"/>
+                </a:cxn>
+                <a:cxn ang="0">
+                  <a:pos x="T20" y="T21"/>
+                </a:cxn>
+                <a:cxn ang="0">
+                  <a:pos x="T22" y="T23"/>
+                </a:cxn>
+                <a:cxn ang="0">
+                  <a:pos x="T24" y="T25"/>
+                </a:cxn>
+                <a:cxn ang="0">
+                  <a:pos x="T26" y="T27"/>
+                </a:cxn>
+                <a:cxn ang="0">
+                  <a:pos x="T28" y="T29"/>
+                </a:cxn>
+                <a:cxn ang="0">
+                  <a:pos x="T30" y="T31"/>
+                </a:cxn>
+                <a:cxn ang="0">
+                  <a:pos x="T32" y="T33"/>
+                </a:cxn>
+                <a:cxn ang="0">
+                  <a:pos x="T34" y="T35"/>
+                </a:cxn>
+                <a:cxn ang="0">
+                  <a:pos x="T36" y="T37"/>
+                </a:cxn>
+              </a:cxnLst>
+              <a:rect l="0" t="0" r="r" b="b"/>
+              <a:pathLst>
+                <a:path w="184" h="344">
+                  <a:moveTo>
+                    <a:pt x="142" y="274"/>
+                  </a:moveTo>
+                  <a:cubicBezTo>
+                    <a:pt x="154" y="274"/>
+                    <a:pt x="168" y="271"/>
+                    <a:pt x="184" y="265"/>
+                  </a:cubicBezTo>
+                  <a:cubicBezTo>
+                    <a:pt x="184" y="330"/>
+                    <a:pt x="184" y="330"/>
+                    <a:pt x="184" y="330"/>
+                  </a:cubicBezTo>
+                  <a:cubicBezTo>
+                    <a:pt x="173" y="335"/>
+                    <a:pt x="161" y="339"/>
+                    <a:pt x="151" y="341"/>
+                  </a:cubicBezTo>
+                  <a:cubicBezTo>
+                    <a:pt x="140" y="343"/>
+                    <a:pt x="128" y="344"/>
+                    <a:pt x="114" y="344"/>
+                  </a:cubicBezTo>
+                  <a:cubicBezTo>
+                    <a:pt x="84" y="344"/>
+                    <a:pt x="63" y="337"/>
+                    <a:pt x="50" y="322"/>
+                  </a:cubicBezTo>
+                  <a:cubicBezTo>
+                    <a:pt x="37" y="308"/>
+                    <a:pt x="31" y="285"/>
+                    <a:pt x="31" y="255"/>
+                  </a:cubicBezTo>
+                  <a:cubicBezTo>
+                    <a:pt x="31" y="148"/>
+                    <a:pt x="31" y="148"/>
+                    <a:pt x="31" y="148"/>
+                  </a:cubicBezTo>
+                  <a:cubicBezTo>
+                    <a:pt x="0" y="148"/>
+                    <a:pt x="0" y="148"/>
+                    <a:pt x="0" y="148"/>
+                  </a:cubicBezTo>
+                  <a:cubicBezTo>
+                    <a:pt x="0" y="81"/>
+                    <a:pt x="0" y="81"/>
+                    <a:pt x="0" y="81"/>
+                  </a:cubicBezTo>
+                  <a:cubicBezTo>
+                    <a:pt x="31" y="81"/>
+                    <a:pt x="31" y="81"/>
+                    <a:pt x="31" y="81"/>
+                  </a:cubicBezTo>
+                  <a:cubicBezTo>
+                    <a:pt x="31" y="15"/>
+                    <a:pt x="31" y="15"/>
+                    <a:pt x="31" y="15"/>
+                  </a:cubicBezTo>
+                  <a:cubicBezTo>
+                    <a:pt x="119" y="0"/>
+                    <a:pt x="119" y="0"/>
+                    <a:pt x="119" y="0"/>
+                  </a:cubicBezTo>
+                  <a:cubicBezTo>
+                    <a:pt x="119" y="81"/>
+                    <a:pt x="119" y="81"/>
+                    <a:pt x="119" y="81"/>
+                  </a:cubicBezTo>
+                  <a:cubicBezTo>
+                    <a:pt x="174" y="81"/>
+                    <a:pt x="174" y="81"/>
+                    <a:pt x="174" y="81"/>
+                  </a:cubicBezTo>
+                  <a:cubicBezTo>
+                    <a:pt x="174" y="148"/>
+                    <a:pt x="174" y="148"/>
+                    <a:pt x="174" y="148"/>
+                  </a:cubicBezTo>
+                  <a:cubicBezTo>
+                    <a:pt x="119" y="148"/>
+                    <a:pt x="119" y="148"/>
+                    <a:pt x="119" y="148"/>
+                  </a:cubicBezTo>
+                  <a:cubicBezTo>
+                    <a:pt x="119" y="249"/>
+                    <a:pt x="119" y="249"/>
+                    <a:pt x="119" y="249"/>
+                  </a:cubicBezTo>
+                  <a:cubicBezTo>
+                    <a:pt x="119" y="266"/>
+                    <a:pt x="127" y="274"/>
+                    <a:pt x="142" y="274"/>
+                  </a:cubicBezTo>
+                </a:path>
+              </a:pathLst>
+            </a:custGeom>
+            <a:solidFill>
+              <a:schemeClr val="bg1"/>
+            </a:solidFill>
+            <a:ln>
+              <a:noFill/>
+            </a:ln>
+            <a:extLst>
+              <a:ext uri="{91240B29-F687-4F45-9708-019B960494DF}">
+                <a14:hiddenLine xmlns:a14="http://schemas.microsoft.com/office/drawing/2010/main" w="9525">
+                  <a:solidFill>
+                    <a:srgbClr val="000000"/>
+                  </a:solidFill>
+                  <a:round/>
+                  <a:headEnd/>
+                  <a:tailEnd/>
+                </a14:hiddenLine>
+              </a:ext>
+            </a:extLst>
+          </p:spPr>
+          <p:txBody>
+            <a:bodyPr vert="horz" wrap="square" lIns="91440" tIns="45720" rIns="91440" bIns="45720" numCol="1" anchor="t" anchorCtr="0" compatLnSpc="1">
+              <a:prstTxWarp prst="textNoShape">
+                <a:avLst/>
+              </a:prstTxWarp>
+            </a:bodyPr>
+            <a:lstStyle/>
+            <a:p>
+              <a:endParaRPr lang="en-GB" sz="2600">
+                <a:solidFill>
+                  <a:schemeClr val="bg1"/>
+                </a:solidFill>
+              </a:endParaRPr>
+            </a:p>
+          </p:txBody>
+        </p:sp>
+        <p:sp>
+          <p:nvSpPr>
+            <p:cNvPr id="31" name="Freeform 13"/>
+            <p:cNvSpPr>
+              <a:spLocks noEditPoints="1"/>
+            </p:cNvSpPr>
+            <p:nvPr userDrawn="1"/>
+          </p:nvSpPr>
+          <p:spPr bwMode="auto">
+            <a:xfrm>
+              <a:off x="1709738" y="479426"/>
+              <a:ext cx="211137" cy="231775"/>
+            </a:xfrm>
+            <a:custGeom>
+              <a:avLst/>
+              <a:gdLst>
+                <a:gd name="T0" fmla="*/ 213 w 244"/>
+                <a:gd name="T1" fmla="*/ 30 h 267"/>
+                <a:gd name="T2" fmla="*/ 125 w 244"/>
+                <a:gd name="T3" fmla="*/ 0 h 267"/>
+                <a:gd name="T4" fmla="*/ 33 w 244"/>
+                <a:gd name="T5" fmla="*/ 35 h 267"/>
+                <a:gd name="T6" fmla="*/ 0 w 244"/>
+                <a:gd name="T7" fmla="*/ 135 h 267"/>
+                <a:gd name="T8" fmla="*/ 35 w 244"/>
+                <a:gd name="T9" fmla="*/ 233 h 267"/>
+                <a:gd name="T10" fmla="*/ 133 w 244"/>
+                <a:gd name="T11" fmla="*/ 267 h 267"/>
+                <a:gd name="T12" fmla="*/ 185 w 244"/>
+                <a:gd name="T13" fmla="*/ 263 h 267"/>
+                <a:gd name="T14" fmla="*/ 227 w 244"/>
+                <a:gd name="T15" fmla="*/ 249 h 267"/>
+                <a:gd name="T16" fmla="*/ 214 w 244"/>
+                <a:gd name="T17" fmla="*/ 190 h 267"/>
+                <a:gd name="T18" fmla="*/ 186 w 244"/>
+                <a:gd name="T19" fmla="*/ 200 h 267"/>
+                <a:gd name="T20" fmla="*/ 144 w 244"/>
+                <a:gd name="T21" fmla="*/ 204 h 267"/>
+                <a:gd name="T22" fmla="*/ 104 w 244"/>
+                <a:gd name="T23" fmla="*/ 192 h 267"/>
+                <a:gd name="T24" fmla="*/ 88 w 244"/>
+                <a:gd name="T25" fmla="*/ 158 h 267"/>
+                <a:gd name="T26" fmla="*/ 244 w 244"/>
+                <a:gd name="T27" fmla="*/ 158 h 267"/>
+                <a:gd name="T28" fmla="*/ 244 w 244"/>
+                <a:gd name="T29" fmla="*/ 118 h 267"/>
+                <a:gd name="T30" fmla="*/ 213 w 244"/>
+                <a:gd name="T31" fmla="*/ 30 h 267"/>
+                <a:gd name="T32" fmla="*/ 90 w 244"/>
+                <a:gd name="T33" fmla="*/ 102 h 267"/>
+                <a:gd name="T34" fmla="*/ 102 w 244"/>
+                <a:gd name="T35" fmla="*/ 70 h 267"/>
+                <a:gd name="T36" fmla="*/ 128 w 244"/>
+                <a:gd name="T37" fmla="*/ 61 h 267"/>
+                <a:gd name="T38" fmla="*/ 155 w 244"/>
+                <a:gd name="T39" fmla="*/ 72 h 267"/>
+                <a:gd name="T40" fmla="*/ 165 w 244"/>
+                <a:gd name="T41" fmla="*/ 102 h 267"/>
+                <a:gd name="T42" fmla="*/ 90 w 244"/>
+                <a:gd name="T43" fmla="*/ 102 h 267"/>
+              </a:gdLst>
+              <a:ahLst/>
+              <a:cxnLst>
+                <a:cxn ang="0">
+                  <a:pos x="T0" y="T1"/>
+                </a:cxn>
+                <a:cxn ang="0">
+                  <a:pos x="T2" y="T3"/>
+                </a:cxn>
+                <a:cxn ang="0">
+                  <a:pos x="T4" y="T5"/>
+                </a:cxn>
+                <a:cxn ang="0">
+                  <a:pos x="T6" y="T7"/>
+                </a:cxn>
+                <a:cxn ang="0">
+                  <a:pos x="T8" y="T9"/>
+                </a:cxn>
+                <a:cxn ang="0">
+                  <a:pos x="T10" y="T11"/>
+                </a:cxn>
+                <a:cxn ang="0">
+                  <a:pos x="T12" y="T13"/>
+                </a:cxn>
+                <a:cxn ang="0">
+                  <a:pos x="T14" y="T15"/>
+                </a:cxn>
+                <a:cxn ang="0">
+                  <a:pos x="T16" y="T17"/>
+                </a:cxn>
+                <a:cxn ang="0">
+                  <a:pos x="T18" y="T19"/>
+                </a:cxn>
+                <a:cxn ang="0">
+                  <a:pos x="T20" y="T21"/>
+                </a:cxn>
+                <a:cxn ang="0">
+                  <a:pos x="T22" y="T23"/>
+                </a:cxn>
+                <a:cxn ang="0">
+                  <a:pos x="T24" y="T25"/>
+                </a:cxn>
+                <a:cxn ang="0">
+                  <a:pos x="T26" y="T27"/>
+                </a:cxn>
+                <a:cxn ang="0">
+                  <a:pos x="T28" y="T29"/>
+                </a:cxn>
+                <a:cxn ang="0">
+                  <a:pos x="T30" y="T31"/>
+                </a:cxn>
+                <a:cxn ang="0">
+                  <a:pos x="T32" y="T33"/>
+                </a:cxn>
+                <a:cxn ang="0">
+                  <a:pos x="T34" y="T35"/>
+                </a:cxn>
+                <a:cxn ang="0">
+                  <a:pos x="T36" y="T37"/>
+                </a:cxn>
+                <a:cxn ang="0">
+                  <a:pos x="T38" y="T39"/>
+                </a:cxn>
+                <a:cxn ang="0">
+                  <a:pos x="T40" y="T41"/>
+                </a:cxn>
+                <a:cxn ang="0">
+                  <a:pos x="T42" y="T43"/>
+                </a:cxn>
+              </a:cxnLst>
+              <a:rect l="0" t="0" r="r" b="b"/>
+              <a:pathLst>
+                <a:path w="244" h="267">
+                  <a:moveTo>
+                    <a:pt x="213" y="30"/>
+                  </a:moveTo>
+                  <a:cubicBezTo>
+                    <a:pt x="192" y="10"/>
+                    <a:pt x="163" y="0"/>
+                    <a:pt x="125" y="0"/>
+                  </a:cubicBezTo>
+                  <a:cubicBezTo>
+                    <a:pt x="85" y="0"/>
+                    <a:pt x="54" y="12"/>
+                    <a:pt x="33" y="35"/>
+                  </a:cubicBezTo>
+                  <a:cubicBezTo>
+                    <a:pt x="11" y="58"/>
+                    <a:pt x="0" y="92"/>
+                    <a:pt x="0" y="135"/>
+                  </a:cubicBezTo>
+                  <a:cubicBezTo>
+                    <a:pt x="0" y="178"/>
+                    <a:pt x="12" y="210"/>
+                    <a:pt x="35" y="233"/>
+                  </a:cubicBezTo>
+                  <a:cubicBezTo>
+                    <a:pt x="59" y="256"/>
+                    <a:pt x="91" y="267"/>
+                    <a:pt x="133" y="267"/>
+                  </a:cubicBezTo>
+                  <a:cubicBezTo>
+                    <a:pt x="153" y="267"/>
+                    <a:pt x="171" y="266"/>
+                    <a:pt x="185" y="263"/>
+                  </a:cubicBezTo>
+                  <a:cubicBezTo>
+                    <a:pt x="200" y="261"/>
+                    <a:pt x="214" y="256"/>
+                    <a:pt x="227" y="249"/>
+                  </a:cubicBezTo>
+                  <a:cubicBezTo>
+                    <a:pt x="214" y="190"/>
+                    <a:pt x="214" y="190"/>
+                    <a:pt x="214" y="190"/>
+                  </a:cubicBezTo>
+                  <a:cubicBezTo>
+                    <a:pt x="204" y="194"/>
+                    <a:pt x="195" y="197"/>
+                    <a:pt x="186" y="200"/>
+                  </a:cubicBezTo>
+                  <a:cubicBezTo>
+                    <a:pt x="173" y="202"/>
+                    <a:pt x="159" y="204"/>
+                    <a:pt x="144" y="204"/>
+                  </a:cubicBezTo>
+                  <a:cubicBezTo>
+                    <a:pt x="127" y="204"/>
+                    <a:pt x="114" y="200"/>
+                    <a:pt x="104" y="192"/>
+                  </a:cubicBezTo>
+                  <a:cubicBezTo>
+                    <a:pt x="94" y="183"/>
+                    <a:pt x="89" y="172"/>
+                    <a:pt x="88" y="158"/>
+                  </a:cubicBezTo>
+                  <a:cubicBezTo>
+                    <a:pt x="244" y="158"/>
+                    <a:pt x="244" y="158"/>
+                    <a:pt x="244" y="158"/>
+                  </a:cubicBezTo>
+                  <a:cubicBezTo>
+                    <a:pt x="244" y="118"/>
+                    <a:pt x="244" y="118"/>
+                    <a:pt x="244" y="118"/>
+                  </a:cubicBezTo>
+                  <a:cubicBezTo>
+                    <a:pt x="244" y="80"/>
+                    <a:pt x="234" y="51"/>
+                    <a:pt x="213" y="30"/>
+                  </a:cubicBezTo>
+                  <a:moveTo>
+                    <a:pt x="90" y="102"/>
+                  </a:moveTo>
+                  <a:cubicBezTo>
+                    <a:pt x="91" y="87"/>
+                    <a:pt x="95" y="77"/>
+                    <a:pt x="102" y="70"/>
+                  </a:cubicBezTo>
+                  <a:cubicBezTo>
+                    <a:pt x="109" y="64"/>
+                    <a:pt x="118" y="61"/>
+                    <a:pt x="128" y="61"/>
+                  </a:cubicBezTo>
+                  <a:cubicBezTo>
+                    <a:pt x="139" y="61"/>
+                    <a:pt x="148" y="64"/>
+                    <a:pt x="155" y="72"/>
+                  </a:cubicBezTo>
+                  <a:cubicBezTo>
+                    <a:pt x="161" y="79"/>
+                    <a:pt x="165" y="89"/>
+                    <a:pt x="165" y="102"/>
+                  </a:cubicBezTo>
+                  <a:lnTo>
+                    <a:pt x="90" y="102"/>
+                  </a:lnTo>
+                  <a:close/>
+                </a:path>
+              </a:pathLst>
+            </a:custGeom>
+            <a:solidFill>
+              <a:schemeClr val="bg1"/>
+            </a:solidFill>
+            <a:ln>
+              <a:noFill/>
+            </a:ln>
+            <a:extLst>
+              <a:ext uri="{91240B29-F687-4F45-9708-019B960494DF}">
+                <a14:hiddenLine xmlns:a14="http://schemas.microsoft.com/office/drawing/2010/main" w="9525">
+                  <a:solidFill>
+                    <a:srgbClr val="000000"/>
+                  </a:solidFill>
+                  <a:round/>
+                  <a:headEnd/>
+                  <a:tailEnd/>
+                </a14:hiddenLine>
+              </a:ext>
+            </a:extLst>
+          </p:spPr>
+          <p:txBody>
+            <a:bodyPr vert="horz" wrap="square" lIns="91440" tIns="45720" rIns="91440" bIns="45720" numCol="1" anchor="t" anchorCtr="0" compatLnSpc="1">
+              <a:prstTxWarp prst="textNoShape">
+                <a:avLst/>
+              </a:prstTxWarp>
+            </a:bodyPr>
+            <a:lstStyle/>
+            <a:p>
+              <a:endParaRPr lang="en-GB" sz="2600">
+                <a:solidFill>
+                  <a:schemeClr val="bg1"/>
+                </a:solidFill>
+              </a:endParaRPr>
+            </a:p>
+          </p:txBody>
+        </p:sp>
+        <p:sp>
+          <p:nvSpPr>
+            <p:cNvPr id="32" name="Freeform 14"/>
+            <p:cNvSpPr>
+              <a:spLocks noEditPoints="1"/>
+            </p:cNvSpPr>
+            <p:nvPr userDrawn="1"/>
+          </p:nvSpPr>
+          <p:spPr bwMode="auto">
+            <a:xfrm>
+              <a:off x="668338" y="479426"/>
+              <a:ext cx="209550" cy="231775"/>
+            </a:xfrm>
+            <a:custGeom>
+              <a:avLst/>
+              <a:gdLst>
+                <a:gd name="T0" fmla="*/ 212 w 243"/>
+                <a:gd name="T1" fmla="*/ 30 h 267"/>
+                <a:gd name="T2" fmla="*/ 124 w 243"/>
+                <a:gd name="T3" fmla="*/ 0 h 267"/>
+                <a:gd name="T4" fmla="*/ 32 w 243"/>
+                <a:gd name="T5" fmla="*/ 35 h 267"/>
+                <a:gd name="T6" fmla="*/ 0 w 243"/>
+                <a:gd name="T7" fmla="*/ 135 h 267"/>
+                <a:gd name="T8" fmla="*/ 35 w 243"/>
+                <a:gd name="T9" fmla="*/ 233 h 267"/>
+                <a:gd name="T10" fmla="*/ 132 w 243"/>
+                <a:gd name="T11" fmla="*/ 267 h 267"/>
+                <a:gd name="T12" fmla="*/ 184 w 243"/>
+                <a:gd name="T13" fmla="*/ 263 h 267"/>
+                <a:gd name="T14" fmla="*/ 227 w 243"/>
+                <a:gd name="T15" fmla="*/ 249 h 267"/>
+                <a:gd name="T16" fmla="*/ 213 w 243"/>
+                <a:gd name="T17" fmla="*/ 190 h 267"/>
+                <a:gd name="T18" fmla="*/ 185 w 243"/>
+                <a:gd name="T19" fmla="*/ 200 h 267"/>
+                <a:gd name="T20" fmla="*/ 143 w 243"/>
+                <a:gd name="T21" fmla="*/ 204 h 267"/>
+                <a:gd name="T22" fmla="*/ 103 w 243"/>
+                <a:gd name="T23" fmla="*/ 192 h 267"/>
+                <a:gd name="T24" fmla="*/ 88 w 243"/>
+                <a:gd name="T25" fmla="*/ 158 h 267"/>
+                <a:gd name="T26" fmla="*/ 243 w 243"/>
+                <a:gd name="T27" fmla="*/ 158 h 267"/>
+                <a:gd name="T28" fmla="*/ 243 w 243"/>
+                <a:gd name="T29" fmla="*/ 118 h 267"/>
+                <a:gd name="T30" fmla="*/ 212 w 243"/>
+                <a:gd name="T31" fmla="*/ 30 h 267"/>
+                <a:gd name="T32" fmla="*/ 89 w 243"/>
+                <a:gd name="T33" fmla="*/ 102 h 267"/>
+                <a:gd name="T34" fmla="*/ 102 w 243"/>
+                <a:gd name="T35" fmla="*/ 70 h 267"/>
+                <a:gd name="T36" fmla="*/ 127 w 243"/>
+                <a:gd name="T37" fmla="*/ 61 h 267"/>
+                <a:gd name="T38" fmla="*/ 154 w 243"/>
+                <a:gd name="T39" fmla="*/ 72 h 267"/>
+                <a:gd name="T40" fmla="*/ 164 w 243"/>
+                <a:gd name="T41" fmla="*/ 102 h 267"/>
+                <a:gd name="T42" fmla="*/ 89 w 243"/>
+                <a:gd name="T43" fmla="*/ 102 h 267"/>
+              </a:gdLst>
+              <a:ahLst/>
+              <a:cxnLst>
+                <a:cxn ang="0">
+                  <a:pos x="T0" y="T1"/>
+                </a:cxn>
+                <a:cxn ang="0">
+                  <a:pos x="T2" y="T3"/>
+                </a:cxn>
+                <a:cxn ang="0">
+                  <a:pos x="T4" y="T5"/>
+                </a:cxn>
+                <a:cxn ang="0">
+                  <a:pos x="T6" y="T7"/>
+                </a:cxn>
+                <a:cxn ang="0">
+                  <a:pos x="T8" y="T9"/>
+                </a:cxn>
+                <a:cxn ang="0">
+                  <a:pos x="T10" y="T11"/>
+                </a:cxn>
+                <a:cxn ang="0">
+                  <a:pos x="T12" y="T13"/>
+                </a:cxn>
+                <a:cxn ang="0">
+                  <a:pos x="T14" y="T15"/>
+                </a:cxn>
+                <a:cxn ang="0">
+                  <a:pos x="T16" y="T17"/>
+                </a:cxn>
+                <a:cxn ang="0">
+                  <a:pos x="T18" y="T19"/>
+                </a:cxn>
+                <a:cxn ang="0">
+                  <a:pos x="T20" y="T21"/>
+                </a:cxn>
+                <a:cxn ang="0">
+                  <a:pos x="T22" y="T23"/>
+                </a:cxn>
+                <a:cxn ang="0">
+                  <a:pos x="T24" y="T25"/>
+                </a:cxn>
+                <a:cxn ang="0">
+                  <a:pos x="T26" y="T27"/>
+                </a:cxn>
+                <a:cxn ang="0">
+                  <a:pos x="T28" y="T29"/>
+                </a:cxn>
+                <a:cxn ang="0">
+                  <a:pos x="T30" y="T31"/>
+                </a:cxn>
+                <a:cxn ang="0">
+                  <a:pos x="T32" y="T33"/>
+                </a:cxn>
+                <a:cxn ang="0">
+                  <a:pos x="T34" y="T35"/>
+                </a:cxn>
+                <a:cxn ang="0">
+                  <a:pos x="T36" y="T37"/>
+                </a:cxn>
+                <a:cxn ang="0">
+                  <a:pos x="T38" y="T39"/>
+                </a:cxn>
+                <a:cxn ang="0">
+                  <a:pos x="T40" y="T41"/>
+                </a:cxn>
+                <a:cxn ang="0">
+                  <a:pos x="T42" y="T43"/>
+                </a:cxn>
+              </a:cxnLst>
+              <a:rect l="0" t="0" r="r" b="b"/>
+              <a:pathLst>
+                <a:path w="243" h="267">
+                  <a:moveTo>
+                    <a:pt x="212" y="30"/>
+                  </a:moveTo>
+                  <a:cubicBezTo>
+                    <a:pt x="191" y="10"/>
+                    <a:pt x="162" y="0"/>
+                    <a:pt x="124" y="0"/>
+                  </a:cubicBezTo>
+                  <a:cubicBezTo>
+                    <a:pt x="84" y="0"/>
+                    <a:pt x="53" y="12"/>
+                    <a:pt x="32" y="35"/>
+                  </a:cubicBezTo>
+                  <a:cubicBezTo>
+                    <a:pt x="10" y="58"/>
+                    <a:pt x="0" y="92"/>
+                    <a:pt x="0" y="135"/>
+                  </a:cubicBezTo>
+                  <a:cubicBezTo>
+                    <a:pt x="0" y="178"/>
+                    <a:pt x="11" y="210"/>
+                    <a:pt x="35" y="233"/>
+                  </a:cubicBezTo>
+                  <a:cubicBezTo>
+                    <a:pt x="58" y="256"/>
+                    <a:pt x="90" y="267"/>
+                    <a:pt x="132" y="267"/>
+                  </a:cubicBezTo>
+                  <a:cubicBezTo>
+                    <a:pt x="153" y="267"/>
+                    <a:pt x="170" y="266"/>
+                    <a:pt x="184" y="263"/>
+                  </a:cubicBezTo>
+                  <a:cubicBezTo>
+                    <a:pt x="199" y="261"/>
+                    <a:pt x="213" y="256"/>
+                    <a:pt x="227" y="249"/>
+                  </a:cubicBezTo>
+                  <a:cubicBezTo>
+                    <a:pt x="213" y="190"/>
+                    <a:pt x="213" y="190"/>
+                    <a:pt x="213" y="190"/>
+                  </a:cubicBezTo>
+                  <a:cubicBezTo>
+                    <a:pt x="203" y="194"/>
+                    <a:pt x="194" y="197"/>
+                    <a:pt x="185" y="200"/>
+                  </a:cubicBezTo>
+                  <a:cubicBezTo>
+                    <a:pt x="172" y="202"/>
+                    <a:pt x="158" y="204"/>
+                    <a:pt x="143" y="204"/>
+                  </a:cubicBezTo>
+                  <a:cubicBezTo>
+                    <a:pt x="126" y="204"/>
+                    <a:pt x="113" y="200"/>
+                    <a:pt x="103" y="192"/>
+                  </a:cubicBezTo>
+                  <a:cubicBezTo>
+                    <a:pt x="93" y="183"/>
+                    <a:pt x="88" y="172"/>
+                    <a:pt x="88" y="158"/>
+                  </a:cubicBezTo>
+                  <a:cubicBezTo>
+                    <a:pt x="243" y="158"/>
+                    <a:pt x="243" y="158"/>
+                    <a:pt x="243" y="158"/>
+                  </a:cubicBezTo>
+                  <a:cubicBezTo>
+                    <a:pt x="243" y="118"/>
+                    <a:pt x="243" y="118"/>
+                    <a:pt x="243" y="118"/>
+                  </a:cubicBezTo>
+                  <a:cubicBezTo>
+                    <a:pt x="243" y="80"/>
+                    <a:pt x="233" y="51"/>
+                    <a:pt x="212" y="30"/>
+                  </a:cubicBezTo>
+                  <a:moveTo>
+                    <a:pt x="89" y="102"/>
+                  </a:moveTo>
+                  <a:cubicBezTo>
+                    <a:pt x="91" y="87"/>
+                    <a:pt x="95" y="77"/>
+                    <a:pt x="102" y="70"/>
+                  </a:cubicBezTo>
+                  <a:cubicBezTo>
+                    <a:pt x="108" y="64"/>
+                    <a:pt x="117" y="61"/>
+                    <a:pt x="127" y="61"/>
+                  </a:cubicBezTo>
+                  <a:cubicBezTo>
+                    <a:pt x="138" y="61"/>
+                    <a:pt x="147" y="64"/>
+                    <a:pt x="154" y="72"/>
+                  </a:cubicBezTo>
+                  <a:cubicBezTo>
+                    <a:pt x="160" y="79"/>
+                    <a:pt x="164" y="89"/>
+                    <a:pt x="164" y="102"/>
+                  </a:cubicBezTo>
+                  <a:lnTo>
+                    <a:pt x="89" y="102"/>
+                  </a:lnTo>
+                  <a:close/>
+                </a:path>
+              </a:pathLst>
+            </a:custGeom>
+            <a:solidFill>
+              <a:schemeClr val="bg1"/>
+            </a:solidFill>
+            <a:ln>
+              <a:noFill/>
+            </a:ln>
+            <a:extLst>
+              <a:ext uri="{91240B29-F687-4F45-9708-019B960494DF}">
+                <a14:hiddenLine xmlns:a14="http://schemas.microsoft.com/office/drawing/2010/main" w="9525">
+                  <a:solidFill>
+                    <a:srgbClr val="000000"/>
+                  </a:solidFill>
+                  <a:round/>
+                  <a:headEnd/>
+                  <a:tailEnd/>
+                </a14:hiddenLine>
+              </a:ext>
+            </a:extLst>
+          </p:spPr>
+          <p:txBody>
+            <a:bodyPr vert="horz" wrap="square" lIns="91440" tIns="45720" rIns="91440" bIns="45720" numCol="1" anchor="t" anchorCtr="0" compatLnSpc="1">
+              <a:prstTxWarp prst="textNoShape">
+                <a:avLst/>
+              </a:prstTxWarp>
+            </a:bodyPr>
+            <a:lstStyle/>
+            <a:p>
+              <a:endParaRPr lang="en-GB" sz="2600">
+                <a:solidFill>
+                  <a:schemeClr val="bg1"/>
+                </a:solidFill>
+              </a:endParaRPr>
+            </a:p>
+          </p:txBody>
+        </p:sp>
+      </p:grpSp>
+      <p:sp>
+        <p:nvSpPr>
+          <p:cNvPr id="33" name="Picture Placeholder 8"/>
+          <p:cNvSpPr>
+            <a:spLocks noGrp="1"/>
+          </p:cNvSpPr>
+          <p:nvPr>
+            <p:ph type="pic" sz="quarter" idx="11"/>
+          </p:nvPr>
+        </p:nvSpPr>
+        <p:spPr>
+          <a:xfrm>
+            <a:off x="3393716" y="727595"/>
+            <a:ext cx="5400000" cy="5400000"/>
+          </a:xfrm>
+          <a:prstGeom prst="rect">
+            <a:avLst/>
+          </a:prstGeom>
+        </p:spPr>
+        <p:txBody>
+          <a:bodyPr/>
+          <a:lstStyle/>
+          <a:p>
+            <a:r>
+              <a:rPr lang="en-US" noProof="0"/>
+              <a:t>Click icon to add picture</a:t>
+            </a:r>
+          </a:p>
+        </p:txBody>
+      </p:sp>
+    </p:spTree>
+    <p:extLst>
+      <p:ext uri="{BB962C8B-B14F-4D97-AF65-F5344CB8AC3E}">
+        <p14:creationId xmlns:p14="http://schemas.microsoft.com/office/powerpoint/2010/main" val="1113065144"/>
+      </p:ext>
+    </p:extLst>
+  </p:cSld>
+  <p:clrMapOvr>
+    <a:overrideClrMapping bg1="lt1" tx1="dk1" bg2="lt2" tx2="dk2" accent1="accent1" accent2="accent2" accent3="accent3" accent4="accent4" accent5="accent5" accent6="accent6" hlink="hlink" folHlink="folHlink"/>
+  </p:clrMapOvr>
+  <p:transition>
+    <p:fade/>
+  </p:transition>
+  <p:extLst>
+    <p:ext uri="{DCECCB84-F9BA-43D5-87BE-67443E8EF086}">
+      <p15:sldGuideLst xmlns:p15="http://schemas.microsoft.com/office/powerpoint/2012/main">
+        <p15:guide id="1" orient="horz" pos="4088">
+          <p15:clr>
+            <a:srgbClr val="FBAE40"/>
+          </p15:clr>
+        </p15:guide>
+      </p15:sldGuideLst>
+    </p:ext>
+  </p:extLst>
+</p:sldLayout>
+</file>
+
+<file path=ppt/slideLayouts/slideLayout43.xml><?xml version="1.0" encoding="utf-8"?>
+<p:sldLayout xmlns:a="http://schemas.openxmlformats.org/drawingml/2006/main" xmlns:r="http://schemas.openxmlformats.org/officeDocument/2006/relationships" xmlns:p="http://schemas.openxmlformats.org/presentationml/2006/main" userDrawn="1">
+  <p:cSld name="1_Contents with image">
+    <p:spTree>
+      <p:nvGrpSpPr>
+        <p:cNvPr id="1" name=""/>
+        <p:cNvGrpSpPr/>
+        <p:nvPr/>
+      </p:nvGrpSpPr>
+      <p:grpSpPr>
+        <a:xfrm>
+          <a:off x="0" y="0"/>
+          <a:ext cx="0" cy="0"/>
+          <a:chOff x="0" y="0"/>
+          <a:chExt cx="0" cy="0"/>
+        </a:xfrm>
+      </p:grpSpPr>
+      <p:sp>
+        <p:nvSpPr>
+          <p:cNvPr id="5" name="Picture Placeholder 9"/>
+          <p:cNvSpPr>
+            <a:spLocks noGrp="1"/>
+          </p:cNvSpPr>
+          <p:nvPr>
+            <p:ph type="pic" sz="quarter" idx="15"/>
+          </p:nvPr>
+        </p:nvSpPr>
+        <p:spPr>
+          <a:xfrm>
+            <a:off x="5604867" y="1700213"/>
+            <a:ext cx="6117233" cy="4598988"/>
+          </a:xfrm>
+        </p:spPr>
+        <p:txBody>
+          <a:bodyPr/>
+          <a:lstStyle/>
+          <a:p>
+            <a:r>
+              <a:rPr lang="en-US" noProof="0"/>
+              <a:t>Click icon to add picture</a:t>
+            </a:r>
+          </a:p>
+        </p:txBody>
+      </p:sp>
+      <p:sp>
+        <p:nvSpPr>
+          <p:cNvPr id="6" name="Content Placeholder 3"/>
+          <p:cNvSpPr>
+            <a:spLocks noGrp="1"/>
+          </p:cNvSpPr>
+          <p:nvPr>
+            <p:ph sz="quarter" idx="10"/>
+          </p:nvPr>
+        </p:nvSpPr>
+        <p:spPr>
+          <a:xfrm>
+            <a:off x="469900" y="1665290"/>
+            <a:ext cx="4333663" cy="4633911"/>
+          </a:xfrm>
+          <a:prstGeom prst="rect">
+            <a:avLst/>
+          </a:prstGeom>
+        </p:spPr>
+        <p:txBody>
+          <a:bodyPr/>
+          <a:lstStyle>
+            <a:lvl1pPr>
+              <a:tabLst>
+                <a:tab pos="6705432" algn="r"/>
+              </a:tabLst>
+              <a:defRPr/>
+            </a:lvl1pPr>
+            <a:lvl2pPr>
+              <a:tabLst>
+                <a:tab pos="6705432" algn="r"/>
+              </a:tabLst>
+              <a:defRPr/>
+            </a:lvl2pPr>
+            <a:lvl3pPr>
+              <a:tabLst>
+                <a:tab pos="6705432" algn="r"/>
+              </a:tabLst>
+              <a:defRPr/>
+            </a:lvl3pPr>
+            <a:lvl4pPr>
+              <a:tabLst>
+                <a:tab pos="6705432" algn="r"/>
+              </a:tabLst>
+              <a:defRPr/>
+            </a:lvl4pPr>
+            <a:lvl5pPr>
+              <a:tabLst>
+                <a:tab pos="6705432" algn="r"/>
+              </a:tabLst>
+              <a:defRPr baseline="0"/>
+            </a:lvl5pPr>
+          </a:lstStyle>
+          <a:p>
+            <a:pPr lvl="0"/>
+            <a:r>
+              <a:rPr lang="en-US" noProof="0"/>
+              <a:t>Edit Master text styles</a:t>
+            </a:r>
+          </a:p>
+          <a:p>
+            <a:pPr lvl="1"/>
+            <a:r>
+              <a:rPr lang="en-US" noProof="0"/>
+              <a:t>Second level</a:t>
+            </a:r>
+          </a:p>
+          <a:p>
+            <a:pPr lvl="2"/>
+            <a:r>
+              <a:rPr lang="en-US" noProof="0"/>
+              <a:t>Third level</a:t>
+            </a:r>
+          </a:p>
+          <a:p>
+            <a:pPr lvl="3"/>
+            <a:r>
+              <a:rPr lang="en-US" noProof="0"/>
+              <a:t>Fourth level</a:t>
+            </a:r>
+          </a:p>
+          <a:p>
+            <a:pPr lvl="4"/>
+            <a:r>
+              <a:rPr lang="en-US" noProof="0"/>
+              <a:t>Fifth level</a:t>
+            </a:r>
+          </a:p>
+        </p:txBody>
+      </p:sp>
+      <p:sp>
+        <p:nvSpPr>
+          <p:cNvPr id="8" name="Text Placeholder 8"/>
+          <p:cNvSpPr>
+            <a:spLocks noGrp="1"/>
+          </p:cNvSpPr>
+          <p:nvPr>
+            <p:ph type="body" sz="quarter" idx="13" hasCustomPrompt="1"/>
+          </p:nvPr>
+        </p:nvSpPr>
+        <p:spPr>
+          <a:xfrm>
+            <a:off x="469900" y="736688"/>
+            <a:ext cx="11252200" cy="757255"/>
+          </a:xfrm>
+          <a:prstGeom prst="rect">
+            <a:avLst/>
+          </a:prstGeom>
+        </p:spPr>
+        <p:txBody>
+          <a:bodyPr lIns="0" tIns="0" rIns="0" bIns="0">
+            <a:noAutofit/>
+          </a:bodyPr>
+          <a:lstStyle>
+            <a:lvl1pPr marL="0" indent="0">
+              <a:buNone/>
+              <a:defRPr sz="1800" b="0">
+                <a:solidFill>
+                  <a:srgbClr val="575757"/>
+                </a:solidFill>
+              </a:defRPr>
+            </a:lvl1pPr>
+          </a:lstStyle>
+          <a:p>
+            <a:pPr lvl="0"/>
+            <a:r>
+              <a:rPr lang="en-US" noProof="0"/>
+              <a:t>Click to add subtitle</a:t>
+            </a:r>
+          </a:p>
+        </p:txBody>
+      </p:sp>
+      <p:sp>
+        <p:nvSpPr>
+          <p:cNvPr id="9" name="Title Placeholder 1"/>
+          <p:cNvSpPr>
+            <a:spLocks noGrp="1"/>
+          </p:cNvSpPr>
+          <p:nvPr>
+            <p:ph type="title"/>
+          </p:nvPr>
+        </p:nvSpPr>
+        <p:spPr>
+          <a:xfrm>
+            <a:off x="469900" y="402587"/>
+            <a:ext cx="11252200" cy="334102"/>
+          </a:xfrm>
+          <a:prstGeom prst="rect">
+            <a:avLst/>
+          </a:prstGeom>
+        </p:spPr>
+        <p:txBody>
+          <a:bodyPr vert="horz" lIns="0" tIns="0" rIns="0" bIns="0" rtlCol="0" anchor="t" anchorCtr="0">
+            <a:noAutofit/>
+          </a:bodyPr>
+          <a:lstStyle>
+            <a:lvl1pPr>
+              <a:defRPr sz="2000"/>
+            </a:lvl1pPr>
+          </a:lstStyle>
+          <a:p>
+            <a:r>
+              <a:rPr lang="en-US" noProof="0"/>
+              <a:t>Click to edit Master title style</a:t>
+            </a:r>
+          </a:p>
+        </p:txBody>
+      </p:sp>
+    </p:spTree>
+    <p:extLst>
+      <p:ext uri="{BB962C8B-B14F-4D97-AF65-F5344CB8AC3E}">
+        <p14:creationId xmlns:p14="http://schemas.microsoft.com/office/powerpoint/2010/main" val="2162756229"/>
+      </p:ext>
+    </p:extLst>
+  </p:cSld>
+  <p:clrMapOvr>
+    <a:masterClrMapping/>
+  </p:clrMapOvr>
+  <p:transition>
+    <p:fade/>
+  </p:transition>
+</p:sldLayout>
+</file>
+
 <file path=ppt/slideLayouts/slideLayout5.xml><?xml version="1.0" encoding="utf-8"?>
 <p:sldLayout xmlns:a="http://schemas.openxmlformats.org/drawingml/2006/main" xmlns:r="http://schemas.openxmlformats.org/officeDocument/2006/relationships" xmlns:p="http://schemas.openxmlformats.org/presentationml/2006/main" showMasterSp="0" preserve="1" userDrawn="1">
   <p:cSld name="Divider - Deloitte green">
@@ -23055,7 +28542,7 @@
           </p:cNvGraphicFramePr>
           <p:nvPr>
             <p:custDataLst>
-              <p:tags r:id="rId44"/>
+              <p:tags r:id="rId46"/>
             </p:custDataLst>
             <p:extLst>
               <p:ext uri="{D42A27DB-BD31-4B8C-83A1-F6EECF244321}">
@@ -23072,12 +28559,12 @@
           <a:graphicData uri="http://schemas.openxmlformats.org/presentationml/2006/ole">
             <mc:AlternateContent xmlns:mc="http://schemas.openxmlformats.org/markup-compatibility/2006">
               <mc:Choice xmlns:v="urn:schemas-microsoft-com:vml" Requires="v">
-                <p:oleObj spid="_x0000_s1077" name="think-cell Slide" r:id="rId45" imgW="270" imgH="270" progId="TCLayout.ActiveDocument.1">
+                <p:oleObj spid="_x0000_s1094" name="think-cell Slide" r:id="rId47" imgW="270" imgH="270" progId="TCLayout.ActiveDocument.1">
                   <p:embed/>
                 </p:oleObj>
               </mc:Choice>
               <mc:Fallback>
-                <p:oleObj name="think-cell Slide" r:id="rId45" imgW="270" imgH="270" progId="TCLayout.ActiveDocument.1">
+                <p:oleObj name="think-cell Slide" r:id="rId47" imgW="270" imgH="270" progId="TCLayout.ActiveDocument.1">
                   <p:embed/>
                   <p:pic>
                     <p:nvPicPr>
@@ -23086,7 +28573,7 @@
                       <p:nvPr/>
                     </p:nvPicPr>
                     <p:blipFill>
-                      <a:blip r:embed="rId46"/>
+                      <a:blip r:embed="rId48"/>
                       <a:stretch>
                         <a:fillRect/>
                       </a:stretch>
@@ -23387,6 +28874,8 @@
     <p:sldLayoutId id="2147483797" r:id="rId39"/>
     <p:sldLayoutId id="2147483798" r:id="rId40"/>
     <p:sldLayoutId id="2147483799" r:id="rId41"/>
+    <p:sldLayoutId id="2147483842" r:id="rId42"/>
+    <p:sldLayoutId id="2147483843" r:id="rId43"/>
   </p:sldLayoutIdLst>
   <p:transition>
     <p:fade/>
@@ -24298,12 +29787,7 @@
             <p:ph type="body" sz="quarter" idx="13"/>
           </p:nvPr>
         </p:nvSpPr>
-        <p:spPr>
-          <a:xfrm>
-            <a:off x="469900" y="736688"/>
-            <a:ext cx="11252200" cy="757255"/>
-          </a:xfrm>
-        </p:spPr>
+        <p:spPr/>
         <p:txBody>
           <a:bodyPr/>
           <a:lstStyle/>
@@ -24804,7 +30288,7 @@
             </a:ln>
             <a:extLst>
               <a:ext uri="{91240B29-F687-4f45-9708-019B960494DF}">
-                <a14:hiddenLine xmlns:a14="http://schemas.microsoft.com/office/drawing/2010/main" xmlns="" w="9525">
+                <a14:hiddenLine xmlns="" xmlns:a14="http://schemas.microsoft.com/office/drawing/2010/main" w="9525">
                   <a:solidFill>
                     <a:srgbClr val="000000"/>
                   </a:solidFill>
@@ -25259,7 +30743,7 @@
             </a:ln>
             <a:extLst>
               <a:ext uri="{91240B29-F687-4f45-9708-019B960494DF}">
-                <a14:hiddenLine xmlns:a14="http://schemas.microsoft.com/office/drawing/2010/main" xmlns="" w="9525">
+                <a14:hiddenLine xmlns="" xmlns:a14="http://schemas.microsoft.com/office/drawing/2010/main" w="9525">
                   <a:solidFill>
                     <a:srgbClr val="000000"/>
                   </a:solidFill>
@@ -26384,7 +31868,7 @@
             </a:ln>
             <a:extLst>
               <a:ext uri="{91240B29-F687-4f45-9708-019B960494DF}">
-                <a14:hiddenLine xmlns:a14="http://schemas.microsoft.com/office/drawing/2010/main" xmlns="" w="9525">
+                <a14:hiddenLine xmlns="" xmlns:a14="http://schemas.microsoft.com/office/drawing/2010/main" w="9525">
                   <a:solidFill>
                     <a:srgbClr val="000000"/>
                   </a:solidFill>
@@ -26655,7 +32139,7 @@
             </a:ln>
             <a:extLst>
               <a:ext uri="{91240B29-F687-4f45-9708-019B960494DF}">
-                <a14:hiddenLine xmlns:a14="http://schemas.microsoft.com/office/drawing/2010/main" xmlns="" w="9525">
+                <a14:hiddenLine xmlns="" xmlns:a14="http://schemas.microsoft.com/office/drawing/2010/main" w="9525">
                   <a:solidFill>
                     <a:srgbClr val="000000"/>
                   </a:solidFill>
@@ -26751,7 +32235,7 @@
             </a:ln>
             <a:extLst>
               <a:ext uri="{91240B29-F687-4f45-9708-019B960494DF}">
-                <a14:hiddenLine xmlns:a14="http://schemas.microsoft.com/office/drawing/2010/main" xmlns="" w="9525">
+                <a14:hiddenLine xmlns="" xmlns:a14="http://schemas.microsoft.com/office/drawing/2010/main" w="9525">
                   <a:solidFill>
                     <a:srgbClr val="000000"/>
                   </a:solidFill>
@@ -27366,7 +32850,7 @@
                 <a:ea typeface="Open Sans" panose="020B0606030504020204" pitchFamily="34" charset="0"/>
                 <a:cs typeface="Open Sans" panose="020B0606030504020204" pitchFamily="34" charset="0"/>
               </a:rPr>
-              <a:t>We rely on Google for most of our questions. The search engine has a ~92 market share and receives around 40K search queries every second.</a:t>
+              <a:t>We rely on Google for most of our questions. This search engine has a ~92 market share and receives around 40K search queries every second.</a:t>
             </a:r>
           </a:p>
           <a:p>
@@ -27384,7 +32868,7 @@
                 <a:ea typeface="Open Sans" panose="020B0606030504020204" pitchFamily="34" charset="0"/>
                 <a:cs typeface="Open Sans" panose="020B0606030504020204" pitchFamily="34" charset="0"/>
               </a:rPr>
-              <a:t>Reason: Google does a really good job at retrieving the most relevant document to our question or sometimes populates the answer directly.</a:t>
+              <a:t>Google does a really good job at retrieving the most relevant document to our question or sometimes populates the answer directly.</a:t>
             </a:r>
           </a:p>
           <a:p>
@@ -28118,744 +33602,6 @@
       </p:grpSpPr>
       <p:sp>
         <p:nvSpPr>
-          <p:cNvPr id="5" name="Text Placeholder 4">
-            <a:extLst>
-              <a:ext uri="{FF2B5EF4-FFF2-40B4-BE49-F238E27FC236}">
-                <a16:creationId xmlns:a16="http://schemas.microsoft.com/office/drawing/2014/main" id="{D387E07A-54FD-4A65-B941-7AABE0F6984B}"/>
-              </a:ext>
-            </a:extLst>
-          </p:cNvPr>
-          <p:cNvSpPr>
-            <a:spLocks noGrp="1"/>
-          </p:cNvSpPr>
-          <p:nvPr>
-            <p:ph type="body" sz="quarter" idx="13"/>
-          </p:nvPr>
-        </p:nvSpPr>
-        <p:spPr/>
-        <p:txBody>
-          <a:bodyPr/>
-          <a:lstStyle/>
-          <a:p>
-            <a:r>
-              <a:rPr lang="en-US" i="1" dirty="0">
-                <a:latin typeface="Open Sans" panose="020B0606030504020204" pitchFamily="34" charset="0"/>
-                <a:ea typeface="Open Sans" panose="020B0606030504020204" pitchFamily="34" charset="0"/>
-                <a:cs typeface="Open Sans" panose="020B0606030504020204" pitchFamily="34" charset="0"/>
-              </a:rPr>
-              <a:t>A web app that allows the user to ask questions on any web page. Given a URL, the model returns an answer based on the text contents of the web page.</a:t>
-            </a:r>
-          </a:p>
-        </p:txBody>
-      </p:sp>
-      <p:sp>
-        <p:nvSpPr>
-          <p:cNvPr id="2" name="Title 1"/>
-          <p:cNvSpPr>
-            <a:spLocks noGrp="1"/>
-          </p:cNvSpPr>
-          <p:nvPr>
-            <p:ph type="title"/>
-          </p:nvPr>
-        </p:nvSpPr>
-        <p:spPr>
-          <a:xfrm>
-            <a:off x="460747" y="375028"/>
-            <a:ext cx="11252200" cy="334102"/>
-          </a:xfrm>
-        </p:spPr>
-        <p:txBody>
-          <a:bodyPr/>
-          <a:lstStyle/>
-          <a:p>
-            <a:r>
-              <a:rPr lang="en-US" dirty="0"/>
-              <a:t>Question Answering on Web Pages</a:t>
-            </a:r>
-            <a:endParaRPr lang="en-US" sz="2000" dirty="0"/>
-          </a:p>
-        </p:txBody>
-      </p:sp>
-      <p:sp>
-        <p:nvSpPr>
-          <p:cNvPr id="12" name="TextBox 11">
-            <a:extLst>
-              <a:ext uri="{FF2B5EF4-FFF2-40B4-BE49-F238E27FC236}">
-                <a16:creationId xmlns:a16="http://schemas.microsoft.com/office/drawing/2014/main" id="{A8CA8F03-4D96-41A2-8C57-313DBF8A6D04}"/>
-              </a:ext>
-            </a:extLst>
-          </p:cNvPr>
-          <p:cNvSpPr txBox="1"/>
-          <p:nvPr/>
-        </p:nvSpPr>
-        <p:spPr>
-          <a:xfrm>
-            <a:off x="460747" y="1870252"/>
-            <a:ext cx="4341320" cy="1750351"/>
-          </a:xfrm>
-          <a:prstGeom prst="rect">
-            <a:avLst/>
-          </a:prstGeom>
-          <a:noFill/>
-        </p:spPr>
-        <p:txBody>
-          <a:bodyPr vert="horz" wrap="square" lIns="0" tIns="0" rIns="0" bIns="0" rtlCol="0">
-            <a:spAutoFit/>
-          </a:bodyPr>
-          <a:lstStyle/>
-          <a:p>
-            <a:pPr lvl="0" defTabSz="914400">
-              <a:lnSpc>
-                <a:spcPct val="150000"/>
-              </a:lnSpc>
-              <a:defRPr/>
-            </a:pPr>
-            <a:r>
-              <a:rPr lang="en-US" sz="1100" dirty="0">
-                <a:latin typeface="Open Sans" panose="020B0606030504020204" pitchFamily="34" charset="0"/>
-                <a:ea typeface="Open Sans" panose="020B0606030504020204" pitchFamily="34" charset="0"/>
-                <a:cs typeface="Open Sans" panose="020B0606030504020204" pitchFamily="34" charset="0"/>
-              </a:rPr>
-              <a:t>We usually use Google to search for any question we have on our mind. Google retrieves the document most relevant to our question or sometimes populates the answer directly. However, there is no easy way to ask natural language questions on specific content such as a new article, blog post or a legal document. The in-built Search feature (</a:t>
-            </a:r>
-            <a:r>
-              <a:rPr lang="en-US" sz="1100" dirty="0" err="1">
-                <a:latin typeface="Open Sans" panose="020B0606030504020204" pitchFamily="34" charset="0"/>
-                <a:ea typeface="Open Sans" panose="020B0606030504020204" pitchFamily="34" charset="0"/>
-                <a:cs typeface="Open Sans" panose="020B0606030504020204" pitchFamily="34" charset="0"/>
-              </a:rPr>
-              <a:t>Ctrl+F</a:t>
-            </a:r>
-            <a:r>
-              <a:rPr lang="en-US" sz="1100" dirty="0">
-                <a:latin typeface="Open Sans" panose="020B0606030504020204" pitchFamily="34" charset="0"/>
-                <a:ea typeface="Open Sans" panose="020B0606030504020204" pitchFamily="34" charset="0"/>
-                <a:cs typeface="Open Sans" panose="020B0606030504020204" pitchFamily="34" charset="0"/>
-              </a:rPr>
-              <a:t>) relies on direct word matching and does not really take any effort on understanding our question.</a:t>
-            </a:r>
-          </a:p>
-        </p:txBody>
-      </p:sp>
-      <p:sp>
-        <p:nvSpPr>
-          <p:cNvPr id="13" name="TextBox 12">
-            <a:extLst>
-              <a:ext uri="{FF2B5EF4-FFF2-40B4-BE49-F238E27FC236}">
-                <a16:creationId xmlns:a16="http://schemas.microsoft.com/office/drawing/2014/main" id="{5D539D37-7AF1-4A99-ACA9-1BCE71292CB2}"/>
-              </a:ext>
-            </a:extLst>
-          </p:cNvPr>
-          <p:cNvSpPr txBox="1"/>
-          <p:nvPr/>
-        </p:nvSpPr>
-        <p:spPr>
-          <a:xfrm>
-            <a:off x="460747" y="1558987"/>
-            <a:ext cx="2926080" cy="246221"/>
-          </a:xfrm>
-          <a:prstGeom prst="rect">
-            <a:avLst/>
-          </a:prstGeom>
-          <a:noFill/>
-        </p:spPr>
-        <p:txBody>
-          <a:bodyPr vert="horz" wrap="square" lIns="0" tIns="0" rIns="0" bIns="0" rtlCol="0">
-            <a:spAutoFit/>
-          </a:bodyPr>
-          <a:lstStyle/>
-          <a:p>
-            <a:pPr marL="0" marR="0" lvl="0" indent="0" algn="l" defTabSz="914400" rtl="0" eaLnBrk="1" fontAlgn="auto" latinLnBrk="0" hangingPunct="1">
-              <a:lnSpc>
-                <a:spcPct val="100000"/>
-              </a:lnSpc>
-              <a:spcBef>
-                <a:spcPts val="200"/>
-              </a:spcBef>
-              <a:spcAft>
-                <a:spcPts val="0"/>
-              </a:spcAft>
-              <a:buClrTx/>
-              <a:buSzPct val="100000"/>
-              <a:buFontTx/>
-              <a:buNone/>
-              <a:tabLst/>
-              <a:defRPr/>
-            </a:pPr>
-            <a:r>
-              <a:rPr kumimoji="0" lang="en-US" sz="1600" b="0" i="0" u="none" strike="noStrike" kern="1200" cap="none" spc="0" normalizeH="0" baseline="0" noProof="0" dirty="0">
-                <a:ln>
-                  <a:noFill/>
-                </a:ln>
-                <a:solidFill>
-                  <a:srgbClr val="86BC25"/>
-                </a:solidFill>
-                <a:effectLst/>
-                <a:uLnTx/>
-                <a:uFillTx/>
-                <a:latin typeface="Open Sans" panose="020B0606030504020204" pitchFamily="34" charset="0"/>
-                <a:ea typeface="Open Sans" panose="020B0606030504020204" pitchFamily="34" charset="0"/>
-                <a:cs typeface="Open Sans" panose="020B0606030504020204" pitchFamily="34" charset="0"/>
-              </a:rPr>
-              <a:t>ISSUE</a:t>
-            </a:r>
-          </a:p>
-        </p:txBody>
-      </p:sp>
-      <p:sp>
-        <p:nvSpPr>
-          <p:cNvPr id="14" name="TextBox 13">
-            <a:extLst>
-              <a:ext uri="{FF2B5EF4-FFF2-40B4-BE49-F238E27FC236}">
-                <a16:creationId xmlns:a16="http://schemas.microsoft.com/office/drawing/2014/main" id="{E92FD343-6FD5-49AA-80AF-C8D5BA3DB80E}"/>
-              </a:ext>
-            </a:extLst>
-          </p:cNvPr>
-          <p:cNvSpPr txBox="1"/>
-          <p:nvPr/>
-        </p:nvSpPr>
-        <p:spPr>
-          <a:xfrm>
-            <a:off x="488805" y="4315400"/>
-            <a:ext cx="4313262" cy="1496435"/>
-          </a:xfrm>
-          <a:prstGeom prst="rect">
-            <a:avLst/>
-          </a:prstGeom>
-          <a:noFill/>
-        </p:spPr>
-        <p:txBody>
-          <a:bodyPr vert="horz" wrap="square" lIns="0" tIns="0" rIns="0" bIns="0" rtlCol="0">
-            <a:spAutoFit/>
-          </a:bodyPr>
-          <a:lstStyle/>
-          <a:p>
-            <a:pPr defTabSz="914400">
-              <a:lnSpc>
-                <a:spcPct val="150000"/>
-              </a:lnSpc>
-              <a:spcBef>
-                <a:spcPts val="200"/>
-              </a:spcBef>
-              <a:buSzPct val="100000"/>
-              <a:defRPr/>
-            </a:pPr>
-            <a:r>
-              <a:rPr lang="en-US" sz="1100" dirty="0">
-                <a:latin typeface="Open Sans" panose="020B0606030504020204" pitchFamily="34" charset="0"/>
-                <a:ea typeface="Open Sans" panose="020B0606030504020204" pitchFamily="34" charset="0"/>
-                <a:cs typeface="Open Sans" panose="020B0606030504020204" pitchFamily="34" charset="0"/>
-              </a:rPr>
-              <a:t>In our fast paced world, having a tool (a Chrome extension or web app) that “understands” our question and the document’s text on a semantic level and then returns the exact answer, would save a lot of time and efforts in reading long text articles. This also provides a much more efficient replacement for the direct word matching search which we have to resort to, on long web articles.</a:t>
-            </a:r>
-            <a:endParaRPr kumimoji="0" lang="en-US" sz="1100" b="0" i="0" u="none" strike="noStrike" kern="1200" cap="none" spc="0" normalizeH="0" baseline="0" noProof="0" dirty="0">
-              <a:ln>
-                <a:noFill/>
-              </a:ln>
-              <a:solidFill>
-                <a:prstClr val="black"/>
-              </a:solidFill>
-              <a:effectLst/>
-              <a:uLnTx/>
-              <a:uFillTx/>
-              <a:latin typeface="Open Sans" panose="020B0606030504020204" pitchFamily="34" charset="0"/>
-              <a:ea typeface="Open Sans" panose="020B0606030504020204" pitchFamily="34" charset="0"/>
-              <a:cs typeface="Open Sans" panose="020B0606030504020204" pitchFamily="34" charset="0"/>
-            </a:endParaRPr>
-          </a:p>
-        </p:txBody>
-      </p:sp>
-      <p:sp>
-        <p:nvSpPr>
-          <p:cNvPr id="15" name="TextBox 14">
-            <a:extLst>
-              <a:ext uri="{FF2B5EF4-FFF2-40B4-BE49-F238E27FC236}">
-                <a16:creationId xmlns:a16="http://schemas.microsoft.com/office/drawing/2014/main" id="{74E29C59-37AD-4017-82A8-CD1D6906EEE1}"/>
-              </a:ext>
-            </a:extLst>
-          </p:cNvPr>
-          <p:cNvSpPr txBox="1"/>
-          <p:nvPr/>
-        </p:nvSpPr>
-        <p:spPr>
-          <a:xfrm>
-            <a:off x="469900" y="4054180"/>
-            <a:ext cx="2926080" cy="246221"/>
-          </a:xfrm>
-          <a:prstGeom prst="rect">
-            <a:avLst/>
-          </a:prstGeom>
-          <a:noFill/>
-        </p:spPr>
-        <p:txBody>
-          <a:bodyPr vert="horz" wrap="square" lIns="0" tIns="0" rIns="0" bIns="0" rtlCol="0">
-            <a:spAutoFit/>
-          </a:bodyPr>
-          <a:lstStyle/>
-          <a:p>
-            <a:pPr marL="0" marR="0" lvl="0" indent="0" algn="l" defTabSz="914400" rtl="0" eaLnBrk="1" fontAlgn="auto" latinLnBrk="0" hangingPunct="1">
-              <a:lnSpc>
-                <a:spcPct val="100000"/>
-              </a:lnSpc>
-              <a:spcBef>
-                <a:spcPts val="200"/>
-              </a:spcBef>
-              <a:spcAft>
-                <a:spcPts val="0"/>
-              </a:spcAft>
-              <a:buClrTx/>
-              <a:buSzPct val="100000"/>
-              <a:buFontTx/>
-              <a:buNone/>
-              <a:tabLst/>
-              <a:defRPr/>
-            </a:pPr>
-            <a:r>
-              <a:rPr kumimoji="0" lang="en-US" sz="1600" b="0" i="0" u="none" strike="noStrike" kern="1200" cap="none" spc="0" normalizeH="0" baseline="0" noProof="0" dirty="0">
-                <a:ln>
-                  <a:noFill/>
-                </a:ln>
-                <a:solidFill>
-                  <a:srgbClr val="86BC25"/>
-                </a:solidFill>
-                <a:effectLst/>
-                <a:uLnTx/>
-                <a:uFillTx/>
-                <a:latin typeface="Open Sans" panose="020B0606030504020204" pitchFamily="34" charset="0"/>
-                <a:ea typeface="Open Sans" panose="020B0606030504020204" pitchFamily="34" charset="0"/>
-                <a:cs typeface="Open Sans" panose="020B0606030504020204" pitchFamily="34" charset="0"/>
-              </a:rPr>
-              <a:t>IMPACT</a:t>
-            </a:r>
-          </a:p>
-        </p:txBody>
-      </p:sp>
-      <p:sp>
-        <p:nvSpPr>
-          <p:cNvPr id="37" name="TextBox 36">
-            <a:extLst>
-              <a:ext uri="{FF2B5EF4-FFF2-40B4-BE49-F238E27FC236}">
-                <a16:creationId xmlns:a16="http://schemas.microsoft.com/office/drawing/2014/main" id="{FE612EE9-21ED-4640-B872-61C8C5D1339C}"/>
-              </a:ext>
-            </a:extLst>
-          </p:cNvPr>
-          <p:cNvSpPr txBox="1"/>
-          <p:nvPr/>
-        </p:nvSpPr>
-        <p:spPr>
-          <a:xfrm>
-            <a:off x="11414125" y="6476999"/>
-            <a:ext cx="307975" cy="138499"/>
-          </a:xfrm>
-          <a:prstGeom prst="rect">
-            <a:avLst/>
-          </a:prstGeom>
-          <a:noFill/>
-        </p:spPr>
-        <p:txBody>
-          <a:bodyPr wrap="square" lIns="0" tIns="0" rIns="0" bIns="0" rtlCol="0">
-            <a:spAutoFit/>
-          </a:bodyPr>
-          <a:lstStyle/>
-          <a:p>
-            <a:pPr algn="r">
-              <a:spcBef>
-                <a:spcPts val="800"/>
-              </a:spcBef>
-              <a:buSzPct val="100000"/>
-              <a:buFont typeface="Arial"/>
-              <a:buNone/>
-            </a:pPr>
-            <a:fld id="{C58DF478-B544-4ED8-9ED4-6A2648E2D233}" type="slidenum">
-              <a:rPr lang="en-US" sz="900" smtClean="0">
-                <a:solidFill>
-                  <a:srgbClr val="75787B"/>
-                </a:solidFill>
-              </a:rPr>
-              <a:pPr algn="r">
-                <a:spcBef>
-                  <a:spcPts val="800"/>
-                </a:spcBef>
-                <a:buSzPct val="100000"/>
-                <a:buFont typeface="Arial"/>
-                <a:buNone/>
-              </a:pPr>
-              <a:t>5</a:t>
-            </a:fld>
-            <a:endParaRPr lang="en-US" sz="900" dirty="0">
-              <a:solidFill>
-                <a:srgbClr val="75787B"/>
-              </a:solidFill>
-            </a:endParaRPr>
-          </a:p>
-        </p:txBody>
-      </p:sp>
-      <p:pic>
-        <p:nvPicPr>
-          <p:cNvPr id="4" name="Picture 3">
-            <a:extLst>
-              <a:ext uri="{FF2B5EF4-FFF2-40B4-BE49-F238E27FC236}">
-                <a16:creationId xmlns:a16="http://schemas.microsoft.com/office/drawing/2014/main" id="{126C9D45-222C-46F5-A753-D89137C56FBF}"/>
-              </a:ext>
-            </a:extLst>
-          </p:cNvPr>
-          <p:cNvPicPr>
-            <a:picLocks noChangeAspect="1"/>
-          </p:cNvPicPr>
-          <p:nvPr/>
-        </p:nvPicPr>
-        <p:blipFill>
-          <a:blip r:embed="rId3"/>
-          <a:stretch>
-            <a:fillRect/>
-          </a:stretch>
-        </p:blipFill>
-        <p:spPr>
-          <a:xfrm>
-            <a:off x="5725026" y="1521501"/>
-            <a:ext cx="5843086" cy="2236181"/>
-          </a:xfrm>
-          <a:prstGeom prst="rect">
-            <a:avLst/>
-          </a:prstGeom>
-        </p:spPr>
-      </p:pic>
-      <p:sp>
-        <p:nvSpPr>
-          <p:cNvPr id="43" name="TextBox 42">
-            <a:extLst>
-              <a:ext uri="{FF2B5EF4-FFF2-40B4-BE49-F238E27FC236}">
-                <a16:creationId xmlns:a16="http://schemas.microsoft.com/office/drawing/2014/main" id="{23538A5C-B2A1-4CD5-B48B-7010D5454D24}"/>
-              </a:ext>
-            </a:extLst>
-          </p:cNvPr>
-          <p:cNvSpPr txBox="1"/>
-          <p:nvPr/>
-        </p:nvSpPr>
-        <p:spPr>
-          <a:xfrm>
-            <a:off x="5725026" y="4054179"/>
-            <a:ext cx="2926080" cy="246221"/>
-          </a:xfrm>
-          <a:prstGeom prst="rect">
-            <a:avLst/>
-          </a:prstGeom>
-          <a:noFill/>
-        </p:spPr>
-        <p:txBody>
-          <a:bodyPr vert="horz" wrap="square" lIns="0" tIns="0" rIns="0" bIns="0" rtlCol="0">
-            <a:spAutoFit/>
-          </a:bodyPr>
-          <a:lstStyle/>
-          <a:p>
-            <a:pPr marL="0" marR="0" lvl="0" indent="0" algn="l" defTabSz="914400" rtl="0" eaLnBrk="1" fontAlgn="auto" latinLnBrk="0" hangingPunct="1">
-              <a:lnSpc>
-                <a:spcPct val="100000"/>
-              </a:lnSpc>
-              <a:spcBef>
-                <a:spcPts val="200"/>
-              </a:spcBef>
-              <a:spcAft>
-                <a:spcPts val="0"/>
-              </a:spcAft>
-              <a:buClrTx/>
-              <a:buSzPct val="100000"/>
-              <a:buFontTx/>
-              <a:buNone/>
-              <a:tabLst/>
-              <a:defRPr/>
-            </a:pPr>
-            <a:r>
-              <a:rPr kumimoji="0" lang="en-US" sz="1600" b="0" i="0" u="none" strike="noStrike" kern="1200" cap="none" spc="0" normalizeH="0" baseline="0" noProof="0" dirty="0">
-                <a:ln>
-                  <a:noFill/>
-                </a:ln>
-                <a:solidFill>
-                  <a:srgbClr val="86BC25"/>
-                </a:solidFill>
-                <a:effectLst/>
-                <a:uLnTx/>
-                <a:uFillTx/>
-                <a:latin typeface="Open Sans" panose="020B0606030504020204" pitchFamily="34" charset="0"/>
-                <a:ea typeface="Open Sans" panose="020B0606030504020204" pitchFamily="34" charset="0"/>
-                <a:cs typeface="Open Sans" panose="020B0606030504020204" pitchFamily="34" charset="0"/>
-              </a:rPr>
-              <a:t>SOLUTION</a:t>
-            </a:r>
-          </a:p>
-        </p:txBody>
-      </p:sp>
-      <p:sp>
-        <p:nvSpPr>
-          <p:cNvPr id="44" name="TextBox 43">
-            <a:extLst>
-              <a:ext uri="{FF2B5EF4-FFF2-40B4-BE49-F238E27FC236}">
-                <a16:creationId xmlns:a16="http://schemas.microsoft.com/office/drawing/2014/main" id="{3B7FC085-E0E2-4B38-A9E8-22E26586C3F7}"/>
-              </a:ext>
-            </a:extLst>
-          </p:cNvPr>
-          <p:cNvSpPr txBox="1"/>
-          <p:nvPr/>
-        </p:nvSpPr>
-        <p:spPr>
-          <a:xfrm>
-            <a:off x="5725026" y="4315400"/>
-            <a:ext cx="4313262" cy="2360774"/>
-          </a:xfrm>
-          <a:prstGeom prst="rect">
-            <a:avLst/>
-          </a:prstGeom>
-          <a:noFill/>
-        </p:spPr>
-        <p:txBody>
-          <a:bodyPr vert="horz" wrap="square" lIns="0" tIns="0" rIns="0" bIns="0" rtlCol="0">
-            <a:spAutoFit/>
-          </a:bodyPr>
-          <a:lstStyle/>
-          <a:p>
-            <a:pPr marL="171450" indent="-171450" defTabSz="914400">
-              <a:lnSpc>
-                <a:spcPct val="150000"/>
-              </a:lnSpc>
-              <a:spcBef>
-                <a:spcPts val="200"/>
-              </a:spcBef>
-              <a:buSzPct val="100000"/>
-              <a:buFont typeface="Arial" panose="020B0604020202020204" pitchFamily="34" charset="0"/>
-              <a:buChar char="•"/>
-              <a:defRPr/>
-            </a:pPr>
-            <a:r>
-              <a:rPr lang="en-US" sz="1100" dirty="0">
-                <a:latin typeface="Open Sans" panose="020B0606030504020204" pitchFamily="34" charset="0"/>
-                <a:ea typeface="Open Sans" panose="020B0606030504020204" pitchFamily="34" charset="0"/>
-                <a:cs typeface="Open Sans" panose="020B0606030504020204" pitchFamily="34" charset="0"/>
-              </a:rPr>
-              <a:t>Deep learning NLP models like BERT, </a:t>
-            </a:r>
-            <a:r>
-              <a:rPr lang="en-US" sz="1100" dirty="0" err="1">
-                <a:latin typeface="Open Sans" panose="020B0606030504020204" pitchFamily="34" charset="0"/>
-                <a:ea typeface="Open Sans" panose="020B0606030504020204" pitchFamily="34" charset="0"/>
-                <a:cs typeface="Open Sans" panose="020B0606030504020204" pitchFamily="34" charset="0"/>
-              </a:rPr>
-              <a:t>BiDAF</a:t>
-            </a:r>
-            <a:r>
-              <a:rPr lang="en-US" sz="1100" dirty="0">
-                <a:latin typeface="Open Sans" panose="020B0606030504020204" pitchFamily="34" charset="0"/>
-                <a:ea typeface="Open Sans" panose="020B0606030504020204" pitchFamily="34" charset="0"/>
-                <a:cs typeface="Open Sans" panose="020B0606030504020204" pitchFamily="34" charset="0"/>
-              </a:rPr>
-              <a:t>, </a:t>
-            </a:r>
-            <a:r>
-              <a:rPr lang="en-US" sz="1100" dirty="0" err="1">
-                <a:latin typeface="Open Sans" panose="020B0606030504020204" pitchFamily="34" charset="0"/>
-                <a:ea typeface="Open Sans" panose="020B0606030504020204" pitchFamily="34" charset="0"/>
-                <a:cs typeface="Open Sans" panose="020B0606030504020204" pitchFamily="34" charset="0"/>
-              </a:rPr>
-              <a:t>etc</a:t>
-            </a:r>
-            <a:r>
-              <a:rPr lang="en-US" sz="1100" dirty="0">
-                <a:latin typeface="Open Sans" panose="020B0606030504020204" pitchFamily="34" charset="0"/>
-                <a:ea typeface="Open Sans" panose="020B0606030504020204" pitchFamily="34" charset="0"/>
-                <a:cs typeface="Open Sans" panose="020B0606030504020204" pitchFamily="34" charset="0"/>
-              </a:rPr>
-              <a:t> are highly efficient in extracting answers from a general context.</a:t>
-            </a:r>
-          </a:p>
-          <a:p>
-            <a:pPr marL="171450" indent="-171450" defTabSz="914400">
-              <a:lnSpc>
-                <a:spcPct val="150000"/>
-              </a:lnSpc>
-              <a:spcBef>
-                <a:spcPts val="200"/>
-              </a:spcBef>
-              <a:buSzPct val="100000"/>
-              <a:buFont typeface="Arial" panose="020B0604020202020204" pitchFamily="34" charset="0"/>
-              <a:buChar char="•"/>
-              <a:defRPr/>
-            </a:pPr>
-            <a:r>
-              <a:rPr lang="en-US" sz="1100" dirty="0">
-                <a:latin typeface="Open Sans" panose="020B0606030504020204" pitchFamily="34" charset="0"/>
-                <a:ea typeface="Open Sans" panose="020B0606030504020204" pitchFamily="34" charset="0"/>
-                <a:cs typeface="Open Sans" panose="020B0606030504020204" pitchFamily="34" charset="0"/>
-              </a:rPr>
-              <a:t>Since these models usually have a “max sequence length” limit, it is necessary to “retrieve” the relevant context to the user’s question and then feed the “</a:t>
-            </a:r>
-            <a:r>
-              <a:rPr lang="en-US" sz="1100" dirty="0" err="1">
-                <a:latin typeface="Open Sans" panose="020B0606030504020204" pitchFamily="34" charset="0"/>
-                <a:ea typeface="Open Sans" panose="020B0606030504020204" pitchFamily="34" charset="0"/>
-                <a:cs typeface="Open Sans" panose="020B0606030504020204" pitchFamily="34" charset="0"/>
-              </a:rPr>
-              <a:t>question+context</a:t>
-            </a:r>
-            <a:r>
-              <a:rPr lang="en-US" sz="1100" dirty="0">
-                <a:latin typeface="Open Sans" panose="020B0606030504020204" pitchFamily="34" charset="0"/>
-                <a:ea typeface="Open Sans" panose="020B0606030504020204" pitchFamily="34" charset="0"/>
-                <a:cs typeface="Open Sans" panose="020B0606030504020204" pitchFamily="34" charset="0"/>
-              </a:rPr>
-              <a:t>” to the BERT model.</a:t>
-            </a:r>
-          </a:p>
-          <a:p>
-            <a:pPr marL="171450" indent="-171450" defTabSz="914400">
-              <a:lnSpc>
-                <a:spcPct val="150000"/>
-              </a:lnSpc>
-              <a:spcBef>
-                <a:spcPts val="200"/>
-              </a:spcBef>
-              <a:buSzPct val="100000"/>
-              <a:buFont typeface="Arial" panose="020B0604020202020204" pitchFamily="34" charset="0"/>
-              <a:buChar char="•"/>
-              <a:defRPr/>
-            </a:pPr>
-            <a:r>
-              <a:rPr kumimoji="0" lang="en-US" sz="1100" b="0" i="0" u="none" strike="noStrike" kern="1200" cap="none" spc="0" normalizeH="0" baseline="0" noProof="0" dirty="0">
-                <a:ln>
-                  <a:noFill/>
-                </a:ln>
-                <a:solidFill>
-                  <a:prstClr val="black"/>
-                </a:solidFill>
-                <a:effectLst/>
-                <a:uLnTx/>
-                <a:uFillTx/>
-                <a:latin typeface="Open Sans" panose="020B0606030504020204" pitchFamily="34" charset="0"/>
-                <a:ea typeface="Open Sans" panose="020B0606030504020204" pitchFamily="34" charset="0"/>
-                <a:cs typeface="Open Sans" panose="020B0606030504020204" pitchFamily="34" charset="0"/>
-              </a:rPr>
-              <a:t>Hence, </a:t>
-            </a:r>
-            <a:r>
-              <a:rPr lang="en-US" sz="1100" dirty="0">
-                <a:solidFill>
-                  <a:prstClr val="black"/>
-                </a:solidFill>
-                <a:latin typeface="Open Sans" panose="020B0606030504020204" pitchFamily="34" charset="0"/>
-                <a:ea typeface="Open Sans" panose="020B0606030504020204" pitchFamily="34" charset="0"/>
-                <a:cs typeface="Open Sans" panose="020B0606030504020204" pitchFamily="34" charset="0"/>
-              </a:rPr>
-              <a:t>this system </a:t>
-            </a:r>
-            <a:r>
-              <a:rPr kumimoji="0" lang="en-US" sz="1100" b="0" i="0" u="none" strike="noStrike" kern="1200" cap="none" spc="0" normalizeH="0" baseline="0" noProof="0" dirty="0">
-                <a:ln>
-                  <a:noFill/>
-                </a:ln>
-                <a:solidFill>
-                  <a:prstClr val="black"/>
-                </a:solidFill>
-                <a:effectLst/>
-                <a:uLnTx/>
-                <a:uFillTx/>
-                <a:latin typeface="Open Sans" panose="020B0606030504020204" pitchFamily="34" charset="0"/>
-                <a:ea typeface="Open Sans" panose="020B0606030504020204" pitchFamily="34" charset="0"/>
-                <a:cs typeface="Open Sans" panose="020B0606030504020204" pitchFamily="34" charset="0"/>
-              </a:rPr>
-              <a:t>approaches the problem in 2 tasks:</a:t>
-            </a:r>
-          </a:p>
-          <a:p>
-            <a:pPr marL="781035" lvl="1" indent="-171450" defTabSz="914400">
-              <a:lnSpc>
-                <a:spcPct val="150000"/>
-              </a:lnSpc>
-              <a:spcBef>
-                <a:spcPts val="200"/>
-              </a:spcBef>
-              <a:buSzPct val="100000"/>
-              <a:buFont typeface="Arial" panose="020B0604020202020204" pitchFamily="34" charset="0"/>
-              <a:buChar char="•"/>
-              <a:defRPr/>
-            </a:pPr>
-            <a:r>
-              <a:rPr lang="en-US" sz="1100" dirty="0">
-                <a:solidFill>
-                  <a:prstClr val="black"/>
-                </a:solidFill>
-                <a:latin typeface="Open Sans" panose="020B0606030504020204" pitchFamily="34" charset="0"/>
-                <a:ea typeface="Open Sans" panose="020B0606030504020204" pitchFamily="34" charset="0"/>
-                <a:cs typeface="Open Sans" panose="020B0606030504020204" pitchFamily="34" charset="0"/>
-              </a:rPr>
-              <a:t>Context Generation</a:t>
-            </a:r>
-          </a:p>
-          <a:p>
-            <a:pPr marL="781035" lvl="1" indent="-171450" defTabSz="914400">
-              <a:lnSpc>
-                <a:spcPct val="150000"/>
-              </a:lnSpc>
-              <a:spcBef>
-                <a:spcPts val="200"/>
-              </a:spcBef>
-              <a:buSzPct val="100000"/>
-              <a:buFont typeface="Arial" panose="020B0604020202020204" pitchFamily="34" charset="0"/>
-              <a:buChar char="•"/>
-              <a:defRPr/>
-            </a:pPr>
-            <a:r>
-              <a:rPr kumimoji="0" lang="en-US" sz="1100" b="0" i="0" u="none" strike="noStrike" kern="1200" cap="none" spc="0" normalizeH="0" baseline="0" noProof="0" dirty="0">
-                <a:ln>
-                  <a:noFill/>
-                </a:ln>
-                <a:solidFill>
-                  <a:prstClr val="black"/>
-                </a:solidFill>
-                <a:effectLst/>
-                <a:uLnTx/>
-                <a:uFillTx/>
-                <a:latin typeface="Open Sans" panose="020B0606030504020204" pitchFamily="34" charset="0"/>
-                <a:ea typeface="Open Sans" panose="020B0606030504020204" pitchFamily="34" charset="0"/>
-                <a:cs typeface="Open Sans" panose="020B0606030504020204" pitchFamily="34" charset="0"/>
-              </a:rPr>
-              <a:t>Answer Extraction</a:t>
-            </a:r>
-          </a:p>
-        </p:txBody>
-      </p:sp>
-    </p:spTree>
-    <p:extLst>
-      <p:ext uri="{BB962C8B-B14F-4D97-AF65-F5344CB8AC3E}">
-        <p14:creationId xmlns:p14="http://schemas.microsoft.com/office/powerpoint/2010/main" val="3642422870"/>
-      </p:ext>
-    </p:extLst>
-  </p:cSld>
-  <p:clrMapOvr>
-    <a:masterClrMapping/>
-  </p:clrMapOvr>
-  <p:transition>
-    <p:fade/>
-  </p:transition>
-</p:sld>
-</file>
-
-<file path=ppt/slides/slide6.xml><?xml version="1.0" encoding="utf-8"?>
-<p:sld xmlns:a="http://schemas.openxmlformats.org/drawingml/2006/main" xmlns:r="http://schemas.openxmlformats.org/officeDocument/2006/relationships" xmlns:p="http://schemas.openxmlformats.org/presentationml/2006/main">
-  <p:cSld>
-    <p:spTree>
-      <p:nvGrpSpPr>
-        <p:cNvPr id="1" name=""/>
-        <p:cNvGrpSpPr/>
-        <p:nvPr/>
-      </p:nvGrpSpPr>
-      <p:grpSpPr>
-        <a:xfrm>
-          <a:off x="0" y="0"/>
-          <a:ext cx="0" cy="0"/>
-          <a:chOff x="0" y="0"/>
-          <a:chExt cx="0" cy="0"/>
-        </a:xfrm>
-      </p:grpSpPr>
-      <p:sp>
-        <p:nvSpPr>
           <p:cNvPr id="3" name="Title 2">
             <a:extLst>
               <a:ext uri="{FF2B5EF4-FFF2-40B4-BE49-F238E27FC236}">
@@ -28882,153 +33628,34 @@
           </a:p>
         </p:txBody>
       </p:sp>
-      <p:sp>
-        <p:nvSpPr>
-          <p:cNvPr id="4" name="Content Placeholder 3">
+      <p:graphicFrame>
+        <p:nvGraphicFramePr>
+          <p:cNvPr id="5" name="Diagram 4">
             <a:extLst>
               <a:ext uri="{FF2B5EF4-FFF2-40B4-BE49-F238E27FC236}">
-                <a16:creationId xmlns:a16="http://schemas.microsoft.com/office/drawing/2014/main" id="{9C99F50C-8895-4193-BAB7-E24F54DA453B}"/>
+                <a16:creationId xmlns:a16="http://schemas.microsoft.com/office/drawing/2014/main" id="{4C8453BA-6C25-4498-A4EB-B5F9D491BCDE}"/>
               </a:ext>
             </a:extLst>
           </p:cNvPr>
-          <p:cNvSpPr>
-            <a:spLocks noGrp="1"/>
-          </p:cNvSpPr>
+          <p:cNvGraphicFramePr/>
           <p:nvPr>
-            <p:ph idx="1"/>
+            <p:extLst>
+              <p:ext uri="{D42A27DB-BD31-4B8C-83A1-F6EECF244321}">
+                <p14:modId xmlns:p14="http://schemas.microsoft.com/office/powerpoint/2010/main" val="1501623539"/>
+              </p:ext>
+            </p:extLst>
           </p:nvPr>
-        </p:nvSpPr>
-        <p:spPr>
-          <a:xfrm>
-            <a:off x="469900" y="1239901"/>
-            <a:ext cx="11252200" cy="4633383"/>
-          </a:xfrm>
-        </p:spPr>
-        <p:txBody>
-          <a:bodyPr/>
-          <a:lstStyle/>
-          <a:p>
-            <a:r>
-              <a:rPr lang="en-US" b="1" dirty="0"/>
-              <a:t>For Evaluation of Context Generation Techniques:</a:t>
-            </a:r>
-          </a:p>
-          <a:p>
-            <a:pPr marL="171450" indent="-171450">
-              <a:buFont typeface="Arial" panose="020B0604020202020204" pitchFamily="34" charset="0"/>
-              <a:buChar char="•"/>
-            </a:pPr>
-            <a:r>
-              <a:rPr lang="en-US" dirty="0"/>
-              <a:t>Built a custom question-answer pair JSON file on a random Wikipedia article.</a:t>
-            </a:r>
-          </a:p>
-          <a:p>
-            <a:pPr marL="171450" indent="-171450">
-              <a:buFont typeface="Arial" panose="020B0604020202020204" pitchFamily="34" charset="0"/>
-              <a:buChar char="•"/>
-            </a:pPr>
-            <a:r>
-              <a:rPr lang="en-US" dirty="0"/>
-              <a:t>100 randomly selected question-</a:t>
-            </a:r>
-            <a:r>
-              <a:rPr lang="en-US" dirty="0" err="1"/>
-              <a:t>anwers</a:t>
-            </a:r>
-            <a:r>
-              <a:rPr lang="en-US" dirty="0"/>
-              <a:t> pairs were used to validate against the context generation models.</a:t>
-            </a:r>
-          </a:p>
-          <a:p>
-            <a:endParaRPr lang="en-US" dirty="0"/>
-          </a:p>
-          <a:p>
-            <a:r>
-              <a:rPr lang="en-US" b="1" dirty="0"/>
-              <a:t>For Evaluation/Comparison of Answer Extraction Models on General Data and Specific Domain Data (Medical considered):</a:t>
-            </a:r>
-          </a:p>
-          <a:p>
-            <a:pPr marL="171450" indent="-171450">
-              <a:buFont typeface="Arial" panose="020B0604020202020204" pitchFamily="34" charset="0"/>
-              <a:buChar char="•"/>
-            </a:pPr>
-            <a:r>
-              <a:rPr lang="en-US" dirty="0" err="1"/>
-              <a:t>SQuAD</a:t>
-            </a:r>
-            <a:r>
-              <a:rPr lang="en-US" dirty="0"/>
-              <a:t> 2.0 dataset (100k+ question answer pairs and 50k+ no answer pairs)</a:t>
-            </a:r>
-          </a:p>
-          <a:p>
-            <a:pPr marL="171450" indent="-171450">
-              <a:buFont typeface="Arial" panose="020B0604020202020204" pitchFamily="34" charset="0"/>
-              <a:buChar char="•"/>
-            </a:pPr>
-            <a:r>
-              <a:rPr lang="en-US" dirty="0" err="1"/>
-              <a:t>Deepset’s</a:t>
-            </a:r>
-            <a:r>
-              <a:rPr lang="en-US" dirty="0"/>
-              <a:t> </a:t>
-            </a:r>
-            <a:r>
-              <a:rPr lang="en-US" dirty="0" err="1"/>
-              <a:t>CovidQA</a:t>
-            </a:r>
-            <a:r>
-              <a:rPr lang="en-US" dirty="0"/>
-              <a:t> dataset (2153 question answer pairs)</a:t>
-            </a:r>
-          </a:p>
-          <a:p>
-            <a:pPr marL="171450" indent="-171450">
-              <a:buFont typeface="Arial" panose="020B0604020202020204" pitchFamily="34" charset="0"/>
-              <a:buChar char="•"/>
-            </a:pPr>
-            <a:endParaRPr lang="en-US" dirty="0"/>
-          </a:p>
-          <a:p>
-            <a:r>
-              <a:rPr lang="en-US" b="1" dirty="0"/>
-              <a:t>For Inference:</a:t>
-            </a:r>
-          </a:p>
-          <a:p>
-            <a:pPr marL="171450" indent="-171450">
-              <a:buFont typeface="Arial" panose="020B0604020202020204" pitchFamily="34" charset="0"/>
-              <a:buChar char="•"/>
-            </a:pPr>
-            <a:r>
-              <a:rPr lang="en-US" dirty="0"/>
-              <a:t>Used BeautifulSoup4 to perform web scraping. </a:t>
-            </a:r>
-          </a:p>
-          <a:p>
-            <a:pPr marL="171450" indent="-171450">
-              <a:buFont typeface="Arial" panose="020B0604020202020204" pitchFamily="34" charset="0"/>
-              <a:buChar char="•"/>
-            </a:pPr>
-            <a:r>
-              <a:rPr lang="en-US" dirty="0"/>
-              <a:t>Given a URL, the system would scrape the article’s text data, remove noise, remove </a:t>
-            </a:r>
-            <a:r>
-              <a:rPr lang="en-US" dirty="0" err="1"/>
-              <a:t>stopwords</a:t>
-            </a:r>
-            <a:r>
-              <a:rPr lang="en-US" dirty="0"/>
-              <a:t> and lemmatize as needed for each model/technique.</a:t>
-            </a:r>
-          </a:p>
-        </p:txBody>
-      </p:sp>
+        </p:nvGraphicFramePr>
+        <p:xfrm>
+          <a:off x="469900" y="1109280"/>
+          <a:ext cx="11059491" cy="4226045"/>
+        </p:xfrm>
+        <a:graphic>
+          <a:graphicData uri="http://schemas.openxmlformats.org/drawingml/2006/diagram">
+            <dgm:relIds xmlns:dgm="http://schemas.openxmlformats.org/drawingml/2006/diagram" xmlns:r="http://schemas.openxmlformats.org/officeDocument/2006/relationships" r:dm="rId2" r:lo="rId3" r:qs="rId4" r:cs="rId5"/>
+          </a:graphicData>
+        </a:graphic>
+      </p:graphicFrame>
     </p:spTree>
     <p:extLst>
       <p:ext uri="{BB962C8B-B14F-4D97-AF65-F5344CB8AC3E}">
@@ -29045,7 +33672,7 @@
 </p:sld>
 </file>
 
-<file path=ppt/slides/slide7.xml><?xml version="1.0" encoding="utf-8"?>
+<file path=ppt/slides/slide6.xml><?xml version="1.0" encoding="utf-8"?>
 <p:sld xmlns:a="http://schemas.openxmlformats.org/drawingml/2006/main" xmlns:r="http://schemas.openxmlformats.org/officeDocument/2006/relationships" xmlns:p="http://schemas.openxmlformats.org/presentationml/2006/main">
   <p:cSld>
     <p:spTree>
@@ -32698,15 +37325,7 @@
             </a:pPr>
             <a:r>
               <a:rPr lang="en-US" sz="1200" dirty="0"/>
-              <a:t>(</a:t>
-            </a:r>
-            <a:r>
-              <a:rPr lang="en-US" sz="1200" dirty="0" err="1"/>
-              <a:t>GloVe</a:t>
-            </a:r>
-            <a:r>
-              <a:rPr lang="en-US" sz="1200" dirty="0"/>
-              <a:t>)</a:t>
+              <a:t>(GloVe)</a:t>
             </a:r>
           </a:p>
         </p:txBody>
@@ -32780,15 +37399,7 @@
             </a:pPr>
             <a:r>
               <a:rPr lang="en-US" sz="1200" dirty="0"/>
-              <a:t>(</a:t>
-            </a:r>
-            <a:r>
-              <a:rPr lang="en-US" sz="1200" dirty="0" err="1"/>
-              <a:t>InferSent</a:t>
-            </a:r>
-            <a:r>
-              <a:rPr lang="en-US" sz="1200" dirty="0"/>
-              <a:t>)</a:t>
+              <a:t>(InferSent)</a:t>
             </a:r>
           </a:p>
         </p:txBody>
@@ -32896,8 +37507,8 @@
         </p:nvSpPr>
         <p:spPr bwMode="blackWhite">
           <a:xfrm rot="16200000">
-            <a:off x="6073316" y="3133744"/>
-            <a:ext cx="917753" cy="929740"/>
+            <a:off x="6061539" y="3098135"/>
+            <a:ext cx="917754" cy="943457"/>
           </a:xfrm>
           <a:prstGeom prst="ellipse">
             <a:avLst/>
@@ -33002,7 +37613,7 @@
         </p:nvSpPr>
         <p:spPr bwMode="blackWhite">
           <a:xfrm rot="16200000">
-            <a:off x="7214743" y="3108504"/>
+            <a:off x="7200509" y="3099085"/>
             <a:ext cx="917753" cy="929740"/>
           </a:xfrm>
           <a:prstGeom prst="ellipse">
@@ -33724,15 +38335,7 @@
             </a:pPr>
             <a:r>
               <a:rPr lang="en-US" sz="1200" dirty="0"/>
-              <a:t>(</a:t>
-            </a:r>
-            <a:r>
-              <a:rPr lang="en-US" sz="1200" dirty="0" err="1"/>
-              <a:t>GloVe</a:t>
-            </a:r>
-            <a:r>
-              <a:rPr lang="en-US" sz="1200" dirty="0"/>
-              <a:t>)</a:t>
+              <a:t>(GloVe)</a:t>
             </a:r>
           </a:p>
         </p:txBody>
@@ -33751,7 +38354,7 @@
         </p:nvSpPr>
         <p:spPr bwMode="gray">
           <a:xfrm>
-            <a:off x="4423507" y="4908391"/>
+            <a:off x="4423507" y="4899811"/>
             <a:ext cx="1322522" cy="917754"/>
           </a:xfrm>
           <a:prstGeom prst="rect">
@@ -33806,15 +38409,7 @@
             </a:pPr>
             <a:r>
               <a:rPr lang="en-US" sz="1200" dirty="0"/>
-              <a:t>(</a:t>
-            </a:r>
-            <a:r>
-              <a:rPr lang="en-US" sz="1200" dirty="0" err="1"/>
-              <a:t>InferSent</a:t>
-            </a:r>
-            <a:r>
-              <a:rPr lang="en-US" sz="1200" dirty="0"/>
-              <a:t>)</a:t>
+              <a:t>(InferSent)</a:t>
             </a:r>
           </a:p>
         </p:txBody>
@@ -33882,141 +38477,6 @@
           <a:xfrm flipV="1">
             <a:off x="2618137" y="5372103"/>
             <a:ext cx="256776" cy="2291"/>
-          </a:xfrm>
-          <a:prstGeom prst="bentConnector3">
-            <a:avLst/>
-          </a:prstGeom>
-          <a:ln>
-            <a:solidFill>
-              <a:schemeClr val="tx2"/>
-            </a:solidFill>
-            <a:tailEnd type="triangle"/>
-          </a:ln>
-        </p:spPr>
-        <p:style>
-          <a:lnRef idx="1">
-            <a:schemeClr val="accent1"/>
-          </a:lnRef>
-          <a:fillRef idx="0">
-            <a:schemeClr val="accent1"/>
-          </a:fillRef>
-          <a:effectRef idx="0">
-            <a:schemeClr val="accent1"/>
-          </a:effectRef>
-          <a:fontRef idx="minor">
-            <a:schemeClr val="tx1"/>
-          </a:fontRef>
-        </p:style>
-      </p:cxnSp>
-      <p:cxnSp>
-        <p:nvCxnSpPr>
-          <p:cNvPr id="166" name="Connector: Elbow 165">
-            <a:extLst>
-              <a:ext uri="{FF2B5EF4-FFF2-40B4-BE49-F238E27FC236}">
-                <a16:creationId xmlns:a16="http://schemas.microsoft.com/office/drawing/2014/main" id="{1B7B757E-56E7-4610-B901-B1BEFC42275A}"/>
-              </a:ext>
-            </a:extLst>
-          </p:cNvPr>
-          <p:cNvCxnSpPr>
-            <a:stCxn id="162" idx="3"/>
-            <a:endCxn id="163" idx="1"/>
-          </p:cNvCxnSpPr>
-          <p:nvPr/>
-        </p:nvCxnSpPr>
-        <p:spPr>
-          <a:xfrm flipV="1">
-            <a:off x="4197435" y="5367268"/>
-            <a:ext cx="226072" cy="4835"/>
-          </a:xfrm>
-          <a:prstGeom prst="bentConnector3">
-            <a:avLst/>
-          </a:prstGeom>
-          <a:ln>
-            <a:solidFill>
-              <a:schemeClr val="tx2"/>
-            </a:solidFill>
-            <a:tailEnd type="triangle"/>
-          </a:ln>
-        </p:spPr>
-        <p:style>
-          <a:lnRef idx="1">
-            <a:schemeClr val="accent1"/>
-          </a:lnRef>
-          <a:fillRef idx="0">
-            <a:schemeClr val="accent1"/>
-          </a:fillRef>
-          <a:effectRef idx="0">
-            <a:schemeClr val="accent1"/>
-          </a:effectRef>
-          <a:fontRef idx="minor">
-            <a:schemeClr val="tx1"/>
-          </a:fontRef>
-        </p:style>
-      </p:cxnSp>
-      <p:cxnSp>
-        <p:nvCxnSpPr>
-          <p:cNvPr id="36" name="Connector: Elbow 35">
-            <a:extLst>
-              <a:ext uri="{FF2B5EF4-FFF2-40B4-BE49-F238E27FC236}">
-                <a16:creationId xmlns:a16="http://schemas.microsoft.com/office/drawing/2014/main" id="{3C572418-CD63-4F48-9E5F-C79ED9E6BFDA}"/>
-              </a:ext>
-            </a:extLst>
-          </p:cNvPr>
-          <p:cNvCxnSpPr>
-            <a:stCxn id="149" idx="2"/>
-            <a:endCxn id="151" idx="0"/>
-          </p:cNvCxnSpPr>
-          <p:nvPr/>
-        </p:nvCxnSpPr>
-        <p:spPr>
-          <a:xfrm rot="5400000">
-            <a:off x="4725390" y="2631012"/>
-            <a:ext cx="718756" cy="12700"/>
-          </a:xfrm>
-          <a:prstGeom prst="bentConnector3">
-            <a:avLst/>
-          </a:prstGeom>
-          <a:ln>
-            <a:solidFill>
-              <a:schemeClr val="tx2"/>
-            </a:solidFill>
-            <a:tailEnd type="triangle"/>
-          </a:ln>
-        </p:spPr>
-        <p:style>
-          <a:lnRef idx="1">
-            <a:schemeClr val="accent1"/>
-          </a:lnRef>
-          <a:fillRef idx="0">
-            <a:schemeClr val="accent1"/>
-          </a:fillRef>
-          <a:effectRef idx="0">
-            <a:schemeClr val="accent1"/>
-          </a:effectRef>
-          <a:fontRef idx="minor">
-            <a:schemeClr val="tx1"/>
-          </a:fontRef>
-        </p:style>
-      </p:cxnSp>
-      <p:cxnSp>
-        <p:nvCxnSpPr>
-          <p:cNvPr id="40" name="Connector: Elbow 39">
-            <a:extLst>
-              <a:ext uri="{FF2B5EF4-FFF2-40B4-BE49-F238E27FC236}">
-                <a16:creationId xmlns:a16="http://schemas.microsoft.com/office/drawing/2014/main" id="{DA8205ED-69ED-42CA-BFDC-67C99D3D4D94}"/>
-              </a:ext>
-            </a:extLst>
-          </p:cNvPr>
-          <p:cNvCxnSpPr>
-            <a:stCxn id="163" idx="0"/>
-            <a:endCxn id="151" idx="2"/>
-          </p:cNvCxnSpPr>
-          <p:nvPr/>
-        </p:nvCxnSpPr>
-        <p:spPr>
-          <a:xfrm rot="5400000" flipH="1" flipV="1">
-            <a:off x="4767382" y="4591005"/>
-            <a:ext cx="634773" cy="12700"/>
           </a:xfrm>
           <a:prstGeom prst="bentConnector3">
             <a:avLst/>
@@ -34143,141 +38603,6 @@
       </p:cxnSp>
       <p:cxnSp>
         <p:nvCxnSpPr>
-          <p:cNvPr id="73" name="Connector: Elbow 72">
-            <a:extLst>
-              <a:ext uri="{FF2B5EF4-FFF2-40B4-BE49-F238E27FC236}">
-                <a16:creationId xmlns:a16="http://schemas.microsoft.com/office/drawing/2014/main" id="{40BDAC28-307D-43EF-9042-FEAFB75E881B}"/>
-              </a:ext>
-            </a:extLst>
-          </p:cNvPr>
-          <p:cNvCxnSpPr>
-            <a:stCxn id="151" idx="3"/>
-            <a:endCxn id="152" idx="0"/>
-          </p:cNvCxnSpPr>
-          <p:nvPr/>
-        </p:nvCxnSpPr>
-        <p:spPr>
-          <a:xfrm flipV="1">
-            <a:off x="5746029" y="3598614"/>
-            <a:ext cx="321294" cy="33390"/>
-          </a:xfrm>
-          <a:prstGeom prst="bentConnector3">
-            <a:avLst/>
-          </a:prstGeom>
-          <a:ln>
-            <a:solidFill>
-              <a:schemeClr val="tx2"/>
-            </a:solidFill>
-            <a:tailEnd type="triangle"/>
-          </a:ln>
-        </p:spPr>
-        <p:style>
-          <a:lnRef idx="1">
-            <a:schemeClr val="accent1"/>
-          </a:lnRef>
-          <a:fillRef idx="0">
-            <a:schemeClr val="accent1"/>
-          </a:fillRef>
-          <a:effectRef idx="0">
-            <a:schemeClr val="accent1"/>
-          </a:effectRef>
-          <a:fontRef idx="minor">
-            <a:schemeClr val="tx1"/>
-          </a:fontRef>
-        </p:style>
-      </p:cxnSp>
-      <p:cxnSp>
-        <p:nvCxnSpPr>
-          <p:cNvPr id="75" name="Connector: Elbow 74">
-            <a:extLst>
-              <a:ext uri="{FF2B5EF4-FFF2-40B4-BE49-F238E27FC236}">
-                <a16:creationId xmlns:a16="http://schemas.microsoft.com/office/drawing/2014/main" id="{6C360B3B-35DE-4C92-9382-8031F9765214}"/>
-              </a:ext>
-            </a:extLst>
-          </p:cNvPr>
-          <p:cNvCxnSpPr>
-            <a:stCxn id="152" idx="4"/>
-            <a:endCxn id="153" idx="0"/>
-          </p:cNvCxnSpPr>
-          <p:nvPr/>
-        </p:nvCxnSpPr>
-        <p:spPr>
-          <a:xfrm flipV="1">
-            <a:off x="6997063" y="3573374"/>
-            <a:ext cx="211687" cy="25240"/>
-          </a:xfrm>
-          <a:prstGeom prst="bentConnector3">
-            <a:avLst/>
-          </a:prstGeom>
-          <a:ln>
-            <a:solidFill>
-              <a:schemeClr val="tx2"/>
-            </a:solidFill>
-            <a:tailEnd type="triangle"/>
-          </a:ln>
-        </p:spPr>
-        <p:style>
-          <a:lnRef idx="1">
-            <a:schemeClr val="accent1"/>
-          </a:lnRef>
-          <a:fillRef idx="0">
-            <a:schemeClr val="accent1"/>
-          </a:fillRef>
-          <a:effectRef idx="0">
-            <a:schemeClr val="accent1"/>
-          </a:effectRef>
-          <a:fontRef idx="minor">
-            <a:schemeClr val="tx1"/>
-          </a:fontRef>
-        </p:style>
-      </p:cxnSp>
-      <p:cxnSp>
-        <p:nvCxnSpPr>
-          <p:cNvPr id="77" name="Connector: Elbow 76">
-            <a:extLst>
-              <a:ext uri="{FF2B5EF4-FFF2-40B4-BE49-F238E27FC236}">
-                <a16:creationId xmlns:a16="http://schemas.microsoft.com/office/drawing/2014/main" id="{7BFBAB63-F826-405D-B06D-16C00EB65B6F}"/>
-              </a:ext>
-            </a:extLst>
-          </p:cNvPr>
-          <p:cNvCxnSpPr>
-            <a:stCxn id="153" idx="4"/>
-            <a:endCxn id="158" idx="1"/>
-          </p:cNvCxnSpPr>
-          <p:nvPr/>
-        </p:nvCxnSpPr>
-        <p:spPr>
-          <a:xfrm flipV="1">
-            <a:off x="8138490" y="3563955"/>
-            <a:ext cx="241610" cy="9419"/>
-          </a:xfrm>
-          <a:prstGeom prst="bentConnector3">
-            <a:avLst/>
-          </a:prstGeom>
-          <a:ln>
-            <a:solidFill>
-              <a:schemeClr val="tx2"/>
-            </a:solidFill>
-            <a:tailEnd type="triangle"/>
-          </a:ln>
-        </p:spPr>
-        <p:style>
-          <a:lnRef idx="1">
-            <a:schemeClr val="accent1"/>
-          </a:lnRef>
-          <a:fillRef idx="0">
-            <a:schemeClr val="accent1"/>
-          </a:fillRef>
-          <a:effectRef idx="0">
-            <a:schemeClr val="accent1"/>
-          </a:effectRef>
-          <a:fontRef idx="minor">
-            <a:schemeClr val="tx1"/>
-          </a:fontRef>
-        </p:style>
-      </p:cxnSp>
-      <p:cxnSp>
-        <p:nvCxnSpPr>
           <p:cNvPr id="168" name="Straight Arrow Connector 167">
             <a:extLst>
               <a:ext uri="{FF2B5EF4-FFF2-40B4-BE49-F238E27FC236}">
@@ -34611,10 +38936,1359 @@
           </a:p>
         </p:txBody>
       </p:sp>
+      <p:cxnSp>
+        <p:nvCxnSpPr>
+          <p:cNvPr id="11" name="Straight Arrow Connector 10">
+            <a:extLst>
+              <a:ext uri="{FF2B5EF4-FFF2-40B4-BE49-F238E27FC236}">
+                <a16:creationId xmlns:a16="http://schemas.microsoft.com/office/drawing/2014/main" id="{28115F62-737C-4FDD-9628-45D758E9FD25}"/>
+              </a:ext>
+            </a:extLst>
+          </p:cNvPr>
+          <p:cNvCxnSpPr>
+            <a:stCxn id="163" idx="0"/>
+            <a:endCxn id="151" idx="2"/>
+          </p:cNvCxnSpPr>
+          <p:nvPr/>
+        </p:nvCxnSpPr>
+        <p:spPr>
+          <a:xfrm flipV="1">
+            <a:off x="5084768" y="4273618"/>
+            <a:ext cx="0" cy="626193"/>
+          </a:xfrm>
+          <a:prstGeom prst="straightConnector1">
+            <a:avLst/>
+          </a:prstGeom>
+          <a:ln>
+            <a:solidFill>
+              <a:schemeClr val="tx2"/>
+            </a:solidFill>
+            <a:tailEnd type="triangle"/>
+          </a:ln>
+        </p:spPr>
+        <p:style>
+          <a:lnRef idx="1">
+            <a:schemeClr val="accent1"/>
+          </a:lnRef>
+          <a:fillRef idx="0">
+            <a:schemeClr val="accent1"/>
+          </a:fillRef>
+          <a:effectRef idx="0">
+            <a:schemeClr val="accent1"/>
+          </a:effectRef>
+          <a:fontRef idx="minor">
+            <a:schemeClr val="tx1"/>
+          </a:fontRef>
+        </p:style>
+      </p:cxnSp>
+      <p:cxnSp>
+        <p:nvCxnSpPr>
+          <p:cNvPr id="13" name="Straight Arrow Connector 12">
+            <a:extLst>
+              <a:ext uri="{FF2B5EF4-FFF2-40B4-BE49-F238E27FC236}">
+                <a16:creationId xmlns:a16="http://schemas.microsoft.com/office/drawing/2014/main" id="{667AD95E-32B9-4536-90E7-BA7BEBF2EF78}"/>
+              </a:ext>
+            </a:extLst>
+          </p:cNvPr>
+          <p:cNvCxnSpPr>
+            <a:stCxn id="149" idx="2"/>
+            <a:endCxn id="151" idx="0"/>
+          </p:cNvCxnSpPr>
+          <p:nvPr/>
+        </p:nvCxnSpPr>
+        <p:spPr>
+          <a:xfrm>
+            <a:off x="5084768" y="2271634"/>
+            <a:ext cx="0" cy="718756"/>
+          </a:xfrm>
+          <a:prstGeom prst="straightConnector1">
+            <a:avLst/>
+          </a:prstGeom>
+          <a:ln>
+            <a:solidFill>
+              <a:schemeClr val="tx2"/>
+            </a:solidFill>
+            <a:tailEnd type="triangle"/>
+          </a:ln>
+        </p:spPr>
+        <p:style>
+          <a:lnRef idx="1">
+            <a:schemeClr val="accent1"/>
+          </a:lnRef>
+          <a:fillRef idx="0">
+            <a:schemeClr val="accent1"/>
+          </a:fillRef>
+          <a:effectRef idx="0">
+            <a:schemeClr val="accent1"/>
+          </a:effectRef>
+          <a:fontRef idx="minor">
+            <a:schemeClr val="tx1"/>
+          </a:fontRef>
+        </p:style>
+      </p:cxnSp>
+      <p:cxnSp>
+        <p:nvCxnSpPr>
+          <p:cNvPr id="15" name="Straight Arrow Connector 14">
+            <a:extLst>
+              <a:ext uri="{FF2B5EF4-FFF2-40B4-BE49-F238E27FC236}">
+                <a16:creationId xmlns:a16="http://schemas.microsoft.com/office/drawing/2014/main" id="{11F72E31-7071-4DC5-B56E-F4BF17F22037}"/>
+              </a:ext>
+            </a:extLst>
+          </p:cNvPr>
+          <p:cNvCxnSpPr>
+            <a:stCxn id="162" idx="3"/>
+            <a:endCxn id="163" idx="1"/>
+          </p:cNvCxnSpPr>
+          <p:nvPr/>
+        </p:nvCxnSpPr>
+        <p:spPr>
+          <a:xfrm flipV="1">
+            <a:off x="4197435" y="5358688"/>
+            <a:ext cx="226072" cy="13415"/>
+          </a:xfrm>
+          <a:prstGeom prst="straightConnector1">
+            <a:avLst/>
+          </a:prstGeom>
+          <a:ln>
+            <a:solidFill>
+              <a:schemeClr val="tx2"/>
+            </a:solidFill>
+            <a:tailEnd type="triangle"/>
+          </a:ln>
+        </p:spPr>
+        <p:style>
+          <a:lnRef idx="1">
+            <a:schemeClr val="accent1"/>
+          </a:lnRef>
+          <a:fillRef idx="0">
+            <a:schemeClr val="accent1"/>
+          </a:fillRef>
+          <a:effectRef idx="0">
+            <a:schemeClr val="accent1"/>
+          </a:effectRef>
+          <a:fontRef idx="minor">
+            <a:schemeClr val="tx1"/>
+          </a:fontRef>
+        </p:style>
+      </p:cxnSp>
+      <p:cxnSp>
+        <p:nvCxnSpPr>
+          <p:cNvPr id="17" name="Straight Arrow Connector 16">
+            <a:extLst>
+              <a:ext uri="{FF2B5EF4-FFF2-40B4-BE49-F238E27FC236}">
+                <a16:creationId xmlns:a16="http://schemas.microsoft.com/office/drawing/2014/main" id="{7D3A0B1F-C5A0-4627-AB26-06CF89BD6BB0}"/>
+              </a:ext>
+            </a:extLst>
+          </p:cNvPr>
+          <p:cNvCxnSpPr>
+            <a:cxnSpLocks/>
+          </p:cNvCxnSpPr>
+          <p:nvPr/>
+        </p:nvCxnSpPr>
+        <p:spPr>
+          <a:xfrm>
+            <a:off x="5729807" y="3584660"/>
+            <a:ext cx="289301" cy="5686"/>
+          </a:xfrm>
+          <a:prstGeom prst="straightConnector1">
+            <a:avLst/>
+          </a:prstGeom>
+          <a:ln>
+            <a:solidFill>
+              <a:schemeClr val="tx2"/>
+            </a:solidFill>
+            <a:tailEnd type="triangle"/>
+          </a:ln>
+        </p:spPr>
+        <p:style>
+          <a:lnRef idx="1">
+            <a:schemeClr val="accent1"/>
+          </a:lnRef>
+          <a:fillRef idx="0">
+            <a:schemeClr val="accent1"/>
+          </a:fillRef>
+          <a:effectRef idx="0">
+            <a:schemeClr val="accent1"/>
+          </a:effectRef>
+          <a:fontRef idx="minor">
+            <a:schemeClr val="tx1"/>
+          </a:fontRef>
+        </p:style>
+      </p:cxnSp>
+      <p:cxnSp>
+        <p:nvCxnSpPr>
+          <p:cNvPr id="19" name="Straight Arrow Connector 18">
+            <a:extLst>
+              <a:ext uri="{FF2B5EF4-FFF2-40B4-BE49-F238E27FC236}">
+                <a16:creationId xmlns:a16="http://schemas.microsoft.com/office/drawing/2014/main" id="{032BDE3E-D2C1-4AFE-9D26-42499B49AE55}"/>
+              </a:ext>
+            </a:extLst>
+          </p:cNvPr>
+          <p:cNvCxnSpPr>
+            <a:cxnSpLocks/>
+            <a:stCxn id="152" idx="4"/>
+            <a:endCxn id="153" idx="0"/>
+          </p:cNvCxnSpPr>
+          <p:nvPr/>
+        </p:nvCxnSpPr>
+        <p:spPr>
+          <a:xfrm flipV="1">
+            <a:off x="6992145" y="3563955"/>
+            <a:ext cx="202371" cy="5909"/>
+          </a:xfrm>
+          <a:prstGeom prst="straightConnector1">
+            <a:avLst/>
+          </a:prstGeom>
+          <a:ln>
+            <a:solidFill>
+              <a:schemeClr val="tx2"/>
+            </a:solidFill>
+            <a:tailEnd type="triangle"/>
+          </a:ln>
+        </p:spPr>
+        <p:style>
+          <a:lnRef idx="1">
+            <a:schemeClr val="accent1"/>
+          </a:lnRef>
+          <a:fillRef idx="0">
+            <a:schemeClr val="accent1"/>
+          </a:fillRef>
+          <a:effectRef idx="0">
+            <a:schemeClr val="accent1"/>
+          </a:effectRef>
+          <a:fontRef idx="minor">
+            <a:schemeClr val="tx1"/>
+          </a:fontRef>
+        </p:style>
+      </p:cxnSp>
+      <p:cxnSp>
+        <p:nvCxnSpPr>
+          <p:cNvPr id="22" name="Straight Arrow Connector 21">
+            <a:extLst>
+              <a:ext uri="{FF2B5EF4-FFF2-40B4-BE49-F238E27FC236}">
+                <a16:creationId xmlns:a16="http://schemas.microsoft.com/office/drawing/2014/main" id="{D440D08B-9810-4FFD-94D4-61BF5712442F}"/>
+              </a:ext>
+            </a:extLst>
+          </p:cNvPr>
+          <p:cNvCxnSpPr>
+            <a:stCxn id="153" idx="4"/>
+            <a:endCxn id="158" idx="1"/>
+          </p:cNvCxnSpPr>
+          <p:nvPr/>
+        </p:nvCxnSpPr>
+        <p:spPr>
+          <a:xfrm>
+            <a:off x="8124256" y="3563955"/>
+            <a:ext cx="255844" cy="0"/>
+          </a:xfrm>
+          <a:prstGeom prst="straightConnector1">
+            <a:avLst/>
+          </a:prstGeom>
+          <a:ln>
+            <a:solidFill>
+              <a:schemeClr val="tx2"/>
+            </a:solidFill>
+            <a:tailEnd type="triangle"/>
+          </a:ln>
+        </p:spPr>
+        <p:style>
+          <a:lnRef idx="1">
+            <a:schemeClr val="accent1"/>
+          </a:lnRef>
+          <a:fillRef idx="0">
+            <a:schemeClr val="accent1"/>
+          </a:fillRef>
+          <a:effectRef idx="0">
+            <a:schemeClr val="accent1"/>
+          </a:effectRef>
+          <a:fontRef idx="minor">
+            <a:schemeClr val="tx1"/>
+          </a:fontRef>
+        </p:style>
+      </p:cxnSp>
+      <p:sp>
+        <p:nvSpPr>
+          <p:cNvPr id="150" name="Oval 149">
+            <a:extLst>
+              <a:ext uri="{FF2B5EF4-FFF2-40B4-BE49-F238E27FC236}">
+                <a16:creationId xmlns:a16="http://schemas.microsoft.com/office/drawing/2014/main" id="{1D4AEFE8-70FE-4703-A48F-6B4D515A174E}"/>
+              </a:ext>
+            </a:extLst>
+          </p:cNvPr>
+          <p:cNvSpPr>
+            <a:spLocks noChangeArrowheads="1"/>
+          </p:cNvSpPr>
+          <p:nvPr/>
+        </p:nvSpPr>
+        <p:spPr bwMode="blackWhite">
+          <a:xfrm rot="16200000">
+            <a:off x="10603771" y="950363"/>
+            <a:ext cx="917753" cy="929740"/>
+          </a:xfrm>
+          <a:prstGeom prst="ellipse">
+            <a:avLst/>
+          </a:prstGeom>
+          <a:noFill/>
+          <a:ln w="38100">
+            <a:solidFill>
+              <a:schemeClr val="tx1">
+                <a:lumMod val="50000"/>
+                <a:lumOff val="50000"/>
+              </a:schemeClr>
+            </a:solidFill>
+            <a:round/>
+            <a:headEnd/>
+            <a:tailEnd/>
+          </a:ln>
+        </p:spPr>
+        <p:txBody>
+          <a:bodyPr vert="vert" wrap="none" lIns="88900" tIns="88900" rIns="88900" bIns="88900" anchor="ctr"/>
+          <a:lstStyle/>
+          <a:p>
+            <a:pPr algn="ctr" defTabSz="820738" eaLnBrk="1" hangingPunct="1">
+              <a:spcBef>
+                <a:spcPts val="300"/>
+              </a:spcBef>
+              <a:spcAft>
+                <a:spcPts val="300"/>
+              </a:spcAft>
+              <a:defRPr/>
+            </a:pPr>
+            <a:r>
+              <a:rPr lang="en-GB" sz="1000" b="1" dirty="0">
+                <a:solidFill>
+                  <a:sysClr val="windowText" lastClr="000000"/>
+                </a:solidFill>
+                <a:latin typeface="+mj-lt"/>
+                <a:ea typeface="Verdana" panose="020B0604030504040204" pitchFamily="34" charset="0"/>
+                <a:cs typeface="Verdana" panose="020B0604030504040204" pitchFamily="34" charset="0"/>
+              </a:rPr>
+              <a:t>Answer</a:t>
+            </a:r>
+          </a:p>
+          <a:p>
+            <a:pPr algn="ctr" defTabSz="820738" eaLnBrk="1" hangingPunct="1">
+              <a:spcBef>
+                <a:spcPts val="300"/>
+              </a:spcBef>
+              <a:spcAft>
+                <a:spcPts val="300"/>
+              </a:spcAft>
+              <a:defRPr/>
+            </a:pPr>
+            <a:r>
+              <a:rPr lang="en-GB" sz="1000" b="1" dirty="0">
+                <a:solidFill>
+                  <a:sysClr val="windowText" lastClr="000000"/>
+                </a:solidFill>
+                <a:latin typeface="+mj-lt"/>
+                <a:ea typeface="Verdana" panose="020B0604030504040204" pitchFamily="34" charset="0"/>
+                <a:cs typeface="Verdana" panose="020B0604030504040204" pitchFamily="34" charset="0"/>
+              </a:rPr>
+              <a:t>Phrase</a:t>
+            </a:r>
+          </a:p>
+        </p:txBody>
+      </p:sp>
+      <p:cxnSp>
+        <p:nvCxnSpPr>
+          <p:cNvPr id="38" name="Straight Arrow Connector 37">
+            <a:extLst>
+              <a:ext uri="{FF2B5EF4-FFF2-40B4-BE49-F238E27FC236}">
+                <a16:creationId xmlns:a16="http://schemas.microsoft.com/office/drawing/2014/main" id="{C5C1AD87-911E-4EA2-BFE7-159C2FA56530}"/>
+              </a:ext>
+            </a:extLst>
+          </p:cNvPr>
+          <p:cNvCxnSpPr>
+            <a:stCxn id="147" idx="1"/>
+            <a:endCxn id="150" idx="2"/>
+          </p:cNvCxnSpPr>
+          <p:nvPr/>
+        </p:nvCxnSpPr>
+        <p:spPr>
+          <a:xfrm flipH="1" flipV="1">
+            <a:off x="11062648" y="1874110"/>
+            <a:ext cx="2880" cy="588590"/>
+          </a:xfrm>
+          <a:prstGeom prst="straightConnector1">
+            <a:avLst/>
+          </a:prstGeom>
+          <a:ln>
+            <a:solidFill>
+              <a:schemeClr val="tx2"/>
+            </a:solidFill>
+            <a:tailEnd type="triangle"/>
+          </a:ln>
+        </p:spPr>
+        <p:style>
+          <a:lnRef idx="1">
+            <a:schemeClr val="accent1"/>
+          </a:lnRef>
+          <a:fillRef idx="0">
+            <a:schemeClr val="accent1"/>
+          </a:fillRef>
+          <a:effectRef idx="0">
+            <a:schemeClr val="accent1"/>
+          </a:effectRef>
+          <a:fontRef idx="minor">
+            <a:schemeClr val="tx1"/>
+          </a:fontRef>
+        </p:style>
+      </p:cxnSp>
     </p:spTree>
     <p:extLst>
       <p:ext uri="{BB962C8B-B14F-4D97-AF65-F5344CB8AC3E}">
         <p14:creationId xmlns:p14="http://schemas.microsoft.com/office/powerpoint/2010/main" val="2692003876"/>
+      </p:ext>
+    </p:extLst>
+  </p:cSld>
+  <p:clrMapOvr>
+    <a:masterClrMapping/>
+  </p:clrMapOvr>
+  <p:transition>
+    <p:fade/>
+  </p:transition>
+</p:sld>
+</file>
+
+<file path=ppt/slides/slide7.xml><?xml version="1.0" encoding="utf-8"?>
+<p:sld xmlns:a="http://schemas.openxmlformats.org/drawingml/2006/main" xmlns:r="http://schemas.openxmlformats.org/officeDocument/2006/relationships" xmlns:p="http://schemas.openxmlformats.org/presentationml/2006/main">
+  <p:cSld>
+    <p:spTree>
+      <p:nvGrpSpPr>
+        <p:cNvPr id="1" name=""/>
+        <p:cNvGrpSpPr/>
+        <p:nvPr/>
+      </p:nvGrpSpPr>
+      <p:grpSpPr>
+        <a:xfrm>
+          <a:off x="0" y="0"/>
+          <a:ext cx="0" cy="0"/>
+          <a:chOff x="0" y="0"/>
+          <a:chExt cx="0" cy="0"/>
+        </a:xfrm>
+      </p:grpSpPr>
+      <p:sp>
+        <p:nvSpPr>
+          <p:cNvPr id="3" name="Title 2">
+            <a:extLst>
+              <a:ext uri="{FF2B5EF4-FFF2-40B4-BE49-F238E27FC236}">
+                <a16:creationId xmlns:a16="http://schemas.microsoft.com/office/drawing/2014/main" id="{2881B0B0-8B09-4698-AAD9-1EEF31081CEC}"/>
+              </a:ext>
+            </a:extLst>
+          </p:cNvPr>
+          <p:cNvSpPr>
+            <a:spLocks noGrp="1"/>
+          </p:cNvSpPr>
+          <p:nvPr>
+            <p:ph type="title"/>
+          </p:nvPr>
+        </p:nvSpPr>
+        <p:spPr>
+          <a:xfrm>
+            <a:off x="469900" y="171506"/>
+            <a:ext cx="11252200" cy="334102"/>
+          </a:xfrm>
+        </p:spPr>
+        <p:txBody>
+          <a:bodyPr/>
+          <a:lstStyle/>
+          <a:p>
+            <a:r>
+              <a:rPr lang="en-US" dirty="0"/>
+              <a:t>Example</a:t>
+            </a:r>
+          </a:p>
+        </p:txBody>
+      </p:sp>
+      <p:sp>
+        <p:nvSpPr>
+          <p:cNvPr id="5" name="Rectangle 4">
+            <a:extLst>
+              <a:ext uri="{FF2B5EF4-FFF2-40B4-BE49-F238E27FC236}">
+                <a16:creationId xmlns:a16="http://schemas.microsoft.com/office/drawing/2014/main" id="{A94ED05D-C2CB-4552-B10B-BE76CFB13B6E}"/>
+              </a:ext>
+            </a:extLst>
+          </p:cNvPr>
+          <p:cNvSpPr/>
+          <p:nvPr/>
+        </p:nvSpPr>
+        <p:spPr bwMode="gray">
+          <a:xfrm>
+            <a:off x="469900" y="857315"/>
+            <a:ext cx="2787651" cy="378618"/>
+          </a:xfrm>
+          <a:prstGeom prst="rect">
+            <a:avLst/>
+          </a:prstGeom>
+          <a:ln w="12700">
+            <a:headEnd/>
+            <a:tailEnd/>
+          </a:ln>
+        </p:spPr>
+        <p:style>
+          <a:lnRef idx="2">
+            <a:schemeClr val="dk1"/>
+          </a:lnRef>
+          <a:fillRef idx="1">
+            <a:schemeClr val="lt1"/>
+          </a:fillRef>
+          <a:effectRef idx="0">
+            <a:schemeClr val="dk1"/>
+          </a:effectRef>
+          <a:fontRef idx="minor">
+            <a:schemeClr val="dk1"/>
+          </a:fontRef>
+        </p:style>
+        <p:txBody>
+          <a:bodyPr wrap="square" lIns="88900" tIns="88900" rIns="88900" bIns="88900" rtlCol="0" anchor="ctr"/>
+          <a:lstStyle/>
+          <a:p>
+            <a:pPr algn="ctr">
+              <a:lnSpc>
+                <a:spcPct val="106000"/>
+              </a:lnSpc>
+              <a:buFont typeface="Wingdings 2" pitchFamily="18" charset="2"/>
+              <a:buNone/>
+            </a:pPr>
+            <a:r>
+              <a:rPr lang="en-US" sz="1100" dirty="0">
+                <a:solidFill>
+                  <a:schemeClr val="tx1"/>
+                </a:solidFill>
+              </a:rPr>
+              <a:t>Which are the major Himalayan rivers in India?</a:t>
+            </a:r>
+          </a:p>
+        </p:txBody>
+      </p:sp>
+      <p:sp>
+        <p:nvSpPr>
+          <p:cNvPr id="6" name="TextBox 5">
+            <a:extLst>
+              <a:ext uri="{FF2B5EF4-FFF2-40B4-BE49-F238E27FC236}">
+                <a16:creationId xmlns:a16="http://schemas.microsoft.com/office/drawing/2014/main" id="{ECF6AA56-DDEC-41F8-BD8C-6C6FAC5B7A79}"/>
+              </a:ext>
+            </a:extLst>
+          </p:cNvPr>
+          <p:cNvSpPr txBox="1"/>
+          <p:nvPr/>
+        </p:nvSpPr>
+        <p:spPr>
+          <a:xfrm>
+            <a:off x="469900" y="606171"/>
+            <a:ext cx="1244600" cy="169277"/>
+          </a:xfrm>
+          <a:prstGeom prst="rect">
+            <a:avLst/>
+          </a:prstGeom>
+          <a:noFill/>
+        </p:spPr>
+        <p:txBody>
+          <a:bodyPr vert="horz" wrap="square" lIns="0" tIns="0" rIns="0" bIns="0" rtlCol="0">
+            <a:spAutoFit/>
+          </a:bodyPr>
+          <a:lstStyle/>
+          <a:p>
+            <a:pPr>
+              <a:spcBef>
+                <a:spcPts val="200"/>
+              </a:spcBef>
+              <a:buSzPct val="100000"/>
+            </a:pPr>
+            <a:r>
+              <a:rPr lang="en-US" sz="1100" dirty="0"/>
+              <a:t>Input Question</a:t>
+            </a:r>
+          </a:p>
+        </p:txBody>
+      </p:sp>
+      <p:pic>
+        <p:nvPicPr>
+          <p:cNvPr id="8" name="Picture 7">
+            <a:extLst>
+              <a:ext uri="{FF2B5EF4-FFF2-40B4-BE49-F238E27FC236}">
+                <a16:creationId xmlns:a16="http://schemas.microsoft.com/office/drawing/2014/main" id="{E3F67643-2454-430E-BB2D-2421A81247C3}"/>
+              </a:ext>
+            </a:extLst>
+          </p:cNvPr>
+          <p:cNvPicPr>
+            <a:picLocks noChangeAspect="1"/>
+          </p:cNvPicPr>
+          <p:nvPr/>
+        </p:nvPicPr>
+        <p:blipFill>
+          <a:blip r:embed="rId2"/>
+          <a:stretch>
+            <a:fillRect/>
+          </a:stretch>
+        </p:blipFill>
+        <p:spPr>
+          <a:xfrm>
+            <a:off x="1110456" y="1460943"/>
+            <a:ext cx="9971088" cy="2874987"/>
+          </a:xfrm>
+          <a:prstGeom prst="rect">
+            <a:avLst/>
+          </a:prstGeom>
+        </p:spPr>
+      </p:pic>
+      <p:sp>
+        <p:nvSpPr>
+          <p:cNvPr id="9" name="Rectangle 8">
+            <a:extLst>
+              <a:ext uri="{FF2B5EF4-FFF2-40B4-BE49-F238E27FC236}">
+                <a16:creationId xmlns:a16="http://schemas.microsoft.com/office/drawing/2014/main" id="{447F5A01-AD14-45B9-A3B5-018E04183F6F}"/>
+              </a:ext>
+            </a:extLst>
+          </p:cNvPr>
+          <p:cNvSpPr/>
+          <p:nvPr/>
+        </p:nvSpPr>
+        <p:spPr bwMode="gray">
+          <a:xfrm>
+            <a:off x="8934450" y="857315"/>
+            <a:ext cx="2676525" cy="334102"/>
+          </a:xfrm>
+          <a:prstGeom prst="rect">
+            <a:avLst/>
+          </a:prstGeom>
+          <a:ln w="12700">
+            <a:headEnd/>
+            <a:tailEnd/>
+          </a:ln>
+        </p:spPr>
+        <p:style>
+          <a:lnRef idx="2">
+            <a:schemeClr val="dk1"/>
+          </a:lnRef>
+          <a:fillRef idx="1">
+            <a:schemeClr val="lt1"/>
+          </a:fillRef>
+          <a:effectRef idx="0">
+            <a:schemeClr val="dk1"/>
+          </a:effectRef>
+          <a:fontRef idx="minor">
+            <a:schemeClr val="dk1"/>
+          </a:fontRef>
+        </p:style>
+        <p:txBody>
+          <a:bodyPr wrap="square" lIns="88900" tIns="88900" rIns="88900" bIns="88900" rtlCol="0" anchor="ctr"/>
+          <a:lstStyle/>
+          <a:p>
+            <a:pPr algn="ctr"/>
+            <a:r>
+              <a:rPr lang="en-US" sz="1100" dirty="0"/>
+              <a:t>https://en.wikipedia.org/wiki/India</a:t>
+            </a:r>
+          </a:p>
+        </p:txBody>
+      </p:sp>
+      <p:sp>
+        <p:nvSpPr>
+          <p:cNvPr id="10" name="TextBox 9">
+            <a:extLst>
+              <a:ext uri="{FF2B5EF4-FFF2-40B4-BE49-F238E27FC236}">
+                <a16:creationId xmlns:a16="http://schemas.microsoft.com/office/drawing/2014/main" id="{1C3AE5EB-0FD8-4F58-BAE4-816A2B9407AF}"/>
+              </a:ext>
+            </a:extLst>
+          </p:cNvPr>
+          <p:cNvSpPr txBox="1"/>
+          <p:nvPr/>
+        </p:nvSpPr>
+        <p:spPr>
+          <a:xfrm>
+            <a:off x="8934450" y="606171"/>
+            <a:ext cx="1244600" cy="169277"/>
+          </a:xfrm>
+          <a:prstGeom prst="rect">
+            <a:avLst/>
+          </a:prstGeom>
+          <a:noFill/>
+        </p:spPr>
+        <p:txBody>
+          <a:bodyPr vert="horz" wrap="square" lIns="0" tIns="0" rIns="0" bIns="0" rtlCol="0">
+            <a:spAutoFit/>
+          </a:bodyPr>
+          <a:lstStyle/>
+          <a:p>
+            <a:pPr>
+              <a:spcBef>
+                <a:spcPts val="200"/>
+              </a:spcBef>
+              <a:buSzPct val="100000"/>
+            </a:pPr>
+            <a:r>
+              <a:rPr lang="en-US" sz="1100" dirty="0"/>
+              <a:t>Web Page URL</a:t>
+            </a:r>
+          </a:p>
+        </p:txBody>
+      </p:sp>
+      <p:sp>
+        <p:nvSpPr>
+          <p:cNvPr id="11" name="Rectangle 10">
+            <a:extLst>
+              <a:ext uri="{FF2B5EF4-FFF2-40B4-BE49-F238E27FC236}">
+                <a16:creationId xmlns:a16="http://schemas.microsoft.com/office/drawing/2014/main" id="{3595BB81-D14B-4A8E-B4C8-3B06EA7E5C44}"/>
+              </a:ext>
+            </a:extLst>
+          </p:cNvPr>
+          <p:cNvSpPr/>
+          <p:nvPr/>
+        </p:nvSpPr>
+        <p:spPr bwMode="gray">
+          <a:xfrm>
+            <a:off x="5005387" y="857315"/>
+            <a:ext cx="2181226" cy="378618"/>
+          </a:xfrm>
+          <a:prstGeom prst="rect">
+            <a:avLst/>
+          </a:prstGeom>
+          <a:solidFill>
+            <a:schemeClr val="accent6">
+              <a:lumMod val="20000"/>
+              <a:lumOff val="80000"/>
+            </a:schemeClr>
+          </a:solidFill>
+          <a:ln w="12700">
+            <a:headEnd/>
+            <a:tailEnd/>
+          </a:ln>
+        </p:spPr>
+        <p:style>
+          <a:lnRef idx="2">
+            <a:schemeClr val="dk1"/>
+          </a:lnRef>
+          <a:fillRef idx="1">
+            <a:schemeClr val="lt1"/>
+          </a:fillRef>
+          <a:effectRef idx="0">
+            <a:schemeClr val="dk1"/>
+          </a:effectRef>
+          <a:fontRef idx="minor">
+            <a:schemeClr val="dk1"/>
+          </a:fontRef>
+        </p:style>
+        <p:txBody>
+          <a:bodyPr wrap="square" lIns="88900" tIns="88900" rIns="88900" bIns="88900" rtlCol="0" anchor="ctr"/>
+          <a:lstStyle/>
+          <a:p>
+            <a:pPr algn="ctr">
+              <a:lnSpc>
+                <a:spcPct val="106000"/>
+              </a:lnSpc>
+              <a:buFont typeface="Wingdings 2" pitchFamily="18" charset="2"/>
+              <a:buNone/>
+            </a:pPr>
+            <a:r>
+              <a:rPr lang="en-US" sz="1100" dirty="0">
+                <a:solidFill>
+                  <a:schemeClr val="tx1"/>
+                </a:solidFill>
+              </a:rPr>
+              <a:t>Context Generation Module</a:t>
+            </a:r>
+          </a:p>
+          <a:p>
+            <a:pPr algn="ctr">
+              <a:lnSpc>
+                <a:spcPct val="106000"/>
+              </a:lnSpc>
+              <a:buFont typeface="Wingdings 2" pitchFamily="18" charset="2"/>
+              <a:buNone/>
+            </a:pPr>
+            <a:r>
+              <a:rPr lang="en-US" sz="1100" dirty="0">
+                <a:solidFill>
+                  <a:schemeClr val="tx1"/>
+                </a:solidFill>
+              </a:rPr>
+              <a:t>(GloVe + InferSent)</a:t>
+            </a:r>
+          </a:p>
+        </p:txBody>
+      </p:sp>
+      <p:cxnSp>
+        <p:nvCxnSpPr>
+          <p:cNvPr id="13" name="Straight Arrow Connector 12">
+            <a:extLst>
+              <a:ext uri="{FF2B5EF4-FFF2-40B4-BE49-F238E27FC236}">
+                <a16:creationId xmlns:a16="http://schemas.microsoft.com/office/drawing/2014/main" id="{6779428B-E105-4C3C-8B40-F1CA5F6F23CE}"/>
+              </a:ext>
+            </a:extLst>
+          </p:cNvPr>
+          <p:cNvCxnSpPr>
+            <a:cxnSpLocks/>
+            <a:stCxn id="5" idx="3"/>
+            <a:endCxn id="11" idx="1"/>
+          </p:cNvCxnSpPr>
+          <p:nvPr/>
+        </p:nvCxnSpPr>
+        <p:spPr>
+          <a:xfrm>
+            <a:off x="3257551" y="1046624"/>
+            <a:ext cx="1747836" cy="0"/>
+          </a:xfrm>
+          <a:prstGeom prst="straightConnector1">
+            <a:avLst/>
+          </a:prstGeom>
+          <a:ln>
+            <a:solidFill>
+              <a:schemeClr val="tx2"/>
+            </a:solidFill>
+            <a:tailEnd type="triangle"/>
+          </a:ln>
+        </p:spPr>
+        <p:style>
+          <a:lnRef idx="1">
+            <a:schemeClr val="accent1"/>
+          </a:lnRef>
+          <a:fillRef idx="0">
+            <a:schemeClr val="accent1"/>
+          </a:fillRef>
+          <a:effectRef idx="0">
+            <a:schemeClr val="accent1"/>
+          </a:effectRef>
+          <a:fontRef idx="minor">
+            <a:schemeClr val="tx1"/>
+          </a:fontRef>
+        </p:style>
+      </p:cxnSp>
+      <p:cxnSp>
+        <p:nvCxnSpPr>
+          <p:cNvPr id="15" name="Straight Arrow Connector 14">
+            <a:extLst>
+              <a:ext uri="{FF2B5EF4-FFF2-40B4-BE49-F238E27FC236}">
+                <a16:creationId xmlns:a16="http://schemas.microsoft.com/office/drawing/2014/main" id="{9CE63F9A-9B9E-4BCA-AF1C-B05A45B75F70}"/>
+              </a:ext>
+            </a:extLst>
+          </p:cNvPr>
+          <p:cNvCxnSpPr>
+            <a:cxnSpLocks/>
+            <a:stCxn id="9" idx="1"/>
+            <a:endCxn id="11" idx="3"/>
+          </p:cNvCxnSpPr>
+          <p:nvPr/>
+        </p:nvCxnSpPr>
+        <p:spPr>
+          <a:xfrm flipH="1">
+            <a:off x="7186613" y="1024366"/>
+            <a:ext cx="1747837" cy="22258"/>
+          </a:xfrm>
+          <a:prstGeom prst="straightConnector1">
+            <a:avLst/>
+          </a:prstGeom>
+          <a:ln>
+            <a:solidFill>
+              <a:schemeClr val="tx2"/>
+            </a:solidFill>
+            <a:tailEnd type="triangle"/>
+          </a:ln>
+        </p:spPr>
+        <p:style>
+          <a:lnRef idx="1">
+            <a:schemeClr val="accent1"/>
+          </a:lnRef>
+          <a:fillRef idx="0">
+            <a:schemeClr val="accent1"/>
+          </a:fillRef>
+          <a:effectRef idx="0">
+            <a:schemeClr val="accent1"/>
+          </a:effectRef>
+          <a:fontRef idx="minor">
+            <a:schemeClr val="tx1"/>
+          </a:fontRef>
+        </p:style>
+      </p:cxnSp>
+      <p:cxnSp>
+        <p:nvCxnSpPr>
+          <p:cNvPr id="17" name="Straight Arrow Connector 16">
+            <a:extLst>
+              <a:ext uri="{FF2B5EF4-FFF2-40B4-BE49-F238E27FC236}">
+                <a16:creationId xmlns:a16="http://schemas.microsoft.com/office/drawing/2014/main" id="{A3025FF3-2E03-4AD4-AB66-E2351800B3F9}"/>
+              </a:ext>
+            </a:extLst>
+          </p:cNvPr>
+          <p:cNvCxnSpPr>
+            <a:cxnSpLocks/>
+            <a:stCxn id="11" idx="2"/>
+            <a:endCxn id="8" idx="0"/>
+          </p:cNvCxnSpPr>
+          <p:nvPr/>
+        </p:nvCxnSpPr>
+        <p:spPr>
+          <a:xfrm>
+            <a:off x="6096000" y="1235933"/>
+            <a:ext cx="0" cy="225010"/>
+          </a:xfrm>
+          <a:prstGeom prst="straightConnector1">
+            <a:avLst/>
+          </a:prstGeom>
+          <a:ln>
+            <a:solidFill>
+              <a:schemeClr val="tx2"/>
+            </a:solidFill>
+            <a:tailEnd type="triangle"/>
+          </a:ln>
+        </p:spPr>
+        <p:style>
+          <a:lnRef idx="1">
+            <a:schemeClr val="accent1"/>
+          </a:lnRef>
+          <a:fillRef idx="0">
+            <a:schemeClr val="accent1"/>
+          </a:fillRef>
+          <a:effectRef idx="0">
+            <a:schemeClr val="accent1"/>
+          </a:effectRef>
+          <a:fontRef idx="minor">
+            <a:schemeClr val="tx1"/>
+          </a:fontRef>
+        </p:style>
+      </p:cxnSp>
+      <p:sp>
+        <p:nvSpPr>
+          <p:cNvPr id="18" name="Rectangle 17">
+            <a:extLst>
+              <a:ext uri="{FF2B5EF4-FFF2-40B4-BE49-F238E27FC236}">
+                <a16:creationId xmlns:a16="http://schemas.microsoft.com/office/drawing/2014/main" id="{EEA87E89-18EE-4566-9D58-2EF0F93C7EDF}"/>
+              </a:ext>
+            </a:extLst>
+          </p:cNvPr>
+          <p:cNvSpPr/>
+          <p:nvPr/>
+        </p:nvSpPr>
+        <p:spPr bwMode="gray">
+          <a:xfrm>
+            <a:off x="5005386" y="4522512"/>
+            <a:ext cx="2181226" cy="414059"/>
+          </a:xfrm>
+          <a:prstGeom prst="rect">
+            <a:avLst/>
+          </a:prstGeom>
+          <a:solidFill>
+            <a:schemeClr val="accent6">
+              <a:lumMod val="20000"/>
+              <a:lumOff val="80000"/>
+            </a:schemeClr>
+          </a:solidFill>
+          <a:ln w="12700">
+            <a:headEnd/>
+            <a:tailEnd/>
+          </a:ln>
+        </p:spPr>
+        <p:style>
+          <a:lnRef idx="2">
+            <a:schemeClr val="dk1"/>
+          </a:lnRef>
+          <a:fillRef idx="1">
+            <a:schemeClr val="lt1"/>
+          </a:fillRef>
+          <a:effectRef idx="0">
+            <a:schemeClr val="dk1"/>
+          </a:effectRef>
+          <a:fontRef idx="minor">
+            <a:schemeClr val="dk1"/>
+          </a:fontRef>
+        </p:style>
+        <p:txBody>
+          <a:bodyPr wrap="square" lIns="88900" tIns="88900" rIns="88900" bIns="88900" rtlCol="0" anchor="ctr"/>
+          <a:lstStyle/>
+          <a:p>
+            <a:pPr algn="ctr">
+              <a:lnSpc>
+                <a:spcPct val="106000"/>
+              </a:lnSpc>
+              <a:buFont typeface="Wingdings 2" pitchFamily="18" charset="2"/>
+              <a:buNone/>
+            </a:pPr>
+            <a:r>
+              <a:rPr lang="en-US" sz="1100" dirty="0">
+                <a:solidFill>
+                  <a:schemeClr val="tx1"/>
+                </a:solidFill>
+              </a:rPr>
+              <a:t>Answer Extraction Module</a:t>
+            </a:r>
+          </a:p>
+          <a:p>
+            <a:pPr algn="ctr">
+              <a:lnSpc>
+                <a:spcPct val="106000"/>
+              </a:lnSpc>
+              <a:buFont typeface="Wingdings 2" pitchFamily="18" charset="2"/>
+              <a:buNone/>
+            </a:pPr>
+            <a:r>
+              <a:rPr lang="en-US" sz="1100" dirty="0">
+                <a:solidFill>
+                  <a:schemeClr val="tx1"/>
+                </a:solidFill>
+              </a:rPr>
+              <a:t>(DistilBERT)</a:t>
+            </a:r>
+          </a:p>
+        </p:txBody>
+      </p:sp>
+      <p:pic>
+        <p:nvPicPr>
+          <p:cNvPr id="19" name="Picture 18">
+            <a:extLst>
+              <a:ext uri="{FF2B5EF4-FFF2-40B4-BE49-F238E27FC236}">
+                <a16:creationId xmlns:a16="http://schemas.microsoft.com/office/drawing/2014/main" id="{7ABDF346-AFD0-4435-84A4-4F42C5C0DCA5}"/>
+              </a:ext>
+            </a:extLst>
+          </p:cNvPr>
+          <p:cNvPicPr>
+            <a:picLocks noChangeAspect="1"/>
+          </p:cNvPicPr>
+          <p:nvPr/>
+        </p:nvPicPr>
+        <p:blipFill>
+          <a:blip r:embed="rId3"/>
+          <a:stretch>
+            <a:fillRect/>
+          </a:stretch>
+        </p:blipFill>
+        <p:spPr>
+          <a:xfrm>
+            <a:off x="3098468" y="5206098"/>
+            <a:ext cx="6458282" cy="260363"/>
+          </a:xfrm>
+          <a:prstGeom prst="rect">
+            <a:avLst/>
+          </a:prstGeom>
+        </p:spPr>
+      </p:pic>
+      <p:pic>
+        <p:nvPicPr>
+          <p:cNvPr id="20" name="Picture 19">
+            <a:extLst>
+              <a:ext uri="{FF2B5EF4-FFF2-40B4-BE49-F238E27FC236}">
+                <a16:creationId xmlns:a16="http://schemas.microsoft.com/office/drawing/2014/main" id="{EC7E21C0-5B30-4903-874A-BE68B6D8A055}"/>
+              </a:ext>
+            </a:extLst>
+          </p:cNvPr>
+          <p:cNvPicPr>
+            <a:picLocks noChangeAspect="1"/>
+          </p:cNvPicPr>
+          <p:nvPr/>
+        </p:nvPicPr>
+        <p:blipFill>
+          <a:blip r:embed="rId4"/>
+          <a:stretch>
+            <a:fillRect/>
+          </a:stretch>
+        </p:blipFill>
+        <p:spPr>
+          <a:xfrm>
+            <a:off x="4616373" y="6145670"/>
+            <a:ext cx="2959252" cy="209561"/>
+          </a:xfrm>
+          <a:prstGeom prst="rect">
+            <a:avLst/>
+          </a:prstGeom>
+        </p:spPr>
+      </p:pic>
+      <p:sp>
+        <p:nvSpPr>
+          <p:cNvPr id="21" name="Rectangle 20">
+            <a:extLst>
+              <a:ext uri="{FF2B5EF4-FFF2-40B4-BE49-F238E27FC236}">
+                <a16:creationId xmlns:a16="http://schemas.microsoft.com/office/drawing/2014/main" id="{D811FFFB-15BD-4B17-BFF9-6692046CCD03}"/>
+              </a:ext>
+            </a:extLst>
+          </p:cNvPr>
+          <p:cNvSpPr/>
+          <p:nvPr/>
+        </p:nvSpPr>
+        <p:spPr bwMode="gray">
+          <a:xfrm>
+            <a:off x="4533030" y="5666583"/>
+            <a:ext cx="3125939" cy="209561"/>
+          </a:xfrm>
+          <a:prstGeom prst="rect">
+            <a:avLst/>
+          </a:prstGeom>
+          <a:solidFill>
+            <a:schemeClr val="accent6">
+              <a:lumMod val="20000"/>
+              <a:lumOff val="80000"/>
+            </a:schemeClr>
+          </a:solidFill>
+          <a:ln w="12700">
+            <a:headEnd/>
+            <a:tailEnd/>
+          </a:ln>
+        </p:spPr>
+        <p:style>
+          <a:lnRef idx="2">
+            <a:schemeClr val="dk1"/>
+          </a:lnRef>
+          <a:fillRef idx="1">
+            <a:schemeClr val="lt1"/>
+          </a:fillRef>
+          <a:effectRef idx="0">
+            <a:schemeClr val="dk1"/>
+          </a:effectRef>
+          <a:fontRef idx="minor">
+            <a:schemeClr val="dk1"/>
+          </a:fontRef>
+        </p:style>
+        <p:txBody>
+          <a:bodyPr wrap="square" lIns="88900" tIns="88900" rIns="88900" bIns="88900" rtlCol="0" anchor="ctr"/>
+          <a:lstStyle/>
+          <a:p>
+            <a:pPr algn="ctr">
+              <a:lnSpc>
+                <a:spcPct val="106000"/>
+              </a:lnSpc>
+              <a:buFont typeface="Wingdings 2" pitchFamily="18" charset="2"/>
+              <a:buNone/>
+            </a:pPr>
+            <a:r>
+              <a:rPr lang="en-US" sz="1100" dirty="0">
+                <a:solidFill>
+                  <a:schemeClr val="tx1"/>
+                </a:solidFill>
+              </a:rPr>
+              <a:t>Cleaning and merging the answer tokens</a:t>
+            </a:r>
+          </a:p>
+        </p:txBody>
+      </p:sp>
+      <p:cxnSp>
+        <p:nvCxnSpPr>
+          <p:cNvPr id="23" name="Straight Arrow Connector 22">
+            <a:extLst>
+              <a:ext uri="{FF2B5EF4-FFF2-40B4-BE49-F238E27FC236}">
+                <a16:creationId xmlns:a16="http://schemas.microsoft.com/office/drawing/2014/main" id="{5927DCA4-D80C-4298-9568-A2F2A74C79F8}"/>
+              </a:ext>
+            </a:extLst>
+          </p:cNvPr>
+          <p:cNvCxnSpPr>
+            <a:cxnSpLocks/>
+            <a:stCxn id="8" idx="2"/>
+            <a:endCxn id="18" idx="0"/>
+          </p:cNvCxnSpPr>
+          <p:nvPr/>
+        </p:nvCxnSpPr>
+        <p:spPr>
+          <a:xfrm flipH="1">
+            <a:off x="6095999" y="4335930"/>
+            <a:ext cx="1" cy="186582"/>
+          </a:xfrm>
+          <a:prstGeom prst="straightConnector1">
+            <a:avLst/>
+          </a:prstGeom>
+          <a:ln>
+            <a:solidFill>
+              <a:schemeClr val="tx2"/>
+            </a:solidFill>
+            <a:tailEnd type="triangle"/>
+          </a:ln>
+        </p:spPr>
+        <p:style>
+          <a:lnRef idx="1">
+            <a:schemeClr val="accent1"/>
+          </a:lnRef>
+          <a:fillRef idx="0">
+            <a:schemeClr val="accent1"/>
+          </a:fillRef>
+          <a:effectRef idx="0">
+            <a:schemeClr val="accent1"/>
+          </a:effectRef>
+          <a:fontRef idx="minor">
+            <a:schemeClr val="tx1"/>
+          </a:fontRef>
+        </p:style>
+      </p:cxnSp>
+      <p:cxnSp>
+        <p:nvCxnSpPr>
+          <p:cNvPr id="25" name="Straight Arrow Connector 24">
+            <a:extLst>
+              <a:ext uri="{FF2B5EF4-FFF2-40B4-BE49-F238E27FC236}">
+                <a16:creationId xmlns:a16="http://schemas.microsoft.com/office/drawing/2014/main" id="{EA307671-FFDF-4933-A60A-AE3D2F68325B}"/>
+              </a:ext>
+            </a:extLst>
+          </p:cNvPr>
+          <p:cNvCxnSpPr>
+            <a:cxnSpLocks/>
+            <a:stCxn id="18" idx="2"/>
+          </p:cNvCxnSpPr>
+          <p:nvPr/>
+        </p:nvCxnSpPr>
+        <p:spPr>
+          <a:xfrm>
+            <a:off x="6095999" y="4936571"/>
+            <a:ext cx="0" cy="269527"/>
+          </a:xfrm>
+          <a:prstGeom prst="straightConnector1">
+            <a:avLst/>
+          </a:prstGeom>
+          <a:ln>
+            <a:solidFill>
+              <a:schemeClr val="tx2"/>
+            </a:solidFill>
+            <a:tailEnd type="triangle"/>
+          </a:ln>
+        </p:spPr>
+        <p:style>
+          <a:lnRef idx="1">
+            <a:schemeClr val="accent1"/>
+          </a:lnRef>
+          <a:fillRef idx="0">
+            <a:schemeClr val="accent1"/>
+          </a:fillRef>
+          <a:effectRef idx="0">
+            <a:schemeClr val="accent1"/>
+          </a:effectRef>
+          <a:fontRef idx="minor">
+            <a:schemeClr val="tx1"/>
+          </a:fontRef>
+        </p:style>
+      </p:cxnSp>
+      <p:cxnSp>
+        <p:nvCxnSpPr>
+          <p:cNvPr id="27" name="Straight Arrow Connector 26">
+            <a:extLst>
+              <a:ext uri="{FF2B5EF4-FFF2-40B4-BE49-F238E27FC236}">
+                <a16:creationId xmlns:a16="http://schemas.microsoft.com/office/drawing/2014/main" id="{4068706A-538D-4658-8B0B-91F097B30930}"/>
+              </a:ext>
+            </a:extLst>
+          </p:cNvPr>
+          <p:cNvCxnSpPr>
+            <a:endCxn id="21" idx="0"/>
+          </p:cNvCxnSpPr>
+          <p:nvPr/>
+        </p:nvCxnSpPr>
+        <p:spPr>
+          <a:xfrm>
+            <a:off x="6095999" y="5466461"/>
+            <a:ext cx="1" cy="200122"/>
+          </a:xfrm>
+          <a:prstGeom prst="straightConnector1">
+            <a:avLst/>
+          </a:prstGeom>
+          <a:ln>
+            <a:solidFill>
+              <a:schemeClr val="tx2"/>
+            </a:solidFill>
+            <a:tailEnd type="triangle"/>
+          </a:ln>
+        </p:spPr>
+        <p:style>
+          <a:lnRef idx="1">
+            <a:schemeClr val="accent1"/>
+          </a:lnRef>
+          <a:fillRef idx="0">
+            <a:schemeClr val="accent1"/>
+          </a:fillRef>
+          <a:effectRef idx="0">
+            <a:schemeClr val="accent1"/>
+          </a:effectRef>
+          <a:fontRef idx="minor">
+            <a:schemeClr val="tx1"/>
+          </a:fontRef>
+        </p:style>
+      </p:cxnSp>
+      <p:cxnSp>
+        <p:nvCxnSpPr>
+          <p:cNvPr id="29" name="Straight Arrow Connector 28">
+            <a:extLst>
+              <a:ext uri="{FF2B5EF4-FFF2-40B4-BE49-F238E27FC236}">
+                <a16:creationId xmlns:a16="http://schemas.microsoft.com/office/drawing/2014/main" id="{55BB0334-25EF-4EBA-AD51-F1AD3B7B877F}"/>
+              </a:ext>
+            </a:extLst>
+          </p:cNvPr>
+          <p:cNvCxnSpPr>
+            <a:stCxn id="21" idx="2"/>
+            <a:endCxn id="20" idx="0"/>
+          </p:cNvCxnSpPr>
+          <p:nvPr/>
+        </p:nvCxnSpPr>
+        <p:spPr>
+          <a:xfrm flipH="1">
+            <a:off x="6095999" y="5876144"/>
+            <a:ext cx="1" cy="269526"/>
+          </a:xfrm>
+          <a:prstGeom prst="straightConnector1">
+            <a:avLst/>
+          </a:prstGeom>
+          <a:ln>
+            <a:solidFill>
+              <a:schemeClr val="tx2"/>
+            </a:solidFill>
+            <a:tailEnd type="triangle"/>
+          </a:ln>
+        </p:spPr>
+        <p:style>
+          <a:lnRef idx="1">
+            <a:schemeClr val="accent1"/>
+          </a:lnRef>
+          <a:fillRef idx="0">
+            <a:schemeClr val="accent1"/>
+          </a:fillRef>
+          <a:effectRef idx="0">
+            <a:schemeClr val="accent1"/>
+          </a:effectRef>
+          <a:fontRef idx="minor">
+            <a:schemeClr val="tx1"/>
+          </a:fontRef>
+        </p:style>
+      </p:cxnSp>
+      <p:cxnSp>
+        <p:nvCxnSpPr>
+          <p:cNvPr id="33" name="Connector: Elbow 32">
+            <a:extLst>
+              <a:ext uri="{FF2B5EF4-FFF2-40B4-BE49-F238E27FC236}">
+                <a16:creationId xmlns:a16="http://schemas.microsoft.com/office/drawing/2014/main" id="{90038E0C-F5C3-4570-A521-D21E7ED4377D}"/>
+              </a:ext>
+            </a:extLst>
+          </p:cNvPr>
+          <p:cNvCxnSpPr>
+            <a:cxnSpLocks/>
+            <a:endCxn id="18" idx="1"/>
+          </p:cNvCxnSpPr>
+          <p:nvPr/>
+        </p:nvCxnSpPr>
+        <p:spPr>
+          <a:xfrm>
+            <a:off x="809625" y="1235933"/>
+            <a:ext cx="4195761" cy="3493609"/>
+          </a:xfrm>
+          <a:prstGeom prst="bentConnector3">
+            <a:avLst>
+              <a:gd name="adj1" fmla="val 57"/>
+            </a:avLst>
+          </a:prstGeom>
+          <a:ln>
+            <a:solidFill>
+              <a:schemeClr val="tx2"/>
+            </a:solidFill>
+            <a:tailEnd type="triangle"/>
+          </a:ln>
+        </p:spPr>
+        <p:style>
+          <a:lnRef idx="1">
+            <a:schemeClr val="accent1"/>
+          </a:lnRef>
+          <a:fillRef idx="0">
+            <a:schemeClr val="accent1"/>
+          </a:fillRef>
+          <a:effectRef idx="0">
+            <a:schemeClr val="accent1"/>
+          </a:effectRef>
+          <a:fontRef idx="minor">
+            <a:schemeClr val="tx1"/>
+          </a:fontRef>
+        </p:style>
+      </p:cxnSp>
+    </p:spTree>
+    <p:extLst>
+      <p:ext uri="{BB962C8B-B14F-4D97-AF65-F5344CB8AC3E}">
+        <p14:creationId xmlns:p14="http://schemas.microsoft.com/office/powerpoint/2010/main" val="3205338937"/>
       </p:ext>
     </p:extLst>
   </p:cSld>
@@ -38229,36 +43903,12 @@
           <a:lstStyle/>
           <a:p>
             <a:r>
-              <a:rPr lang="en-US" sz="1400" dirty="0" err="1">
+              <a:rPr lang="en-US" sz="1400" dirty="0">
                 <a:solidFill>
                   <a:schemeClr val="bg1"/>
                 </a:solidFill>
               </a:rPr>
-              <a:t>GloVe</a:t>
-            </a:r>
-            <a:r>
-              <a:rPr lang="en-US" sz="1400" dirty="0">
-                <a:solidFill>
-                  <a:schemeClr val="bg1"/>
-                </a:solidFill>
-              </a:rPr>
-              <a:t> (word) + </a:t>
-            </a:r>
-            <a:r>
-              <a:rPr lang="en-US" sz="1400" dirty="0" err="1">
-                <a:solidFill>
-                  <a:schemeClr val="bg1"/>
-                </a:solidFill>
-              </a:rPr>
-              <a:t>InferSent</a:t>
-            </a:r>
-            <a:r>
-              <a:rPr lang="en-US" sz="1400" dirty="0">
-                <a:solidFill>
-                  <a:schemeClr val="bg1"/>
-                </a:solidFill>
-              </a:rPr>
-              <a:t> (sentence)</a:t>
+              <a:t>GloVe (word) + InferSent (sentence)</a:t>
             </a:r>
           </a:p>
         </p:txBody>
@@ -40881,7 +46531,7 @@
           <a:lstStyle/>
           <a:p>
             <a:r>
-              <a:rPr lang="en-US" dirty="0"/>
+              <a:rPr lang="en-US" sz="1800" dirty="0"/>
               <a:t>Performance Evaluation – Context Generation Techniques</a:t>
             </a:r>
           </a:p>
@@ -41212,10 +46862,9 @@
                     <a:lstStyle/>
                     <a:p>
                       <a:r>
-                        <a:rPr lang="en-US" sz="1400"/>
+                        <a:rPr lang="en-US" sz="1400" dirty="0"/>
                         <a:t>GloVe (word vectors) + InferSent (sentence encoder)</a:t>
                       </a:r>
-                      <a:endParaRPr lang="en-US" sz="1400" dirty="0"/>
                     </a:p>
                   </a:txBody>
                   <a:tcPr/>
@@ -41795,16 +47444,16 @@
           </a:lstStyle>
           <a:p>
             <a:r>
-              <a:rPr lang="en-US" dirty="0"/>
+              <a:rPr lang="en-US" sz="1800" dirty="0"/>
               <a:t>Performance Comparison of fine-tuned BERT QA models on </a:t>
             </a:r>
             <a:r>
-              <a:rPr lang="en-US" dirty="0" err="1"/>
+              <a:rPr lang="en-US" sz="1800" dirty="0" err="1"/>
               <a:t>CovidQA</a:t>
             </a:r>
             <a:r>
-              <a:rPr lang="en-US" dirty="0"/>
-              <a:t> test data:</a:t>
+              <a:rPr lang="en-US" sz="1800" dirty="0"/>
+              <a:t> test data</a:t>
             </a:r>
           </a:p>
         </p:txBody>
@@ -42826,18 +48475,18 @@
 </file>
 
 <file path=customXml/item1.xml><?xml version="1.0" encoding="utf-8"?>
+<p:properties xmlns:p="http://schemas.microsoft.com/office/2006/metadata/properties" xmlns:xsi="http://www.w3.org/2001/XMLSchema-instance" xmlns:pc="http://schemas.microsoft.com/office/infopath/2007/PartnerControls">
+  <documentManagement/>
+</p:properties>
+</file>
+
+<file path=customXml/item2.xml><?xml version="1.0" encoding="utf-8"?>
 <?mso-contentType ?>
 <FormTemplates xmlns="http://schemas.microsoft.com/sharepoint/v3/contenttype/forms">
   <Display>DocumentLibraryForm</Display>
   <Edit>DocumentLibraryForm</Edit>
   <New>DocumentLibraryForm</New>
 </FormTemplates>
-</file>
-
-<file path=customXml/item2.xml><?xml version="1.0" encoding="utf-8"?>
-<p:properties xmlns:p="http://schemas.microsoft.com/office/2006/metadata/properties" xmlns:xsi="http://www.w3.org/2001/XMLSchema-instance" xmlns:pc="http://schemas.microsoft.com/office/infopath/2007/PartnerControls">
-  <documentManagement/>
-</p:properties>
 </file>
 
 <file path=customXml/item3.xml><?xml version="1.0" encoding="utf-8"?>
@@ -43044,14 +48693,6 @@
 </file>
 
 <file path=customXml/itemProps1.xml><?xml version="1.0" encoding="utf-8"?>
-<ds:datastoreItem xmlns:ds="http://schemas.openxmlformats.org/officeDocument/2006/customXml" ds:itemID="{17598B6F-21C7-46B5-B45C-5A91A8F2B868}">
-  <ds:schemaRefs>
-    <ds:schemaRef ds:uri="http://schemas.microsoft.com/sharepoint/v3/contenttype/forms"/>
-  </ds:schemaRefs>
-</ds:datastoreItem>
-</file>
-
-<file path=customXml/itemProps2.xml><?xml version="1.0" encoding="utf-8"?>
 <ds:datastoreItem xmlns:ds="http://schemas.openxmlformats.org/officeDocument/2006/customXml" ds:itemID="{F48113ED-4CA2-465C-9998-CEF7F23421D3}">
   <ds:schemaRefs>
     <ds:schemaRef ds:uri="6ba7e38e-ddf0-4724-a2d5-9b4fb54c860d"/>
@@ -43064,6 +48705,14 @@
     <ds:schemaRef ds:uri="9932b51f-831c-4be5-9e70-4d4f57939b5a"/>
     <ds:schemaRef ds:uri="http://www.w3.org/XML/1998/namespace"/>
     <ds:schemaRef ds:uri="http://purl.org/dc/dcmitype/"/>
+  </ds:schemaRefs>
+</ds:datastoreItem>
+</file>
+
+<file path=customXml/itemProps2.xml><?xml version="1.0" encoding="utf-8"?>
+<ds:datastoreItem xmlns:ds="http://schemas.openxmlformats.org/officeDocument/2006/customXml" ds:itemID="{17598B6F-21C7-46B5-B45C-5A91A8F2B868}">
+  <ds:schemaRefs>
+    <ds:schemaRef ds:uri="http://schemas.microsoft.com/sharepoint/v3/contenttype/forms"/>
   </ds:schemaRefs>
 </ds:datastoreItem>
 </file>
